--- a/ERD Design.pptx
+++ b/ERD Design.pptx
@@ -6,6 +6,14 @@
   </p:sldMasterIdLst>
   <p:sldIdLst>
     <p:sldId id="257" r:id="rId2"/>
+    <p:sldId id="261" r:id="rId3"/>
+    <p:sldId id="262" r:id="rId4"/>
+    <p:sldId id="263" r:id="rId5"/>
+    <p:sldId id="264" r:id="rId6"/>
+    <p:sldId id="265" r:id="rId7"/>
+    <p:sldId id="258" r:id="rId8"/>
+    <p:sldId id="259" r:id="rId9"/>
+    <p:sldId id="260" r:id="rId10"/>
   </p:sldIdLst>
   <p:sldSz cx="12192000" cy="6858000"/>
   <p:notesSz cx="6858000" cy="9144000"/>
@@ -104,6 +112,11 @@
       </a:defRPr>
     </a:lvl9pPr>
   </p:defaultTextStyle>
+  <p:extLst>
+    <p:ext uri="{EFAFB233-063F-42B5-8137-9DF3F51BA10A}">
+      <p15:sldGuideLst xmlns:p15="http://schemas.microsoft.com/office/powerpoint/2012/main"/>
+    </p:ext>
+  </p:extLst>
 </p:presentation>
 </file>
 
@@ -4881,6 +4894,8889 @@
 </p:sld>
 </file>
 
+<file path=ppt/slides/slide2.xml><?xml version="1.0" encoding="utf-8"?>
+<p:sld xmlns:a="http://schemas.openxmlformats.org/drawingml/2006/main" xmlns:r="http://schemas.openxmlformats.org/officeDocument/2006/relationships" xmlns:p="http://schemas.openxmlformats.org/presentationml/2006/main">
+  <p:cSld>
+    <p:spTree>
+      <p:nvGrpSpPr>
+        <p:cNvPr id="1" name=""/>
+        <p:cNvGrpSpPr/>
+        <p:nvPr/>
+      </p:nvGrpSpPr>
+      <p:grpSpPr>
+        <a:xfrm>
+          <a:off x="0" y="0"/>
+          <a:ext cx="0" cy="0"/>
+          <a:chOff x="0" y="0"/>
+          <a:chExt cx="0" cy="0"/>
+        </a:xfrm>
+      </p:grpSpPr>
+      <p:grpSp>
+        <p:nvGrpSpPr>
+          <p:cNvPr id="40" name="Group 39">
+            <a:extLst>
+              <a:ext uri="{FF2B5EF4-FFF2-40B4-BE49-F238E27FC236}">
+                <a16:creationId xmlns:a16="http://schemas.microsoft.com/office/drawing/2014/main" id="{587A08DF-7782-477F-A94F-CB0A45B0D1C9}"/>
+              </a:ext>
+            </a:extLst>
+          </p:cNvPr>
+          <p:cNvGrpSpPr/>
+          <p:nvPr/>
+        </p:nvGrpSpPr>
+        <p:grpSpPr>
+          <a:xfrm>
+            <a:off x="829993" y="845845"/>
+            <a:ext cx="7737230" cy="1153550"/>
+            <a:chOff x="1322363" y="1605503"/>
+            <a:chExt cx="7737230" cy="1153550"/>
+          </a:xfrm>
+        </p:grpSpPr>
+        <p:grpSp>
+          <p:nvGrpSpPr>
+            <p:cNvPr id="42" name="Group 41">
+              <a:extLst>
+                <a:ext uri="{FF2B5EF4-FFF2-40B4-BE49-F238E27FC236}">
+                  <a16:creationId xmlns:a16="http://schemas.microsoft.com/office/drawing/2014/main" id="{3F5D9DB2-482B-4B25-B993-78C5417B3241}"/>
+                </a:ext>
+              </a:extLst>
+            </p:cNvPr>
+            <p:cNvGrpSpPr/>
+            <p:nvPr/>
+          </p:nvGrpSpPr>
+          <p:grpSpPr>
+            <a:xfrm>
+              <a:off x="1322363" y="1605503"/>
+              <a:ext cx="7737230" cy="1153550"/>
+              <a:chOff x="1322363" y="1605503"/>
+              <a:chExt cx="7737230" cy="1153550"/>
+            </a:xfrm>
+          </p:grpSpPr>
+          <p:sp>
+            <p:nvSpPr>
+              <p:cNvPr id="46" name="TextBox 45">
+                <a:extLst>
+                  <a:ext uri="{FF2B5EF4-FFF2-40B4-BE49-F238E27FC236}">
+                    <a16:creationId xmlns:a16="http://schemas.microsoft.com/office/drawing/2014/main" id="{27E4A431-6797-42D3-84C7-4D9ED15151B8}"/>
+                  </a:ext>
+                </a:extLst>
+              </p:cNvPr>
+              <p:cNvSpPr txBox="1"/>
+              <p:nvPr/>
+            </p:nvSpPr>
+            <p:spPr>
+              <a:xfrm>
+                <a:off x="1322363" y="2011680"/>
+                <a:ext cx="1941342" cy="338554"/>
+              </a:xfrm>
+              <a:prstGeom prst="rect">
+                <a:avLst/>
+              </a:prstGeom>
+              <a:noFill/>
+              <a:ln w="12700">
+                <a:solidFill>
+                  <a:schemeClr val="tx1"/>
+                </a:solidFill>
+              </a:ln>
+            </p:spPr>
+            <p:txBody>
+              <a:bodyPr wrap="square" rtlCol="0">
+                <a:spAutoFit/>
+              </a:bodyPr>
+              <a:lstStyle/>
+              <a:p>
+                <a:pPr algn="ctr"/>
+                <a:r>
+                  <a:rPr lang="en-US" sz="1600" dirty="0"/>
+                  <a:t>Patient</a:t>
+                </a:r>
+                <a:endParaRPr lang="bn-BD" sz="1600" dirty="0"/>
+              </a:p>
+            </p:txBody>
+          </p:sp>
+          <p:sp>
+            <p:nvSpPr>
+              <p:cNvPr id="47" name="TextBox 46">
+                <a:extLst>
+                  <a:ext uri="{FF2B5EF4-FFF2-40B4-BE49-F238E27FC236}">
+                    <a16:creationId xmlns:a16="http://schemas.microsoft.com/office/drawing/2014/main" id="{F706B8D0-4BAE-4879-BDF9-34F716D90A41}"/>
+                  </a:ext>
+                </a:extLst>
+              </p:cNvPr>
+              <p:cNvSpPr txBox="1"/>
+              <p:nvPr/>
+            </p:nvSpPr>
+            <p:spPr>
+              <a:xfrm>
+                <a:off x="7005713" y="2053884"/>
+                <a:ext cx="1941342" cy="338554"/>
+              </a:xfrm>
+              <a:prstGeom prst="rect">
+                <a:avLst/>
+              </a:prstGeom>
+              <a:noFill/>
+              <a:ln w="12700">
+                <a:solidFill>
+                  <a:schemeClr val="tx1"/>
+                </a:solidFill>
+              </a:ln>
+            </p:spPr>
+            <p:txBody>
+              <a:bodyPr wrap="square" rtlCol="0">
+                <a:spAutoFit/>
+              </a:bodyPr>
+              <a:lstStyle/>
+              <a:p>
+                <a:pPr algn="ctr"/>
+                <a:r>
+                  <a:rPr lang="en-US" sz="1600" dirty="0">
+                    <a:solidFill>
+                      <a:schemeClr val="tx1"/>
+                    </a:solidFill>
+                  </a:rPr>
+                  <a:t>Admission</a:t>
+                </a:r>
+                <a:endParaRPr lang="bn-BD" sz="1600" dirty="0"/>
+              </a:p>
+            </p:txBody>
+          </p:sp>
+          <p:sp>
+            <p:nvSpPr>
+              <p:cNvPr id="48" name="Rectangle 47">
+                <a:extLst>
+                  <a:ext uri="{FF2B5EF4-FFF2-40B4-BE49-F238E27FC236}">
+                    <a16:creationId xmlns:a16="http://schemas.microsoft.com/office/drawing/2014/main" id="{E38B3B03-9083-494B-8146-6168ED23343A}"/>
+                  </a:ext>
+                </a:extLst>
+              </p:cNvPr>
+              <p:cNvSpPr/>
+              <p:nvPr/>
+            </p:nvSpPr>
+            <p:spPr>
+              <a:xfrm>
+                <a:off x="6893169" y="1983544"/>
+                <a:ext cx="2166424" cy="534572"/>
+              </a:xfrm>
+              <a:prstGeom prst="rect">
+                <a:avLst/>
+              </a:prstGeom>
+              <a:noFill/>
+              <a:ln>
+                <a:solidFill>
+                  <a:schemeClr val="tx1"/>
+                </a:solidFill>
+              </a:ln>
+            </p:spPr>
+            <p:style>
+              <a:lnRef idx="2">
+                <a:schemeClr val="accent6"/>
+              </a:lnRef>
+              <a:fillRef idx="1">
+                <a:schemeClr val="lt1"/>
+              </a:fillRef>
+              <a:effectRef idx="0">
+                <a:schemeClr val="accent6"/>
+              </a:effectRef>
+              <a:fontRef idx="minor">
+                <a:schemeClr val="dk1"/>
+              </a:fontRef>
+            </p:style>
+            <p:txBody>
+              <a:bodyPr rtlCol="0" anchor="ctr"/>
+              <a:lstStyle/>
+              <a:p>
+                <a:pPr algn="ctr"/>
+                <a:endParaRPr lang="bn-BD"/>
+              </a:p>
+            </p:txBody>
+          </p:sp>
+          <p:sp>
+            <p:nvSpPr>
+              <p:cNvPr id="49" name="Diamond 48">
+                <a:extLst>
+                  <a:ext uri="{FF2B5EF4-FFF2-40B4-BE49-F238E27FC236}">
+                    <a16:creationId xmlns:a16="http://schemas.microsoft.com/office/drawing/2014/main" id="{1040AAEC-BA6C-4C47-A7A4-5438F2BABB93}"/>
+                  </a:ext>
+                </a:extLst>
+              </p:cNvPr>
+              <p:cNvSpPr/>
+              <p:nvPr/>
+            </p:nvSpPr>
+            <p:spPr>
+              <a:xfrm>
+                <a:off x="4262511" y="1605503"/>
+                <a:ext cx="1294227" cy="1153550"/>
+              </a:xfrm>
+              <a:prstGeom prst="diamond">
+                <a:avLst/>
+              </a:prstGeom>
+              <a:noFill/>
+              <a:ln>
+                <a:solidFill>
+                  <a:schemeClr val="tx1"/>
+                </a:solidFill>
+              </a:ln>
+            </p:spPr>
+            <p:style>
+              <a:lnRef idx="2">
+                <a:schemeClr val="accent1">
+                  <a:shade val="50000"/>
+                </a:schemeClr>
+              </a:lnRef>
+              <a:fillRef idx="1">
+                <a:schemeClr val="accent1"/>
+              </a:fillRef>
+              <a:effectRef idx="0">
+                <a:schemeClr val="accent1"/>
+              </a:effectRef>
+              <a:fontRef idx="minor">
+                <a:schemeClr val="lt1"/>
+              </a:fontRef>
+            </p:style>
+            <p:txBody>
+              <a:bodyPr rtlCol="0" anchor="ctr"/>
+              <a:lstStyle/>
+              <a:p>
+                <a:pPr algn="ctr"/>
+                <a:endParaRPr lang="bn-BD"/>
+              </a:p>
+            </p:txBody>
+          </p:sp>
+          <p:sp>
+            <p:nvSpPr>
+              <p:cNvPr id="50" name="Diamond 49">
+                <a:extLst>
+                  <a:ext uri="{FF2B5EF4-FFF2-40B4-BE49-F238E27FC236}">
+                    <a16:creationId xmlns:a16="http://schemas.microsoft.com/office/drawing/2014/main" id="{2D2CCE80-CB3F-4278-A40C-EEB3DA6E881C}"/>
+                  </a:ext>
+                </a:extLst>
+              </p:cNvPr>
+              <p:cNvSpPr/>
+              <p:nvPr/>
+            </p:nvSpPr>
+            <p:spPr>
+              <a:xfrm>
+                <a:off x="4375051" y="1717598"/>
+                <a:ext cx="1069145" cy="957495"/>
+              </a:xfrm>
+              <a:prstGeom prst="diamond">
+                <a:avLst/>
+              </a:prstGeom>
+              <a:noFill/>
+              <a:ln>
+                <a:solidFill>
+                  <a:schemeClr val="tx1"/>
+                </a:solidFill>
+              </a:ln>
+            </p:spPr>
+            <p:style>
+              <a:lnRef idx="2">
+                <a:schemeClr val="accent1">
+                  <a:shade val="50000"/>
+                </a:schemeClr>
+              </a:lnRef>
+              <a:fillRef idx="1">
+                <a:schemeClr val="accent1"/>
+              </a:fillRef>
+              <a:effectRef idx="0">
+                <a:schemeClr val="accent1"/>
+              </a:effectRef>
+              <a:fontRef idx="minor">
+                <a:schemeClr val="lt1"/>
+              </a:fontRef>
+            </p:style>
+            <p:txBody>
+              <a:bodyPr rtlCol="0" anchor="ctr"/>
+              <a:lstStyle/>
+              <a:p>
+                <a:endParaRPr lang="bn-BD" sz="1400" dirty="0">
+                  <a:solidFill>
+                    <a:schemeClr val="tx1"/>
+                  </a:solidFill>
+                </a:endParaRPr>
+              </a:p>
+            </p:txBody>
+          </p:sp>
+          <p:sp>
+            <p:nvSpPr>
+              <p:cNvPr id="51" name="TextBox 50">
+                <a:extLst>
+                  <a:ext uri="{FF2B5EF4-FFF2-40B4-BE49-F238E27FC236}">
+                    <a16:creationId xmlns:a16="http://schemas.microsoft.com/office/drawing/2014/main" id="{0D4CD513-D516-41E4-B121-007A74ED3400}"/>
+                  </a:ext>
+                </a:extLst>
+              </p:cNvPr>
+              <p:cNvSpPr txBox="1"/>
+              <p:nvPr/>
+            </p:nvSpPr>
+            <p:spPr>
+              <a:xfrm>
+                <a:off x="4501662" y="1983544"/>
+                <a:ext cx="1055074" cy="461665"/>
+              </a:xfrm>
+              <a:prstGeom prst="rect">
+                <a:avLst/>
+              </a:prstGeom>
+              <a:noFill/>
+            </p:spPr>
+            <p:txBody>
+              <a:bodyPr wrap="square" rtlCol="0">
+                <a:spAutoFit/>
+              </a:bodyPr>
+              <a:lstStyle/>
+              <a:p>
+                <a:r>
+                  <a:rPr lang="en-US" sz="1200" dirty="0">
+                    <a:solidFill>
+                      <a:schemeClr val="tx1"/>
+                    </a:solidFill>
+                  </a:rPr>
+                  <a:t>Get </a:t>
+                </a:r>
+              </a:p>
+              <a:p>
+                <a:r>
+                  <a:rPr lang="en-US" sz="1200" dirty="0">
+                    <a:solidFill>
+                      <a:schemeClr val="tx1"/>
+                    </a:solidFill>
+                  </a:rPr>
+                  <a:t>Admitted</a:t>
+                </a:r>
+                <a:endParaRPr lang="bn-BD" sz="1200" dirty="0"/>
+              </a:p>
+            </p:txBody>
+          </p:sp>
+        </p:grpSp>
+        <p:cxnSp>
+          <p:nvCxnSpPr>
+            <p:cNvPr id="43" name="Straight Arrow Connector 42">
+              <a:extLst>
+                <a:ext uri="{FF2B5EF4-FFF2-40B4-BE49-F238E27FC236}">
+                  <a16:creationId xmlns:a16="http://schemas.microsoft.com/office/drawing/2014/main" id="{A62150E7-6929-4A5F-AB4F-21F71FD7D871}"/>
+                </a:ext>
+              </a:extLst>
+            </p:cNvPr>
+            <p:cNvCxnSpPr>
+              <a:cxnSpLocks/>
+              <a:stCxn id="49" idx="1"/>
+              <a:endCxn id="46" idx="3"/>
+            </p:cNvCxnSpPr>
+            <p:nvPr/>
+          </p:nvCxnSpPr>
+          <p:spPr>
+            <a:xfrm flipH="1" flipV="1">
+              <a:off x="3263705" y="2180957"/>
+              <a:ext cx="998806" cy="1321"/>
+            </a:xfrm>
+            <a:prstGeom prst="straightConnector1">
+              <a:avLst/>
+            </a:prstGeom>
+            <a:ln w="12700">
+              <a:solidFill>
+                <a:schemeClr val="tx1"/>
+              </a:solidFill>
+              <a:tailEnd type="triangle"/>
+            </a:ln>
+          </p:spPr>
+          <p:style>
+            <a:lnRef idx="1">
+              <a:schemeClr val="accent1"/>
+            </a:lnRef>
+            <a:fillRef idx="0">
+              <a:schemeClr val="accent1"/>
+            </a:fillRef>
+            <a:effectRef idx="0">
+              <a:schemeClr val="accent1"/>
+            </a:effectRef>
+            <a:fontRef idx="minor">
+              <a:schemeClr val="tx1"/>
+            </a:fontRef>
+          </p:style>
+        </p:cxnSp>
+        <p:cxnSp>
+          <p:nvCxnSpPr>
+            <p:cNvPr id="44" name="Straight Connector 43">
+              <a:extLst>
+                <a:ext uri="{FF2B5EF4-FFF2-40B4-BE49-F238E27FC236}">
+                  <a16:creationId xmlns:a16="http://schemas.microsoft.com/office/drawing/2014/main" id="{2E944088-2328-4605-A68F-270C444B3F14}"/>
+                </a:ext>
+              </a:extLst>
+            </p:cNvPr>
+            <p:cNvCxnSpPr>
+              <a:cxnSpLocks/>
+            </p:cNvCxnSpPr>
+            <p:nvPr/>
+          </p:nvCxnSpPr>
+          <p:spPr>
+            <a:xfrm>
+              <a:off x="5444196" y="2124224"/>
+              <a:ext cx="1448973" cy="0"/>
+            </a:xfrm>
+            <a:prstGeom prst="line">
+              <a:avLst/>
+            </a:prstGeom>
+            <a:ln w="12700">
+              <a:solidFill>
+                <a:schemeClr val="tx1"/>
+              </a:solidFill>
+            </a:ln>
+          </p:spPr>
+          <p:style>
+            <a:lnRef idx="1">
+              <a:schemeClr val="accent1"/>
+            </a:lnRef>
+            <a:fillRef idx="0">
+              <a:schemeClr val="accent1"/>
+            </a:fillRef>
+            <a:effectRef idx="0">
+              <a:schemeClr val="accent1"/>
+            </a:effectRef>
+            <a:fontRef idx="minor">
+              <a:schemeClr val="tx1"/>
+            </a:fontRef>
+          </p:style>
+        </p:cxnSp>
+        <p:cxnSp>
+          <p:nvCxnSpPr>
+            <p:cNvPr id="45" name="Straight Connector 44">
+              <a:extLst>
+                <a:ext uri="{FF2B5EF4-FFF2-40B4-BE49-F238E27FC236}">
+                  <a16:creationId xmlns:a16="http://schemas.microsoft.com/office/drawing/2014/main" id="{ECA72766-FA88-4B32-B093-2EF4D3509E62}"/>
+                </a:ext>
+              </a:extLst>
+            </p:cNvPr>
+            <p:cNvCxnSpPr>
+              <a:cxnSpLocks/>
+            </p:cNvCxnSpPr>
+            <p:nvPr/>
+          </p:nvCxnSpPr>
+          <p:spPr>
+            <a:xfrm>
+              <a:off x="5458264" y="2252618"/>
+              <a:ext cx="1448973" cy="0"/>
+            </a:xfrm>
+            <a:prstGeom prst="line">
+              <a:avLst/>
+            </a:prstGeom>
+            <a:ln w="12700">
+              <a:solidFill>
+                <a:schemeClr val="tx1"/>
+              </a:solidFill>
+            </a:ln>
+          </p:spPr>
+          <p:style>
+            <a:lnRef idx="1">
+              <a:schemeClr val="accent1"/>
+            </a:lnRef>
+            <a:fillRef idx="0">
+              <a:schemeClr val="accent1"/>
+            </a:fillRef>
+            <a:effectRef idx="0">
+              <a:schemeClr val="accent1"/>
+            </a:effectRef>
+            <a:fontRef idx="minor">
+              <a:schemeClr val="tx1"/>
+            </a:fontRef>
+          </p:style>
+        </p:cxnSp>
+      </p:grpSp>
+    </p:spTree>
+    <p:extLst>
+      <p:ext uri="{BB962C8B-B14F-4D97-AF65-F5344CB8AC3E}">
+        <p14:creationId xmlns:p14="http://schemas.microsoft.com/office/powerpoint/2010/main" val="905719681"/>
+      </p:ext>
+    </p:extLst>
+  </p:cSld>
+  <p:clrMapOvr>
+    <a:masterClrMapping/>
+  </p:clrMapOvr>
+</p:sld>
+</file>
+
+<file path=ppt/slides/slide3.xml><?xml version="1.0" encoding="utf-8"?>
+<p:sld xmlns:a="http://schemas.openxmlformats.org/drawingml/2006/main" xmlns:r="http://schemas.openxmlformats.org/officeDocument/2006/relationships" xmlns:p="http://schemas.openxmlformats.org/presentationml/2006/main">
+  <p:cSld>
+    <p:spTree>
+      <p:nvGrpSpPr>
+        <p:cNvPr id="1" name=""/>
+        <p:cNvGrpSpPr/>
+        <p:nvPr/>
+      </p:nvGrpSpPr>
+      <p:grpSpPr>
+        <a:xfrm>
+          <a:off x="0" y="0"/>
+          <a:ext cx="0" cy="0"/>
+          <a:chOff x="0" y="0"/>
+          <a:chExt cx="0" cy="0"/>
+        </a:xfrm>
+      </p:grpSpPr>
+      <p:sp>
+        <p:nvSpPr>
+          <p:cNvPr id="4" name="Rectangle 3"/>
+          <p:cNvSpPr/>
+          <p:nvPr/>
+        </p:nvSpPr>
+        <p:spPr>
+          <a:xfrm>
+            <a:off x="1981200" y="2819400"/>
+            <a:ext cx="1143000" cy="609600"/>
+          </a:xfrm>
+          <a:prstGeom prst="rect">
+            <a:avLst/>
+          </a:prstGeom>
+          <a:solidFill>
+            <a:schemeClr val="tx2">
+              <a:lumMod val="20000"/>
+              <a:lumOff val="80000"/>
+            </a:schemeClr>
+          </a:solidFill>
+          <a:ln>
+            <a:solidFill>
+              <a:schemeClr val="tx1"/>
+            </a:solidFill>
+          </a:ln>
+        </p:spPr>
+        <p:style>
+          <a:lnRef idx="2">
+            <a:schemeClr val="accent1">
+              <a:shade val="50000"/>
+            </a:schemeClr>
+          </a:lnRef>
+          <a:fillRef idx="1">
+            <a:schemeClr val="accent1"/>
+          </a:fillRef>
+          <a:effectRef idx="0">
+            <a:schemeClr val="accent1"/>
+          </a:effectRef>
+          <a:fontRef idx="minor">
+            <a:schemeClr val="lt1"/>
+          </a:fontRef>
+        </p:style>
+        <p:txBody>
+          <a:bodyPr rtlCol="0" anchor="ctr"/>
+          <a:lstStyle/>
+          <a:p>
+            <a:pPr algn="ctr"/>
+            <a:r>
+              <a:rPr lang="en-US" sz="1600" dirty="0">
+                <a:solidFill>
+                  <a:schemeClr val="tx1"/>
+                </a:solidFill>
+              </a:rPr>
+              <a:t>Patient</a:t>
+            </a:r>
+          </a:p>
+        </p:txBody>
+      </p:sp>
+      <p:sp>
+        <p:nvSpPr>
+          <p:cNvPr id="5" name="Rectangle 4"/>
+          <p:cNvSpPr/>
+          <p:nvPr/>
+        </p:nvSpPr>
+        <p:spPr>
+          <a:xfrm>
+            <a:off x="7772400" y="2819400"/>
+            <a:ext cx="2133600" cy="685800"/>
+          </a:xfrm>
+          <a:prstGeom prst="rect">
+            <a:avLst/>
+          </a:prstGeom>
+          <a:solidFill>
+            <a:schemeClr val="tx2">
+              <a:lumMod val="20000"/>
+              <a:lumOff val="80000"/>
+            </a:schemeClr>
+          </a:solidFill>
+          <a:ln>
+            <a:solidFill>
+              <a:schemeClr val="tx1"/>
+            </a:solidFill>
+          </a:ln>
+        </p:spPr>
+        <p:style>
+          <a:lnRef idx="2">
+            <a:schemeClr val="accent1">
+              <a:shade val="50000"/>
+            </a:schemeClr>
+          </a:lnRef>
+          <a:fillRef idx="1">
+            <a:schemeClr val="accent1"/>
+          </a:fillRef>
+          <a:effectRef idx="0">
+            <a:schemeClr val="accent1"/>
+          </a:effectRef>
+          <a:fontRef idx="minor">
+            <a:schemeClr val="lt1"/>
+          </a:fontRef>
+        </p:style>
+        <p:txBody>
+          <a:bodyPr rtlCol="0" anchor="ctr"/>
+          <a:lstStyle/>
+          <a:p>
+            <a:pPr algn="ctr"/>
+            <a:endParaRPr lang="en-US" sz="800" dirty="0"/>
+          </a:p>
+        </p:txBody>
+      </p:sp>
+      <p:cxnSp>
+        <p:nvCxnSpPr>
+          <p:cNvPr id="6" name="Straight Connector 5"/>
+          <p:cNvCxnSpPr/>
+          <p:nvPr/>
+        </p:nvCxnSpPr>
+        <p:spPr>
+          <a:xfrm>
+            <a:off x="5791200" y="3200400"/>
+            <a:ext cx="1981200" cy="0"/>
+          </a:xfrm>
+          <a:prstGeom prst="line">
+            <a:avLst/>
+          </a:prstGeom>
+          <a:ln>
+            <a:solidFill>
+              <a:schemeClr val="tx1"/>
+            </a:solidFill>
+          </a:ln>
+        </p:spPr>
+        <p:style>
+          <a:lnRef idx="1">
+            <a:schemeClr val="accent1"/>
+          </a:lnRef>
+          <a:fillRef idx="0">
+            <a:schemeClr val="accent1"/>
+          </a:fillRef>
+          <a:effectRef idx="0">
+            <a:schemeClr val="accent1"/>
+          </a:effectRef>
+          <a:fontRef idx="minor">
+            <a:schemeClr val="tx1"/>
+          </a:fontRef>
+        </p:style>
+      </p:cxnSp>
+      <p:cxnSp>
+        <p:nvCxnSpPr>
+          <p:cNvPr id="7" name="Straight Connector 6"/>
+          <p:cNvCxnSpPr/>
+          <p:nvPr/>
+        </p:nvCxnSpPr>
+        <p:spPr>
+          <a:xfrm>
+            <a:off x="5791200" y="3048000"/>
+            <a:ext cx="1981200" cy="0"/>
+          </a:xfrm>
+          <a:prstGeom prst="line">
+            <a:avLst/>
+          </a:prstGeom>
+          <a:ln>
+            <a:solidFill>
+              <a:schemeClr val="tx1"/>
+            </a:solidFill>
+          </a:ln>
+        </p:spPr>
+        <p:style>
+          <a:lnRef idx="1">
+            <a:schemeClr val="accent1"/>
+          </a:lnRef>
+          <a:fillRef idx="0">
+            <a:schemeClr val="accent1"/>
+          </a:fillRef>
+          <a:effectRef idx="0">
+            <a:schemeClr val="accent1"/>
+          </a:effectRef>
+          <a:fontRef idx="minor">
+            <a:schemeClr val="tx1"/>
+          </a:fontRef>
+        </p:style>
+      </p:cxnSp>
+      <p:cxnSp>
+        <p:nvCxnSpPr>
+          <p:cNvPr id="8" name="Straight Arrow Connector 7"/>
+          <p:cNvCxnSpPr>
+            <a:endCxn id="4" idx="3"/>
+          </p:cNvCxnSpPr>
+          <p:nvPr/>
+        </p:nvCxnSpPr>
+        <p:spPr>
+          <a:xfrm rot="10800000">
+            <a:off x="3124200" y="3124200"/>
+            <a:ext cx="990600" cy="1588"/>
+          </a:xfrm>
+          <a:prstGeom prst="straightConnector1">
+            <a:avLst/>
+          </a:prstGeom>
+          <a:ln>
+            <a:solidFill>
+              <a:schemeClr val="tx1"/>
+            </a:solidFill>
+            <a:tailEnd type="arrow"/>
+          </a:ln>
+        </p:spPr>
+        <p:style>
+          <a:lnRef idx="1">
+            <a:schemeClr val="accent1"/>
+          </a:lnRef>
+          <a:fillRef idx="0">
+            <a:schemeClr val="accent1"/>
+          </a:fillRef>
+          <a:effectRef idx="0">
+            <a:schemeClr val="accent1"/>
+          </a:effectRef>
+          <a:fontRef idx="minor">
+            <a:schemeClr val="tx1"/>
+          </a:fontRef>
+        </p:style>
+      </p:cxnSp>
+      <p:sp>
+        <p:nvSpPr>
+          <p:cNvPr id="10" name="Rectangle 9"/>
+          <p:cNvSpPr/>
+          <p:nvPr/>
+        </p:nvSpPr>
+        <p:spPr>
+          <a:xfrm>
+            <a:off x="7848600" y="2895600"/>
+            <a:ext cx="1981200" cy="533400"/>
+          </a:xfrm>
+          <a:prstGeom prst="rect">
+            <a:avLst/>
+          </a:prstGeom>
+          <a:solidFill>
+            <a:schemeClr val="tx2">
+              <a:lumMod val="20000"/>
+              <a:lumOff val="80000"/>
+            </a:schemeClr>
+          </a:solidFill>
+          <a:ln w="12700" cmpd="sng">
+            <a:solidFill>
+              <a:schemeClr val="tx1"/>
+            </a:solidFill>
+          </a:ln>
+        </p:spPr>
+        <p:style>
+          <a:lnRef idx="2">
+            <a:schemeClr val="accent1">
+              <a:shade val="50000"/>
+            </a:schemeClr>
+          </a:lnRef>
+          <a:fillRef idx="1">
+            <a:schemeClr val="accent1"/>
+          </a:fillRef>
+          <a:effectRef idx="0">
+            <a:schemeClr val="accent1"/>
+          </a:effectRef>
+          <a:fontRef idx="minor">
+            <a:schemeClr val="lt1"/>
+          </a:fontRef>
+        </p:style>
+        <p:txBody>
+          <a:bodyPr rtlCol="0" anchor="ctr"/>
+          <a:lstStyle/>
+          <a:p>
+            <a:pPr algn="ctr"/>
+            <a:r>
+              <a:rPr lang="en-US" dirty="0">
+                <a:solidFill>
+                  <a:schemeClr val="tx1"/>
+                </a:solidFill>
+              </a:rPr>
+              <a:t>Admission</a:t>
+            </a:r>
+          </a:p>
+        </p:txBody>
+      </p:sp>
+      <p:sp>
+        <p:nvSpPr>
+          <p:cNvPr id="29" name="Diamond 28"/>
+          <p:cNvSpPr/>
+          <p:nvPr/>
+        </p:nvSpPr>
+        <p:spPr>
+          <a:xfrm>
+            <a:off x="3962400" y="2362200"/>
+            <a:ext cx="2057400" cy="1447800"/>
+          </a:xfrm>
+          <a:prstGeom prst="diamond">
+            <a:avLst/>
+          </a:prstGeom>
+          <a:solidFill>
+            <a:schemeClr val="accent6">
+              <a:lumMod val="40000"/>
+              <a:lumOff val="60000"/>
+            </a:schemeClr>
+          </a:solidFill>
+          <a:ln>
+            <a:solidFill>
+              <a:schemeClr val="tx1"/>
+            </a:solidFill>
+          </a:ln>
+        </p:spPr>
+        <p:style>
+          <a:lnRef idx="2">
+            <a:schemeClr val="accent1">
+              <a:shade val="50000"/>
+            </a:schemeClr>
+          </a:lnRef>
+          <a:fillRef idx="1">
+            <a:schemeClr val="accent1"/>
+          </a:fillRef>
+          <a:effectRef idx="0">
+            <a:schemeClr val="accent1"/>
+          </a:effectRef>
+          <a:fontRef idx="minor">
+            <a:schemeClr val="lt1"/>
+          </a:fontRef>
+        </p:style>
+        <p:txBody>
+          <a:bodyPr wrap="none" lIns="91440" rIns="91440" bIns="91440" rtlCol="0" anchor="ctr">
+            <a:noAutofit/>
+          </a:bodyPr>
+          <a:lstStyle/>
+          <a:p>
+            <a:pPr algn="ctr"/>
+            <a:endParaRPr lang="en-US" sz="600" dirty="0">
+              <a:solidFill>
+                <a:schemeClr val="tx1"/>
+              </a:solidFill>
+            </a:endParaRPr>
+          </a:p>
+        </p:txBody>
+      </p:sp>
+      <p:sp>
+        <p:nvSpPr>
+          <p:cNvPr id="30" name="Diamond 29"/>
+          <p:cNvSpPr/>
+          <p:nvPr/>
+        </p:nvSpPr>
+        <p:spPr>
+          <a:xfrm>
+            <a:off x="4267200" y="2590800"/>
+            <a:ext cx="1447800" cy="1066800"/>
+          </a:xfrm>
+          <a:prstGeom prst="diamond">
+            <a:avLst/>
+          </a:prstGeom>
+          <a:solidFill>
+            <a:schemeClr val="accent6">
+              <a:lumMod val="40000"/>
+              <a:lumOff val="60000"/>
+            </a:schemeClr>
+          </a:solidFill>
+          <a:ln w="12700">
+            <a:solidFill>
+              <a:schemeClr val="tx1"/>
+            </a:solidFill>
+          </a:ln>
+        </p:spPr>
+        <p:style>
+          <a:lnRef idx="2">
+            <a:schemeClr val="accent1">
+              <a:shade val="50000"/>
+            </a:schemeClr>
+          </a:lnRef>
+          <a:fillRef idx="1">
+            <a:schemeClr val="accent1"/>
+          </a:fillRef>
+          <a:effectRef idx="0">
+            <a:schemeClr val="accent1"/>
+          </a:effectRef>
+          <a:fontRef idx="minor">
+            <a:schemeClr val="lt1"/>
+          </a:fontRef>
+        </p:style>
+        <p:txBody>
+          <a:bodyPr wrap="none" lIns="91440" rIns="91440" bIns="91440" rtlCol="0" anchor="ctr">
+            <a:noAutofit/>
+          </a:bodyPr>
+          <a:lstStyle/>
+          <a:p>
+            <a:pPr algn="ctr"/>
+            <a:r>
+              <a:rPr lang="en-US" sz="1400" dirty="0">
+                <a:solidFill>
+                  <a:schemeClr val="tx1"/>
+                </a:solidFill>
+              </a:rPr>
+              <a:t>Gets Admitted</a:t>
+            </a:r>
+          </a:p>
+        </p:txBody>
+      </p:sp>
+      <p:sp>
+        <p:nvSpPr>
+          <p:cNvPr id="41" name="Oval 40"/>
+          <p:cNvSpPr/>
+          <p:nvPr/>
+        </p:nvSpPr>
+        <p:spPr>
+          <a:xfrm>
+            <a:off x="1524000" y="4953000"/>
+            <a:ext cx="1371600" cy="381000"/>
+          </a:xfrm>
+          <a:prstGeom prst="ellipse">
+            <a:avLst/>
+          </a:prstGeom>
+          <a:solidFill>
+            <a:schemeClr val="bg1">
+              <a:lumMod val="75000"/>
+            </a:schemeClr>
+          </a:solidFill>
+          <a:ln>
+            <a:solidFill>
+              <a:schemeClr val="tx1"/>
+            </a:solidFill>
+          </a:ln>
+        </p:spPr>
+        <p:style>
+          <a:lnRef idx="2">
+            <a:schemeClr val="accent1">
+              <a:shade val="50000"/>
+            </a:schemeClr>
+          </a:lnRef>
+          <a:fillRef idx="1">
+            <a:schemeClr val="accent1"/>
+          </a:fillRef>
+          <a:effectRef idx="0">
+            <a:schemeClr val="accent1"/>
+          </a:effectRef>
+          <a:fontRef idx="minor">
+            <a:schemeClr val="lt1"/>
+          </a:fontRef>
+        </p:style>
+        <p:txBody>
+          <a:bodyPr rtlCol="0" anchor="ctr"/>
+          <a:lstStyle/>
+          <a:p>
+            <a:pPr algn="ctr"/>
+            <a:r>
+              <a:rPr lang="en-US" dirty="0">
+                <a:solidFill>
+                  <a:schemeClr val="tx1"/>
+                </a:solidFill>
+              </a:rPr>
+              <a:t>Name</a:t>
+            </a:r>
+          </a:p>
+        </p:txBody>
+      </p:sp>
+      <p:sp>
+        <p:nvSpPr>
+          <p:cNvPr id="42" name="Oval 41"/>
+          <p:cNvSpPr/>
+          <p:nvPr/>
+        </p:nvSpPr>
+        <p:spPr>
+          <a:xfrm>
+            <a:off x="3352800" y="5410200"/>
+            <a:ext cx="1295400" cy="381000"/>
+          </a:xfrm>
+          <a:prstGeom prst="ellipse">
+            <a:avLst/>
+          </a:prstGeom>
+          <a:solidFill>
+            <a:schemeClr val="bg1">
+              <a:lumMod val="75000"/>
+            </a:schemeClr>
+          </a:solidFill>
+          <a:ln>
+            <a:solidFill>
+              <a:schemeClr val="tx1"/>
+            </a:solidFill>
+          </a:ln>
+        </p:spPr>
+        <p:style>
+          <a:lnRef idx="2">
+            <a:schemeClr val="accent1">
+              <a:shade val="50000"/>
+            </a:schemeClr>
+          </a:lnRef>
+          <a:fillRef idx="1">
+            <a:schemeClr val="accent1"/>
+          </a:fillRef>
+          <a:effectRef idx="0">
+            <a:schemeClr val="accent1"/>
+          </a:effectRef>
+          <a:fontRef idx="minor">
+            <a:schemeClr val="lt1"/>
+          </a:fontRef>
+        </p:style>
+        <p:txBody>
+          <a:bodyPr rtlCol="0" anchor="ctr"/>
+          <a:lstStyle/>
+          <a:p>
+            <a:pPr algn="ctr"/>
+            <a:r>
+              <a:rPr lang="en-US" dirty="0">
+                <a:solidFill>
+                  <a:schemeClr val="tx1"/>
+                </a:solidFill>
+              </a:rPr>
+              <a:t>Age</a:t>
+            </a:r>
+          </a:p>
+        </p:txBody>
+      </p:sp>
+      <p:sp>
+        <p:nvSpPr>
+          <p:cNvPr id="44" name="Oval 43"/>
+          <p:cNvSpPr/>
+          <p:nvPr/>
+        </p:nvSpPr>
+        <p:spPr>
+          <a:xfrm>
+            <a:off x="4495800" y="1143000"/>
+            <a:ext cx="1524000" cy="457200"/>
+          </a:xfrm>
+          <a:prstGeom prst="ellipse">
+            <a:avLst/>
+          </a:prstGeom>
+          <a:solidFill>
+            <a:schemeClr val="bg1">
+              <a:lumMod val="75000"/>
+            </a:schemeClr>
+          </a:solidFill>
+          <a:ln>
+            <a:solidFill>
+              <a:schemeClr val="tx1"/>
+            </a:solidFill>
+          </a:ln>
+        </p:spPr>
+        <p:style>
+          <a:lnRef idx="2">
+            <a:schemeClr val="accent1">
+              <a:shade val="50000"/>
+            </a:schemeClr>
+          </a:lnRef>
+          <a:fillRef idx="1">
+            <a:schemeClr val="accent1"/>
+          </a:fillRef>
+          <a:effectRef idx="0">
+            <a:schemeClr val="accent1"/>
+          </a:effectRef>
+          <a:fontRef idx="minor">
+            <a:schemeClr val="lt1"/>
+          </a:fontRef>
+        </p:style>
+        <p:txBody>
+          <a:bodyPr rtlCol="0" anchor="ctr"/>
+          <a:lstStyle/>
+          <a:p>
+            <a:pPr algn="ctr"/>
+            <a:r>
+              <a:rPr lang="en-US" dirty="0">
+                <a:solidFill>
+                  <a:schemeClr val="tx1"/>
+                </a:solidFill>
+              </a:rPr>
+              <a:t>Address</a:t>
+            </a:r>
+          </a:p>
+        </p:txBody>
+      </p:sp>
+      <p:sp>
+        <p:nvSpPr>
+          <p:cNvPr id="45" name="Oval 44"/>
+          <p:cNvSpPr/>
+          <p:nvPr/>
+        </p:nvSpPr>
+        <p:spPr>
+          <a:xfrm>
+            <a:off x="4419600" y="381000"/>
+            <a:ext cx="1295400" cy="381000"/>
+          </a:xfrm>
+          <a:prstGeom prst="ellipse">
+            <a:avLst/>
+          </a:prstGeom>
+          <a:solidFill>
+            <a:schemeClr val="bg1">
+              <a:lumMod val="75000"/>
+            </a:schemeClr>
+          </a:solidFill>
+          <a:ln>
+            <a:solidFill>
+              <a:schemeClr val="tx1"/>
+            </a:solidFill>
+          </a:ln>
+        </p:spPr>
+        <p:style>
+          <a:lnRef idx="2">
+            <a:schemeClr val="accent1">
+              <a:shade val="50000"/>
+            </a:schemeClr>
+          </a:lnRef>
+          <a:fillRef idx="1">
+            <a:schemeClr val="accent1"/>
+          </a:fillRef>
+          <a:effectRef idx="0">
+            <a:schemeClr val="accent1"/>
+          </a:effectRef>
+          <a:fontRef idx="minor">
+            <a:schemeClr val="lt1"/>
+          </a:fontRef>
+        </p:style>
+        <p:txBody>
+          <a:bodyPr rtlCol="0" anchor="ctr"/>
+          <a:lstStyle/>
+          <a:p>
+            <a:pPr algn="ctr"/>
+            <a:r>
+              <a:rPr lang="en-US" dirty="0">
+                <a:solidFill>
+                  <a:schemeClr val="tx1"/>
+                </a:solidFill>
+              </a:rPr>
+              <a:t>Gender</a:t>
+            </a:r>
+          </a:p>
+        </p:txBody>
+      </p:sp>
+      <p:sp>
+        <p:nvSpPr>
+          <p:cNvPr id="46" name="Oval 45"/>
+          <p:cNvSpPr/>
+          <p:nvPr/>
+        </p:nvSpPr>
+        <p:spPr>
+          <a:xfrm>
+            <a:off x="1524000" y="304800"/>
+            <a:ext cx="1752600" cy="533400"/>
+          </a:xfrm>
+          <a:prstGeom prst="ellipse">
+            <a:avLst/>
+          </a:prstGeom>
+          <a:solidFill>
+            <a:schemeClr val="bg1">
+              <a:lumMod val="75000"/>
+            </a:schemeClr>
+          </a:solidFill>
+          <a:ln>
+            <a:solidFill>
+              <a:schemeClr val="tx1"/>
+            </a:solidFill>
+          </a:ln>
+        </p:spPr>
+        <p:style>
+          <a:lnRef idx="2">
+            <a:schemeClr val="accent1">
+              <a:shade val="50000"/>
+            </a:schemeClr>
+          </a:lnRef>
+          <a:fillRef idx="1">
+            <a:schemeClr val="accent1"/>
+          </a:fillRef>
+          <a:effectRef idx="0">
+            <a:schemeClr val="accent1"/>
+          </a:effectRef>
+          <a:fontRef idx="minor">
+            <a:schemeClr val="lt1"/>
+          </a:fontRef>
+        </p:style>
+        <p:txBody>
+          <a:bodyPr rtlCol="0" anchor="ctr"/>
+          <a:lstStyle/>
+          <a:p>
+            <a:pPr algn="ctr"/>
+            <a:r>
+              <a:rPr lang="en-US" u="sng" dirty="0">
+                <a:solidFill>
+                  <a:schemeClr val="tx1"/>
+                </a:solidFill>
+              </a:rPr>
+              <a:t>Patient ID</a:t>
+            </a:r>
+          </a:p>
+        </p:txBody>
+      </p:sp>
+      <p:cxnSp>
+        <p:nvCxnSpPr>
+          <p:cNvPr id="48" name="Straight Connector 47"/>
+          <p:cNvCxnSpPr>
+            <a:stCxn id="4" idx="2"/>
+            <a:endCxn id="41" idx="0"/>
+          </p:cNvCxnSpPr>
+          <p:nvPr/>
+        </p:nvCxnSpPr>
+        <p:spPr>
+          <a:xfrm rot="5400000">
+            <a:off x="1619250" y="4019550"/>
+            <a:ext cx="1524000" cy="342900"/>
+          </a:xfrm>
+          <a:prstGeom prst="line">
+            <a:avLst/>
+          </a:prstGeom>
+          <a:ln>
+            <a:solidFill>
+              <a:schemeClr val="tx1"/>
+            </a:solidFill>
+          </a:ln>
+        </p:spPr>
+        <p:style>
+          <a:lnRef idx="1">
+            <a:schemeClr val="accent1"/>
+          </a:lnRef>
+          <a:fillRef idx="0">
+            <a:schemeClr val="accent1"/>
+          </a:fillRef>
+          <a:effectRef idx="0">
+            <a:schemeClr val="accent1"/>
+          </a:effectRef>
+          <a:fontRef idx="minor">
+            <a:schemeClr val="tx1"/>
+          </a:fontRef>
+        </p:style>
+      </p:cxnSp>
+      <p:cxnSp>
+        <p:nvCxnSpPr>
+          <p:cNvPr id="51" name="Straight Connector 50"/>
+          <p:cNvCxnSpPr>
+            <a:stCxn id="4" idx="2"/>
+            <a:endCxn id="42" idx="1"/>
+          </p:cNvCxnSpPr>
+          <p:nvPr/>
+        </p:nvCxnSpPr>
+        <p:spPr>
+          <a:xfrm rot="16200000" flipH="1">
+            <a:off x="2029105" y="3952595"/>
+            <a:ext cx="2036996" cy="989807"/>
+          </a:xfrm>
+          <a:prstGeom prst="line">
+            <a:avLst/>
+          </a:prstGeom>
+          <a:ln>
+            <a:solidFill>
+              <a:schemeClr val="tx1"/>
+            </a:solidFill>
+          </a:ln>
+        </p:spPr>
+        <p:style>
+          <a:lnRef idx="1">
+            <a:schemeClr val="accent1"/>
+          </a:lnRef>
+          <a:fillRef idx="0">
+            <a:schemeClr val="accent1"/>
+          </a:fillRef>
+          <a:effectRef idx="0">
+            <a:schemeClr val="accent1"/>
+          </a:effectRef>
+          <a:fontRef idx="minor">
+            <a:schemeClr val="tx1"/>
+          </a:fontRef>
+        </p:style>
+      </p:cxnSp>
+      <p:cxnSp>
+        <p:nvCxnSpPr>
+          <p:cNvPr id="56" name="Straight Connector 55"/>
+          <p:cNvCxnSpPr>
+            <a:stCxn id="4" idx="0"/>
+            <a:endCxn id="46" idx="4"/>
+          </p:cNvCxnSpPr>
+          <p:nvPr/>
+        </p:nvCxnSpPr>
+        <p:spPr>
+          <a:xfrm rot="16200000" flipV="1">
+            <a:off x="1485900" y="1752600"/>
+            <a:ext cx="1981200" cy="152400"/>
+          </a:xfrm>
+          <a:prstGeom prst="line">
+            <a:avLst/>
+          </a:prstGeom>
+          <a:ln>
+            <a:solidFill>
+              <a:schemeClr val="tx1"/>
+            </a:solidFill>
+          </a:ln>
+        </p:spPr>
+        <p:style>
+          <a:lnRef idx="1">
+            <a:schemeClr val="accent1"/>
+          </a:lnRef>
+          <a:fillRef idx="0">
+            <a:schemeClr val="accent1"/>
+          </a:fillRef>
+          <a:effectRef idx="0">
+            <a:schemeClr val="accent1"/>
+          </a:effectRef>
+          <a:fontRef idx="minor">
+            <a:schemeClr val="tx1"/>
+          </a:fontRef>
+        </p:style>
+      </p:cxnSp>
+      <p:cxnSp>
+        <p:nvCxnSpPr>
+          <p:cNvPr id="62" name="Straight Connector 61"/>
+          <p:cNvCxnSpPr>
+            <a:stCxn id="4" idx="0"/>
+            <a:endCxn id="45" idx="3"/>
+          </p:cNvCxnSpPr>
+          <p:nvPr/>
+        </p:nvCxnSpPr>
+        <p:spPr>
+          <a:xfrm rot="5400000" flipH="1" flipV="1">
+            <a:off x="2524405" y="734500"/>
+            <a:ext cx="2113196" cy="2056607"/>
+          </a:xfrm>
+          <a:prstGeom prst="line">
+            <a:avLst/>
+          </a:prstGeom>
+          <a:ln>
+            <a:solidFill>
+              <a:schemeClr val="tx1"/>
+            </a:solidFill>
+          </a:ln>
+        </p:spPr>
+        <p:style>
+          <a:lnRef idx="1">
+            <a:schemeClr val="accent1"/>
+          </a:lnRef>
+          <a:fillRef idx="0">
+            <a:schemeClr val="accent1"/>
+          </a:fillRef>
+          <a:effectRef idx="0">
+            <a:schemeClr val="accent1"/>
+          </a:effectRef>
+          <a:fontRef idx="minor">
+            <a:schemeClr val="tx1"/>
+          </a:fontRef>
+        </p:style>
+      </p:cxnSp>
+      <p:cxnSp>
+        <p:nvCxnSpPr>
+          <p:cNvPr id="67" name="Straight Connector 66"/>
+          <p:cNvCxnSpPr>
+            <a:stCxn id="4" idx="0"/>
+            <a:endCxn id="44" idx="3"/>
+          </p:cNvCxnSpPr>
+          <p:nvPr/>
+        </p:nvCxnSpPr>
+        <p:spPr>
+          <a:xfrm rot="5400000" flipH="1" flipV="1">
+            <a:off x="2992766" y="1093182"/>
+            <a:ext cx="1286155" cy="2166285"/>
+          </a:xfrm>
+          <a:prstGeom prst="line">
+            <a:avLst/>
+          </a:prstGeom>
+          <a:ln>
+            <a:solidFill>
+              <a:schemeClr val="tx1"/>
+            </a:solidFill>
+          </a:ln>
+        </p:spPr>
+        <p:style>
+          <a:lnRef idx="1">
+            <a:schemeClr val="accent1"/>
+          </a:lnRef>
+          <a:fillRef idx="0">
+            <a:schemeClr val="accent1"/>
+          </a:fillRef>
+          <a:effectRef idx="0">
+            <a:schemeClr val="accent1"/>
+          </a:effectRef>
+          <a:fontRef idx="minor">
+            <a:schemeClr val="tx1"/>
+          </a:fontRef>
+        </p:style>
+      </p:cxnSp>
+      <p:sp>
+        <p:nvSpPr>
+          <p:cNvPr id="72" name="Oval 71"/>
+          <p:cNvSpPr/>
+          <p:nvPr/>
+        </p:nvSpPr>
+        <p:spPr>
+          <a:xfrm>
+            <a:off x="4648200" y="4876800"/>
+            <a:ext cx="1371600" cy="609600"/>
+          </a:xfrm>
+          <a:prstGeom prst="ellipse">
+            <a:avLst/>
+          </a:prstGeom>
+          <a:solidFill>
+            <a:schemeClr val="bg1">
+              <a:lumMod val="75000"/>
+            </a:schemeClr>
+          </a:solidFill>
+          <a:ln>
+            <a:solidFill>
+              <a:schemeClr val="tx1"/>
+            </a:solidFill>
+          </a:ln>
+        </p:spPr>
+        <p:style>
+          <a:lnRef idx="2">
+            <a:schemeClr val="accent1">
+              <a:shade val="50000"/>
+            </a:schemeClr>
+          </a:lnRef>
+          <a:fillRef idx="1">
+            <a:schemeClr val="accent1"/>
+          </a:fillRef>
+          <a:effectRef idx="0">
+            <a:schemeClr val="accent1"/>
+          </a:effectRef>
+          <a:fontRef idx="minor">
+            <a:schemeClr val="lt1"/>
+          </a:fontRef>
+        </p:style>
+        <p:txBody>
+          <a:bodyPr rtlCol="0" anchor="ctr"/>
+          <a:lstStyle/>
+          <a:p>
+            <a:pPr algn="ctr"/>
+            <a:r>
+              <a:rPr lang="en-US" dirty="0">
+                <a:solidFill>
+                  <a:schemeClr val="tx1"/>
+                </a:solidFill>
+              </a:rPr>
+              <a:t>Email Add.</a:t>
+            </a:r>
+          </a:p>
+        </p:txBody>
+      </p:sp>
+      <p:sp>
+        <p:nvSpPr>
+          <p:cNvPr id="75" name="Oval 74"/>
+          <p:cNvSpPr/>
+          <p:nvPr/>
+        </p:nvSpPr>
+        <p:spPr>
+          <a:xfrm>
+            <a:off x="2438400" y="5943600"/>
+            <a:ext cx="1905000" cy="457200"/>
+          </a:xfrm>
+          <a:prstGeom prst="ellipse">
+            <a:avLst/>
+          </a:prstGeom>
+          <a:solidFill>
+            <a:schemeClr val="bg1">
+              <a:lumMod val="75000"/>
+            </a:schemeClr>
+          </a:solidFill>
+          <a:ln>
+            <a:solidFill>
+              <a:schemeClr val="tx1"/>
+            </a:solidFill>
+          </a:ln>
+        </p:spPr>
+        <p:style>
+          <a:lnRef idx="2">
+            <a:schemeClr val="accent1">
+              <a:shade val="50000"/>
+            </a:schemeClr>
+          </a:lnRef>
+          <a:fillRef idx="1">
+            <a:schemeClr val="accent1"/>
+          </a:fillRef>
+          <a:effectRef idx="0">
+            <a:schemeClr val="accent1"/>
+          </a:effectRef>
+          <a:fontRef idx="minor">
+            <a:schemeClr val="lt1"/>
+          </a:fontRef>
+        </p:style>
+        <p:txBody>
+          <a:bodyPr rtlCol="0" anchor="ctr"/>
+          <a:lstStyle/>
+          <a:p>
+            <a:pPr algn="ctr"/>
+            <a:r>
+              <a:rPr lang="en-US" dirty="0">
+                <a:solidFill>
+                  <a:schemeClr val="tx1"/>
+                </a:solidFill>
+              </a:rPr>
+              <a:t>Contact no.</a:t>
+            </a:r>
+          </a:p>
+        </p:txBody>
+      </p:sp>
+      <p:cxnSp>
+        <p:nvCxnSpPr>
+          <p:cNvPr id="83" name="Straight Connector 82"/>
+          <p:cNvCxnSpPr>
+            <a:endCxn id="75" idx="0"/>
+          </p:cNvCxnSpPr>
+          <p:nvPr/>
+        </p:nvCxnSpPr>
+        <p:spPr>
+          <a:xfrm rot="16200000" flipH="1">
+            <a:off x="1771650" y="4324350"/>
+            <a:ext cx="2438400" cy="800100"/>
+          </a:xfrm>
+          <a:prstGeom prst="line">
+            <a:avLst/>
+          </a:prstGeom>
+          <a:ln>
+            <a:solidFill>
+              <a:schemeClr val="tx1"/>
+            </a:solidFill>
+          </a:ln>
+        </p:spPr>
+        <p:style>
+          <a:lnRef idx="1">
+            <a:schemeClr val="accent1"/>
+          </a:lnRef>
+          <a:fillRef idx="0">
+            <a:schemeClr val="accent1"/>
+          </a:fillRef>
+          <a:effectRef idx="0">
+            <a:schemeClr val="accent1"/>
+          </a:effectRef>
+          <a:fontRef idx="minor">
+            <a:schemeClr val="tx1"/>
+          </a:fontRef>
+        </p:style>
+      </p:cxnSp>
+      <p:cxnSp>
+        <p:nvCxnSpPr>
+          <p:cNvPr id="85" name="Straight Connector 84"/>
+          <p:cNvCxnSpPr>
+            <a:stCxn id="4" idx="2"/>
+            <a:endCxn id="72" idx="1"/>
+          </p:cNvCxnSpPr>
+          <p:nvPr/>
+        </p:nvCxnSpPr>
+        <p:spPr>
+          <a:xfrm rot="16200000" flipH="1">
+            <a:off x="2932346" y="3049354"/>
+            <a:ext cx="1537074" cy="2296366"/>
+          </a:xfrm>
+          <a:prstGeom prst="line">
+            <a:avLst/>
+          </a:prstGeom>
+          <a:ln>
+            <a:solidFill>
+              <a:schemeClr val="tx1"/>
+            </a:solidFill>
+          </a:ln>
+        </p:spPr>
+        <p:style>
+          <a:lnRef idx="1">
+            <a:schemeClr val="accent1"/>
+          </a:lnRef>
+          <a:fillRef idx="0">
+            <a:schemeClr val="accent1"/>
+          </a:fillRef>
+          <a:effectRef idx="0">
+            <a:schemeClr val="accent1"/>
+          </a:effectRef>
+          <a:fontRef idx="minor">
+            <a:schemeClr val="tx1"/>
+          </a:fontRef>
+        </p:style>
+      </p:cxnSp>
+      <p:sp>
+        <p:nvSpPr>
+          <p:cNvPr id="115" name="Oval 114"/>
+          <p:cNvSpPr/>
+          <p:nvPr/>
+        </p:nvSpPr>
+        <p:spPr>
+          <a:xfrm>
+            <a:off x="7543800" y="5949136"/>
+            <a:ext cx="1676400" cy="908864"/>
+          </a:xfrm>
+          <a:prstGeom prst="ellipse">
+            <a:avLst/>
+          </a:prstGeom>
+          <a:solidFill>
+            <a:schemeClr val="bg1">
+              <a:lumMod val="75000"/>
+            </a:schemeClr>
+          </a:solidFill>
+          <a:ln>
+            <a:solidFill>
+              <a:schemeClr val="tx1"/>
+            </a:solidFill>
+            <a:prstDash val="solid"/>
+          </a:ln>
+        </p:spPr>
+        <p:style>
+          <a:lnRef idx="2">
+            <a:schemeClr val="accent1">
+              <a:shade val="50000"/>
+            </a:schemeClr>
+          </a:lnRef>
+          <a:fillRef idx="1">
+            <a:schemeClr val="accent1"/>
+          </a:fillRef>
+          <a:effectRef idx="0">
+            <a:schemeClr val="accent1"/>
+          </a:effectRef>
+          <a:fontRef idx="minor">
+            <a:schemeClr val="lt1"/>
+          </a:fontRef>
+        </p:style>
+        <p:txBody>
+          <a:bodyPr rtlCol="0" anchor="ctr">
+            <a:noAutofit/>
+          </a:bodyPr>
+          <a:lstStyle/>
+          <a:p>
+            <a:pPr algn="ctr"/>
+            <a:r>
+              <a:rPr lang="en-US" u="sng" dirty="0">
+                <a:solidFill>
+                  <a:schemeClr val="tx1"/>
+                </a:solidFill>
+              </a:rPr>
+              <a:t>Admission no</a:t>
+            </a:r>
+          </a:p>
+        </p:txBody>
+      </p:sp>
+      <p:sp>
+        <p:nvSpPr>
+          <p:cNvPr id="116" name="Oval 115"/>
+          <p:cNvSpPr/>
+          <p:nvPr/>
+        </p:nvSpPr>
+        <p:spPr>
+          <a:xfrm>
+            <a:off x="8991600" y="5486400"/>
+            <a:ext cx="1676400" cy="457200"/>
+          </a:xfrm>
+          <a:prstGeom prst="ellipse">
+            <a:avLst/>
+          </a:prstGeom>
+          <a:solidFill>
+            <a:schemeClr val="bg1">
+              <a:lumMod val="75000"/>
+            </a:schemeClr>
+          </a:solidFill>
+          <a:ln>
+            <a:solidFill>
+              <a:schemeClr val="tx1"/>
+            </a:solidFill>
+          </a:ln>
+        </p:spPr>
+        <p:style>
+          <a:lnRef idx="2">
+            <a:schemeClr val="accent1">
+              <a:shade val="50000"/>
+            </a:schemeClr>
+          </a:lnRef>
+          <a:fillRef idx="1">
+            <a:schemeClr val="accent1"/>
+          </a:fillRef>
+          <a:effectRef idx="0">
+            <a:schemeClr val="accent1"/>
+          </a:effectRef>
+          <a:fontRef idx="minor">
+            <a:schemeClr val="lt1"/>
+          </a:fontRef>
+        </p:style>
+        <p:txBody>
+          <a:bodyPr rtlCol="0" anchor="ctr"/>
+          <a:lstStyle/>
+          <a:p>
+            <a:pPr algn="ctr"/>
+            <a:r>
+              <a:rPr lang="en-US" dirty="0">
+                <a:solidFill>
+                  <a:schemeClr val="tx1"/>
+                </a:solidFill>
+              </a:rPr>
+              <a:t>Admission Date</a:t>
+            </a:r>
+          </a:p>
+        </p:txBody>
+      </p:sp>
+      <p:cxnSp>
+        <p:nvCxnSpPr>
+          <p:cNvPr id="120" name="Straight Connector 119"/>
+          <p:cNvCxnSpPr>
+            <a:stCxn id="5" idx="2"/>
+            <a:endCxn id="115" idx="0"/>
+          </p:cNvCxnSpPr>
+          <p:nvPr/>
+        </p:nvCxnSpPr>
+        <p:spPr>
+          <a:xfrm rot="5400000">
+            <a:off x="7388632" y="4498568"/>
+            <a:ext cx="2443936" cy="457200"/>
+          </a:xfrm>
+          <a:prstGeom prst="line">
+            <a:avLst/>
+          </a:prstGeom>
+          <a:ln>
+            <a:solidFill>
+              <a:schemeClr val="tx1"/>
+            </a:solidFill>
+          </a:ln>
+        </p:spPr>
+        <p:style>
+          <a:lnRef idx="1">
+            <a:schemeClr val="accent1"/>
+          </a:lnRef>
+          <a:fillRef idx="0">
+            <a:schemeClr val="accent1"/>
+          </a:fillRef>
+          <a:effectRef idx="0">
+            <a:schemeClr val="accent1"/>
+          </a:effectRef>
+          <a:fontRef idx="minor">
+            <a:schemeClr val="tx1"/>
+          </a:fontRef>
+        </p:style>
+      </p:cxnSp>
+      <p:cxnSp>
+        <p:nvCxnSpPr>
+          <p:cNvPr id="124" name="Straight Connector 123"/>
+          <p:cNvCxnSpPr>
+            <a:stCxn id="5" idx="2"/>
+            <a:endCxn id="116" idx="0"/>
+          </p:cNvCxnSpPr>
+          <p:nvPr/>
+        </p:nvCxnSpPr>
+        <p:spPr>
+          <a:xfrm rot="16200000" flipH="1">
+            <a:off x="8343900" y="4000500"/>
+            <a:ext cx="1981200" cy="990600"/>
+          </a:xfrm>
+          <a:prstGeom prst="line">
+            <a:avLst/>
+          </a:prstGeom>
+          <a:ln>
+            <a:solidFill>
+              <a:schemeClr val="tx1"/>
+            </a:solidFill>
+          </a:ln>
+        </p:spPr>
+        <p:style>
+          <a:lnRef idx="1">
+            <a:schemeClr val="accent1"/>
+          </a:lnRef>
+          <a:fillRef idx="0">
+            <a:schemeClr val="accent1"/>
+          </a:fillRef>
+          <a:effectRef idx="0">
+            <a:schemeClr val="accent1"/>
+          </a:effectRef>
+          <a:fontRef idx="minor">
+            <a:schemeClr val="tx1"/>
+          </a:fontRef>
+        </p:style>
+      </p:cxnSp>
+      <p:sp>
+        <p:nvSpPr>
+          <p:cNvPr id="2" name="TextBox 1"/>
+          <p:cNvSpPr txBox="1"/>
+          <p:nvPr/>
+        </p:nvSpPr>
+        <p:spPr>
+          <a:xfrm>
+            <a:off x="3581400" y="2819401"/>
+            <a:ext cx="455574" cy="307777"/>
+          </a:xfrm>
+          <a:prstGeom prst="rect">
+            <a:avLst/>
+          </a:prstGeom>
+          <a:noFill/>
+        </p:spPr>
+        <p:txBody>
+          <a:bodyPr wrap="none" rtlCol="0">
+            <a:spAutoFit/>
+          </a:bodyPr>
+          <a:lstStyle/>
+          <a:p>
+            <a:r>
+              <a:rPr lang="en-US" sz="1400" dirty="0"/>
+              <a:t>1..*</a:t>
+            </a:r>
+          </a:p>
+        </p:txBody>
+      </p:sp>
+      <p:sp>
+        <p:nvSpPr>
+          <p:cNvPr id="37" name="TextBox 36"/>
+          <p:cNvSpPr txBox="1"/>
+          <p:nvPr/>
+        </p:nvSpPr>
+        <p:spPr>
+          <a:xfrm>
+            <a:off x="5943600" y="2743201"/>
+            <a:ext cx="457176" cy="307777"/>
+          </a:xfrm>
+          <a:prstGeom prst="rect">
+            <a:avLst/>
+          </a:prstGeom>
+          <a:noFill/>
+        </p:spPr>
+        <p:txBody>
+          <a:bodyPr wrap="none" rtlCol="0">
+            <a:spAutoFit/>
+          </a:bodyPr>
+          <a:lstStyle/>
+          <a:p>
+            <a:r>
+              <a:rPr lang="en-US" sz="1400" dirty="0"/>
+              <a:t>1..1</a:t>
+            </a:r>
+          </a:p>
+        </p:txBody>
+      </p:sp>
+    </p:spTree>
+    <p:extLst>
+      <p:ext uri="{BB962C8B-B14F-4D97-AF65-F5344CB8AC3E}">
+        <p14:creationId xmlns:p14="http://schemas.microsoft.com/office/powerpoint/2010/main" val="1937370024"/>
+      </p:ext>
+    </p:extLst>
+  </p:cSld>
+  <p:clrMapOvr>
+    <a:masterClrMapping/>
+  </p:clrMapOvr>
+</p:sld>
+</file>
+
+<file path=ppt/slides/slide4.xml><?xml version="1.0" encoding="utf-8"?>
+<p:sld xmlns:a="http://schemas.openxmlformats.org/drawingml/2006/main" xmlns:r="http://schemas.openxmlformats.org/officeDocument/2006/relationships" xmlns:p="http://schemas.openxmlformats.org/presentationml/2006/main">
+  <p:cSld>
+    <p:spTree>
+      <p:nvGrpSpPr>
+        <p:cNvPr id="1" name=""/>
+        <p:cNvGrpSpPr/>
+        <p:nvPr/>
+      </p:nvGrpSpPr>
+      <p:grpSpPr>
+        <a:xfrm>
+          <a:off x="0" y="0"/>
+          <a:ext cx="0" cy="0"/>
+          <a:chOff x="0" y="0"/>
+          <a:chExt cx="0" cy="0"/>
+        </a:xfrm>
+      </p:grpSpPr>
+      <p:grpSp>
+        <p:nvGrpSpPr>
+          <p:cNvPr id="40" name="Group 39">
+            <a:extLst>
+              <a:ext uri="{FF2B5EF4-FFF2-40B4-BE49-F238E27FC236}">
+                <a16:creationId xmlns:a16="http://schemas.microsoft.com/office/drawing/2014/main" id="{587A08DF-7782-477F-A94F-CB0A45B0D1C9}"/>
+              </a:ext>
+            </a:extLst>
+          </p:cNvPr>
+          <p:cNvGrpSpPr/>
+          <p:nvPr/>
+        </p:nvGrpSpPr>
+        <p:grpSpPr>
+          <a:xfrm>
+            <a:off x="829993" y="845845"/>
+            <a:ext cx="7737230" cy="1153550"/>
+            <a:chOff x="1322363" y="1605503"/>
+            <a:chExt cx="7737230" cy="1153550"/>
+          </a:xfrm>
+        </p:grpSpPr>
+        <p:grpSp>
+          <p:nvGrpSpPr>
+            <p:cNvPr id="42" name="Group 41">
+              <a:extLst>
+                <a:ext uri="{FF2B5EF4-FFF2-40B4-BE49-F238E27FC236}">
+                  <a16:creationId xmlns:a16="http://schemas.microsoft.com/office/drawing/2014/main" id="{3F5D9DB2-482B-4B25-B993-78C5417B3241}"/>
+                </a:ext>
+              </a:extLst>
+            </p:cNvPr>
+            <p:cNvGrpSpPr/>
+            <p:nvPr/>
+          </p:nvGrpSpPr>
+          <p:grpSpPr>
+            <a:xfrm>
+              <a:off x="1322363" y="1605503"/>
+              <a:ext cx="7737230" cy="1153550"/>
+              <a:chOff x="1322363" y="1605503"/>
+              <a:chExt cx="7737230" cy="1153550"/>
+            </a:xfrm>
+          </p:grpSpPr>
+          <p:sp>
+            <p:nvSpPr>
+              <p:cNvPr id="46" name="TextBox 45">
+                <a:extLst>
+                  <a:ext uri="{FF2B5EF4-FFF2-40B4-BE49-F238E27FC236}">
+                    <a16:creationId xmlns:a16="http://schemas.microsoft.com/office/drawing/2014/main" id="{27E4A431-6797-42D3-84C7-4D9ED15151B8}"/>
+                  </a:ext>
+                </a:extLst>
+              </p:cNvPr>
+              <p:cNvSpPr txBox="1"/>
+              <p:nvPr/>
+            </p:nvSpPr>
+            <p:spPr>
+              <a:xfrm>
+                <a:off x="1322363" y="2011680"/>
+                <a:ext cx="1941342" cy="338554"/>
+              </a:xfrm>
+              <a:prstGeom prst="rect">
+                <a:avLst/>
+              </a:prstGeom>
+              <a:noFill/>
+              <a:ln w="12700">
+                <a:solidFill>
+                  <a:schemeClr val="tx1"/>
+                </a:solidFill>
+              </a:ln>
+            </p:spPr>
+            <p:txBody>
+              <a:bodyPr wrap="square" rtlCol="0">
+                <a:spAutoFit/>
+              </a:bodyPr>
+              <a:lstStyle/>
+              <a:p>
+                <a:pPr algn="ctr"/>
+                <a:r>
+                  <a:rPr lang="en-US" sz="1600" dirty="0"/>
+                  <a:t>Patient</a:t>
+                </a:r>
+                <a:endParaRPr lang="bn-BD" sz="1600" dirty="0"/>
+              </a:p>
+            </p:txBody>
+          </p:sp>
+          <p:sp>
+            <p:nvSpPr>
+              <p:cNvPr id="47" name="TextBox 46">
+                <a:extLst>
+                  <a:ext uri="{FF2B5EF4-FFF2-40B4-BE49-F238E27FC236}">
+                    <a16:creationId xmlns:a16="http://schemas.microsoft.com/office/drawing/2014/main" id="{F706B8D0-4BAE-4879-BDF9-34F716D90A41}"/>
+                  </a:ext>
+                </a:extLst>
+              </p:cNvPr>
+              <p:cNvSpPr txBox="1"/>
+              <p:nvPr/>
+            </p:nvSpPr>
+            <p:spPr>
+              <a:xfrm>
+                <a:off x="7005713" y="2053884"/>
+                <a:ext cx="1941342" cy="338554"/>
+              </a:xfrm>
+              <a:prstGeom prst="rect">
+                <a:avLst/>
+              </a:prstGeom>
+              <a:noFill/>
+              <a:ln w="12700">
+                <a:solidFill>
+                  <a:schemeClr val="tx1"/>
+                </a:solidFill>
+              </a:ln>
+            </p:spPr>
+            <p:txBody>
+              <a:bodyPr wrap="square" rtlCol="0">
+                <a:spAutoFit/>
+              </a:bodyPr>
+              <a:lstStyle/>
+              <a:p>
+                <a:pPr algn="ctr"/>
+                <a:r>
+                  <a:rPr lang="en-US" sz="1600" dirty="0">
+                    <a:solidFill>
+                      <a:schemeClr val="tx1"/>
+                    </a:solidFill>
+                  </a:rPr>
+                  <a:t>Admission</a:t>
+                </a:r>
+                <a:endParaRPr lang="bn-BD" sz="1600" dirty="0"/>
+              </a:p>
+            </p:txBody>
+          </p:sp>
+          <p:sp>
+            <p:nvSpPr>
+              <p:cNvPr id="48" name="Rectangle 47">
+                <a:extLst>
+                  <a:ext uri="{FF2B5EF4-FFF2-40B4-BE49-F238E27FC236}">
+                    <a16:creationId xmlns:a16="http://schemas.microsoft.com/office/drawing/2014/main" id="{E38B3B03-9083-494B-8146-6168ED23343A}"/>
+                  </a:ext>
+                </a:extLst>
+              </p:cNvPr>
+              <p:cNvSpPr/>
+              <p:nvPr/>
+            </p:nvSpPr>
+            <p:spPr>
+              <a:xfrm>
+                <a:off x="6893169" y="1983544"/>
+                <a:ext cx="2166424" cy="534572"/>
+              </a:xfrm>
+              <a:prstGeom prst="rect">
+                <a:avLst/>
+              </a:prstGeom>
+              <a:noFill/>
+              <a:ln>
+                <a:solidFill>
+                  <a:schemeClr val="tx1"/>
+                </a:solidFill>
+              </a:ln>
+            </p:spPr>
+            <p:style>
+              <a:lnRef idx="2">
+                <a:schemeClr val="accent6"/>
+              </a:lnRef>
+              <a:fillRef idx="1">
+                <a:schemeClr val="lt1"/>
+              </a:fillRef>
+              <a:effectRef idx="0">
+                <a:schemeClr val="accent6"/>
+              </a:effectRef>
+              <a:fontRef idx="minor">
+                <a:schemeClr val="dk1"/>
+              </a:fontRef>
+            </p:style>
+            <p:txBody>
+              <a:bodyPr rtlCol="0" anchor="ctr"/>
+              <a:lstStyle/>
+              <a:p>
+                <a:pPr algn="ctr"/>
+                <a:endParaRPr lang="bn-BD"/>
+              </a:p>
+            </p:txBody>
+          </p:sp>
+          <p:sp>
+            <p:nvSpPr>
+              <p:cNvPr id="49" name="Diamond 48">
+                <a:extLst>
+                  <a:ext uri="{FF2B5EF4-FFF2-40B4-BE49-F238E27FC236}">
+                    <a16:creationId xmlns:a16="http://schemas.microsoft.com/office/drawing/2014/main" id="{1040AAEC-BA6C-4C47-A7A4-5438F2BABB93}"/>
+                  </a:ext>
+                </a:extLst>
+              </p:cNvPr>
+              <p:cNvSpPr/>
+              <p:nvPr/>
+            </p:nvSpPr>
+            <p:spPr>
+              <a:xfrm>
+                <a:off x="4262511" y="1605503"/>
+                <a:ext cx="1294227" cy="1153550"/>
+              </a:xfrm>
+              <a:prstGeom prst="diamond">
+                <a:avLst/>
+              </a:prstGeom>
+              <a:noFill/>
+              <a:ln>
+                <a:solidFill>
+                  <a:schemeClr val="tx1"/>
+                </a:solidFill>
+              </a:ln>
+            </p:spPr>
+            <p:style>
+              <a:lnRef idx="2">
+                <a:schemeClr val="accent1">
+                  <a:shade val="50000"/>
+                </a:schemeClr>
+              </a:lnRef>
+              <a:fillRef idx="1">
+                <a:schemeClr val="accent1"/>
+              </a:fillRef>
+              <a:effectRef idx="0">
+                <a:schemeClr val="accent1"/>
+              </a:effectRef>
+              <a:fontRef idx="minor">
+                <a:schemeClr val="lt1"/>
+              </a:fontRef>
+            </p:style>
+            <p:txBody>
+              <a:bodyPr rtlCol="0" anchor="ctr"/>
+              <a:lstStyle/>
+              <a:p>
+                <a:pPr algn="ctr"/>
+                <a:endParaRPr lang="bn-BD"/>
+              </a:p>
+            </p:txBody>
+          </p:sp>
+          <p:sp>
+            <p:nvSpPr>
+              <p:cNvPr id="50" name="Diamond 49">
+                <a:extLst>
+                  <a:ext uri="{FF2B5EF4-FFF2-40B4-BE49-F238E27FC236}">
+                    <a16:creationId xmlns:a16="http://schemas.microsoft.com/office/drawing/2014/main" id="{2D2CCE80-CB3F-4278-A40C-EEB3DA6E881C}"/>
+                  </a:ext>
+                </a:extLst>
+              </p:cNvPr>
+              <p:cNvSpPr/>
+              <p:nvPr/>
+            </p:nvSpPr>
+            <p:spPr>
+              <a:xfrm>
+                <a:off x="4375051" y="1717598"/>
+                <a:ext cx="1069145" cy="957495"/>
+              </a:xfrm>
+              <a:prstGeom prst="diamond">
+                <a:avLst/>
+              </a:prstGeom>
+              <a:noFill/>
+              <a:ln>
+                <a:solidFill>
+                  <a:schemeClr val="tx1"/>
+                </a:solidFill>
+              </a:ln>
+            </p:spPr>
+            <p:style>
+              <a:lnRef idx="2">
+                <a:schemeClr val="accent1">
+                  <a:shade val="50000"/>
+                </a:schemeClr>
+              </a:lnRef>
+              <a:fillRef idx="1">
+                <a:schemeClr val="accent1"/>
+              </a:fillRef>
+              <a:effectRef idx="0">
+                <a:schemeClr val="accent1"/>
+              </a:effectRef>
+              <a:fontRef idx="minor">
+                <a:schemeClr val="lt1"/>
+              </a:fontRef>
+            </p:style>
+            <p:txBody>
+              <a:bodyPr rtlCol="0" anchor="ctr"/>
+              <a:lstStyle/>
+              <a:p>
+                <a:endParaRPr lang="bn-BD" sz="1400" dirty="0">
+                  <a:solidFill>
+                    <a:schemeClr val="tx1"/>
+                  </a:solidFill>
+                </a:endParaRPr>
+              </a:p>
+            </p:txBody>
+          </p:sp>
+          <p:sp>
+            <p:nvSpPr>
+              <p:cNvPr id="51" name="TextBox 50">
+                <a:extLst>
+                  <a:ext uri="{FF2B5EF4-FFF2-40B4-BE49-F238E27FC236}">
+                    <a16:creationId xmlns:a16="http://schemas.microsoft.com/office/drawing/2014/main" id="{0D4CD513-D516-41E4-B121-007A74ED3400}"/>
+                  </a:ext>
+                </a:extLst>
+              </p:cNvPr>
+              <p:cNvSpPr txBox="1"/>
+              <p:nvPr/>
+            </p:nvSpPr>
+            <p:spPr>
+              <a:xfrm>
+                <a:off x="4501662" y="1983544"/>
+                <a:ext cx="1055074" cy="461665"/>
+              </a:xfrm>
+              <a:prstGeom prst="rect">
+                <a:avLst/>
+              </a:prstGeom>
+              <a:noFill/>
+            </p:spPr>
+            <p:txBody>
+              <a:bodyPr wrap="square" rtlCol="0">
+                <a:spAutoFit/>
+              </a:bodyPr>
+              <a:lstStyle/>
+              <a:p>
+                <a:r>
+                  <a:rPr lang="en-US" sz="1200" dirty="0">
+                    <a:solidFill>
+                      <a:schemeClr val="tx1"/>
+                    </a:solidFill>
+                  </a:rPr>
+                  <a:t>Get </a:t>
+                </a:r>
+              </a:p>
+              <a:p>
+                <a:r>
+                  <a:rPr lang="en-US" sz="1200" dirty="0">
+                    <a:solidFill>
+                      <a:schemeClr val="tx1"/>
+                    </a:solidFill>
+                  </a:rPr>
+                  <a:t>Admitted</a:t>
+                </a:r>
+                <a:endParaRPr lang="bn-BD" sz="1200" dirty="0"/>
+              </a:p>
+            </p:txBody>
+          </p:sp>
+        </p:grpSp>
+        <p:cxnSp>
+          <p:nvCxnSpPr>
+            <p:cNvPr id="43" name="Straight Arrow Connector 42">
+              <a:extLst>
+                <a:ext uri="{FF2B5EF4-FFF2-40B4-BE49-F238E27FC236}">
+                  <a16:creationId xmlns:a16="http://schemas.microsoft.com/office/drawing/2014/main" id="{A62150E7-6929-4A5F-AB4F-21F71FD7D871}"/>
+                </a:ext>
+              </a:extLst>
+            </p:cNvPr>
+            <p:cNvCxnSpPr>
+              <a:cxnSpLocks/>
+              <a:stCxn id="49" idx="1"/>
+              <a:endCxn id="46" idx="3"/>
+            </p:cNvCxnSpPr>
+            <p:nvPr/>
+          </p:nvCxnSpPr>
+          <p:spPr>
+            <a:xfrm flipH="1" flipV="1">
+              <a:off x="3263705" y="2180957"/>
+              <a:ext cx="998806" cy="1321"/>
+            </a:xfrm>
+            <a:prstGeom prst="straightConnector1">
+              <a:avLst/>
+            </a:prstGeom>
+            <a:ln w="12700">
+              <a:solidFill>
+                <a:schemeClr val="tx1"/>
+              </a:solidFill>
+              <a:tailEnd type="triangle"/>
+            </a:ln>
+          </p:spPr>
+          <p:style>
+            <a:lnRef idx="1">
+              <a:schemeClr val="accent1"/>
+            </a:lnRef>
+            <a:fillRef idx="0">
+              <a:schemeClr val="accent1"/>
+            </a:fillRef>
+            <a:effectRef idx="0">
+              <a:schemeClr val="accent1"/>
+            </a:effectRef>
+            <a:fontRef idx="minor">
+              <a:schemeClr val="tx1"/>
+            </a:fontRef>
+          </p:style>
+        </p:cxnSp>
+        <p:cxnSp>
+          <p:nvCxnSpPr>
+            <p:cNvPr id="44" name="Straight Connector 43">
+              <a:extLst>
+                <a:ext uri="{FF2B5EF4-FFF2-40B4-BE49-F238E27FC236}">
+                  <a16:creationId xmlns:a16="http://schemas.microsoft.com/office/drawing/2014/main" id="{2E944088-2328-4605-A68F-270C444B3F14}"/>
+                </a:ext>
+              </a:extLst>
+            </p:cNvPr>
+            <p:cNvCxnSpPr>
+              <a:cxnSpLocks/>
+            </p:cNvCxnSpPr>
+            <p:nvPr/>
+          </p:nvCxnSpPr>
+          <p:spPr>
+            <a:xfrm>
+              <a:off x="5444196" y="2124224"/>
+              <a:ext cx="1448973" cy="0"/>
+            </a:xfrm>
+            <a:prstGeom prst="line">
+              <a:avLst/>
+            </a:prstGeom>
+            <a:ln w="12700">
+              <a:solidFill>
+                <a:schemeClr val="tx1"/>
+              </a:solidFill>
+            </a:ln>
+          </p:spPr>
+          <p:style>
+            <a:lnRef idx="1">
+              <a:schemeClr val="accent1"/>
+            </a:lnRef>
+            <a:fillRef idx="0">
+              <a:schemeClr val="accent1"/>
+            </a:fillRef>
+            <a:effectRef idx="0">
+              <a:schemeClr val="accent1"/>
+            </a:effectRef>
+            <a:fontRef idx="minor">
+              <a:schemeClr val="tx1"/>
+            </a:fontRef>
+          </p:style>
+        </p:cxnSp>
+        <p:cxnSp>
+          <p:nvCxnSpPr>
+            <p:cNvPr id="45" name="Straight Connector 44">
+              <a:extLst>
+                <a:ext uri="{FF2B5EF4-FFF2-40B4-BE49-F238E27FC236}">
+                  <a16:creationId xmlns:a16="http://schemas.microsoft.com/office/drawing/2014/main" id="{ECA72766-FA88-4B32-B093-2EF4D3509E62}"/>
+                </a:ext>
+              </a:extLst>
+            </p:cNvPr>
+            <p:cNvCxnSpPr>
+              <a:cxnSpLocks/>
+            </p:cNvCxnSpPr>
+            <p:nvPr/>
+          </p:nvCxnSpPr>
+          <p:spPr>
+            <a:xfrm>
+              <a:off x="5458264" y="2252618"/>
+              <a:ext cx="1448973" cy="0"/>
+            </a:xfrm>
+            <a:prstGeom prst="line">
+              <a:avLst/>
+            </a:prstGeom>
+            <a:ln w="12700">
+              <a:solidFill>
+                <a:schemeClr val="tx1"/>
+              </a:solidFill>
+            </a:ln>
+          </p:spPr>
+          <p:style>
+            <a:lnRef idx="1">
+              <a:schemeClr val="accent1"/>
+            </a:lnRef>
+            <a:fillRef idx="0">
+              <a:schemeClr val="accent1"/>
+            </a:fillRef>
+            <a:effectRef idx="0">
+              <a:schemeClr val="accent1"/>
+            </a:effectRef>
+            <a:fontRef idx="minor">
+              <a:schemeClr val="tx1"/>
+            </a:fontRef>
+          </p:style>
+        </p:cxnSp>
+      </p:grpSp>
+    </p:spTree>
+    <p:extLst>
+      <p:ext uri="{BB962C8B-B14F-4D97-AF65-F5344CB8AC3E}">
+        <p14:creationId xmlns:p14="http://schemas.microsoft.com/office/powerpoint/2010/main" val="999647573"/>
+      </p:ext>
+    </p:extLst>
+  </p:cSld>
+  <p:clrMapOvr>
+    <a:masterClrMapping/>
+  </p:clrMapOvr>
+</p:sld>
+</file>
+
+<file path=ppt/slides/slide5.xml><?xml version="1.0" encoding="utf-8"?>
+<p:sld xmlns:a="http://schemas.openxmlformats.org/drawingml/2006/main" xmlns:r="http://schemas.openxmlformats.org/officeDocument/2006/relationships" xmlns:p="http://schemas.openxmlformats.org/presentationml/2006/main">
+  <p:cSld>
+    <p:spTree>
+      <p:nvGrpSpPr>
+        <p:cNvPr id="1" name=""/>
+        <p:cNvGrpSpPr/>
+        <p:nvPr/>
+      </p:nvGrpSpPr>
+      <p:grpSpPr>
+        <a:xfrm>
+          <a:off x="0" y="0"/>
+          <a:ext cx="0" cy="0"/>
+          <a:chOff x="0" y="0"/>
+          <a:chExt cx="0" cy="0"/>
+        </a:xfrm>
+      </p:grpSpPr>
+      <p:grpSp>
+        <p:nvGrpSpPr>
+          <p:cNvPr id="94" name="Group 93">
+            <a:extLst>
+              <a:ext uri="{FF2B5EF4-FFF2-40B4-BE49-F238E27FC236}">
+                <a16:creationId xmlns:a16="http://schemas.microsoft.com/office/drawing/2014/main" id="{46AADE6A-F2A2-4276-B0E7-C20DF266D368}"/>
+              </a:ext>
+            </a:extLst>
+          </p:cNvPr>
+          <p:cNvGrpSpPr/>
+          <p:nvPr/>
+        </p:nvGrpSpPr>
+        <p:grpSpPr>
+          <a:xfrm>
+            <a:off x="829993" y="845845"/>
+            <a:ext cx="10177977" cy="3175166"/>
+            <a:chOff x="829993" y="845845"/>
+            <a:chExt cx="10177977" cy="3175166"/>
+          </a:xfrm>
+        </p:grpSpPr>
+        <p:grpSp>
+          <p:nvGrpSpPr>
+            <p:cNvPr id="26" name="Group 25">
+              <a:extLst>
+                <a:ext uri="{FF2B5EF4-FFF2-40B4-BE49-F238E27FC236}">
+                  <a16:creationId xmlns:a16="http://schemas.microsoft.com/office/drawing/2014/main" id="{BA780334-55E5-4AE2-9192-974C1276E848}"/>
+                </a:ext>
+              </a:extLst>
+            </p:cNvPr>
+            <p:cNvGrpSpPr/>
+            <p:nvPr/>
+          </p:nvGrpSpPr>
+          <p:grpSpPr>
+            <a:xfrm>
+              <a:off x="3523956" y="3486439"/>
+              <a:ext cx="2166424" cy="534572"/>
+              <a:chOff x="4851009" y="4161689"/>
+              <a:chExt cx="2166424" cy="534572"/>
+            </a:xfrm>
+          </p:grpSpPr>
+          <p:sp>
+            <p:nvSpPr>
+              <p:cNvPr id="22" name="TextBox 21">
+                <a:extLst>
+                  <a:ext uri="{FF2B5EF4-FFF2-40B4-BE49-F238E27FC236}">
+                    <a16:creationId xmlns:a16="http://schemas.microsoft.com/office/drawing/2014/main" id="{18C18538-D4ED-4976-A799-7100467F4DD6}"/>
+                  </a:ext>
+                </a:extLst>
+              </p:cNvPr>
+              <p:cNvSpPr txBox="1"/>
+              <p:nvPr/>
+            </p:nvSpPr>
+            <p:spPr>
+              <a:xfrm>
+                <a:off x="4963553" y="4232029"/>
+                <a:ext cx="1941342" cy="338554"/>
+              </a:xfrm>
+              <a:prstGeom prst="rect">
+                <a:avLst/>
+              </a:prstGeom>
+              <a:noFill/>
+              <a:ln w="12700">
+                <a:solidFill>
+                  <a:schemeClr val="tx1"/>
+                </a:solidFill>
+              </a:ln>
+            </p:spPr>
+            <p:txBody>
+              <a:bodyPr wrap="square" rtlCol="0">
+                <a:spAutoFit/>
+              </a:bodyPr>
+              <a:lstStyle/>
+              <a:p>
+                <a:pPr algn="ctr"/>
+                <a:r>
+                  <a:rPr lang="en-US" sz="1600" dirty="0"/>
+                  <a:t>Indoor</a:t>
+                </a:r>
+                <a:endParaRPr lang="bn-BD" sz="1600" dirty="0"/>
+              </a:p>
+            </p:txBody>
+          </p:sp>
+          <p:sp>
+            <p:nvSpPr>
+              <p:cNvPr id="23" name="Rectangle 22">
+                <a:extLst>
+                  <a:ext uri="{FF2B5EF4-FFF2-40B4-BE49-F238E27FC236}">
+                    <a16:creationId xmlns:a16="http://schemas.microsoft.com/office/drawing/2014/main" id="{E997C35A-88E7-4051-B5B0-3049C9FCE27D}"/>
+                  </a:ext>
+                </a:extLst>
+              </p:cNvPr>
+              <p:cNvSpPr/>
+              <p:nvPr/>
+            </p:nvSpPr>
+            <p:spPr>
+              <a:xfrm>
+                <a:off x="4851009" y="4161689"/>
+                <a:ext cx="2166424" cy="534572"/>
+              </a:xfrm>
+              <a:prstGeom prst="rect">
+                <a:avLst/>
+              </a:prstGeom>
+              <a:noFill/>
+              <a:ln>
+                <a:solidFill>
+                  <a:schemeClr val="tx1"/>
+                </a:solidFill>
+              </a:ln>
+            </p:spPr>
+            <p:style>
+              <a:lnRef idx="2">
+                <a:schemeClr val="accent6"/>
+              </a:lnRef>
+              <a:fillRef idx="1">
+                <a:schemeClr val="lt1"/>
+              </a:fillRef>
+              <a:effectRef idx="0">
+                <a:schemeClr val="accent6"/>
+              </a:effectRef>
+              <a:fontRef idx="minor">
+                <a:schemeClr val="dk1"/>
+              </a:fontRef>
+            </p:style>
+            <p:txBody>
+              <a:bodyPr rtlCol="0" anchor="ctr"/>
+              <a:lstStyle/>
+              <a:p>
+                <a:pPr algn="ctr"/>
+                <a:endParaRPr lang="bn-BD"/>
+              </a:p>
+            </p:txBody>
+          </p:sp>
+        </p:grpSp>
+        <p:grpSp>
+          <p:nvGrpSpPr>
+            <p:cNvPr id="39" name="Group 38">
+              <a:extLst>
+                <a:ext uri="{FF2B5EF4-FFF2-40B4-BE49-F238E27FC236}">
+                  <a16:creationId xmlns:a16="http://schemas.microsoft.com/office/drawing/2014/main" id="{98DE944F-3673-49C6-B701-8C4D58C16D96}"/>
+                </a:ext>
+              </a:extLst>
+            </p:cNvPr>
+            <p:cNvGrpSpPr/>
+            <p:nvPr/>
+          </p:nvGrpSpPr>
+          <p:grpSpPr>
+            <a:xfrm>
+              <a:off x="829993" y="845845"/>
+              <a:ext cx="7737230" cy="1994270"/>
+              <a:chOff x="2264898" y="1464823"/>
+              <a:chExt cx="7737230" cy="1994270"/>
+            </a:xfrm>
+          </p:grpSpPr>
+          <p:grpSp>
+            <p:nvGrpSpPr>
+              <p:cNvPr id="40" name="Group 39">
+                <a:extLst>
+                  <a:ext uri="{FF2B5EF4-FFF2-40B4-BE49-F238E27FC236}">
+                    <a16:creationId xmlns:a16="http://schemas.microsoft.com/office/drawing/2014/main" id="{587A08DF-7782-477F-A94F-CB0A45B0D1C9}"/>
+                  </a:ext>
+                </a:extLst>
+              </p:cNvPr>
+              <p:cNvGrpSpPr/>
+              <p:nvPr/>
+            </p:nvGrpSpPr>
+            <p:grpSpPr>
+              <a:xfrm>
+                <a:off x="2264898" y="1464823"/>
+                <a:ext cx="7737230" cy="1153550"/>
+                <a:chOff x="1322363" y="1605503"/>
+                <a:chExt cx="7737230" cy="1153550"/>
+              </a:xfrm>
+            </p:grpSpPr>
+            <p:grpSp>
+              <p:nvGrpSpPr>
+                <p:cNvPr id="42" name="Group 41">
+                  <a:extLst>
+                    <a:ext uri="{FF2B5EF4-FFF2-40B4-BE49-F238E27FC236}">
+                      <a16:creationId xmlns:a16="http://schemas.microsoft.com/office/drawing/2014/main" id="{3F5D9DB2-482B-4B25-B993-78C5417B3241}"/>
+                    </a:ext>
+                  </a:extLst>
+                </p:cNvPr>
+                <p:cNvGrpSpPr/>
+                <p:nvPr/>
+              </p:nvGrpSpPr>
+              <p:grpSpPr>
+                <a:xfrm>
+                  <a:off x="1322363" y="1605503"/>
+                  <a:ext cx="7737230" cy="1153550"/>
+                  <a:chOff x="1322363" y="1605503"/>
+                  <a:chExt cx="7737230" cy="1153550"/>
+                </a:xfrm>
+              </p:grpSpPr>
+              <p:sp>
+                <p:nvSpPr>
+                  <p:cNvPr id="46" name="TextBox 45">
+                    <a:extLst>
+                      <a:ext uri="{FF2B5EF4-FFF2-40B4-BE49-F238E27FC236}">
+                        <a16:creationId xmlns:a16="http://schemas.microsoft.com/office/drawing/2014/main" id="{27E4A431-6797-42D3-84C7-4D9ED15151B8}"/>
+                      </a:ext>
+                    </a:extLst>
+                  </p:cNvPr>
+                  <p:cNvSpPr txBox="1"/>
+                  <p:nvPr/>
+                </p:nvSpPr>
+                <p:spPr>
+                  <a:xfrm>
+                    <a:off x="1322363" y="2011680"/>
+                    <a:ext cx="1941342" cy="338554"/>
+                  </a:xfrm>
+                  <a:prstGeom prst="rect">
+                    <a:avLst/>
+                  </a:prstGeom>
+                  <a:noFill/>
+                  <a:ln w="12700">
+                    <a:solidFill>
+                      <a:schemeClr val="tx1"/>
+                    </a:solidFill>
+                  </a:ln>
+                </p:spPr>
+                <p:txBody>
+                  <a:bodyPr wrap="square" rtlCol="0">
+                    <a:spAutoFit/>
+                  </a:bodyPr>
+                  <a:lstStyle/>
+                  <a:p>
+                    <a:pPr algn="ctr"/>
+                    <a:r>
+                      <a:rPr lang="en-US" sz="1600" dirty="0"/>
+                      <a:t>Patient</a:t>
+                    </a:r>
+                    <a:endParaRPr lang="bn-BD" sz="1600" dirty="0"/>
+                  </a:p>
+                </p:txBody>
+              </p:sp>
+              <p:sp>
+                <p:nvSpPr>
+                  <p:cNvPr id="47" name="TextBox 46">
+                    <a:extLst>
+                      <a:ext uri="{FF2B5EF4-FFF2-40B4-BE49-F238E27FC236}">
+                        <a16:creationId xmlns:a16="http://schemas.microsoft.com/office/drawing/2014/main" id="{F706B8D0-4BAE-4879-BDF9-34F716D90A41}"/>
+                      </a:ext>
+                    </a:extLst>
+                  </p:cNvPr>
+                  <p:cNvSpPr txBox="1"/>
+                  <p:nvPr/>
+                </p:nvSpPr>
+                <p:spPr>
+                  <a:xfrm>
+                    <a:off x="7005713" y="2053884"/>
+                    <a:ext cx="1941342" cy="338554"/>
+                  </a:xfrm>
+                  <a:prstGeom prst="rect">
+                    <a:avLst/>
+                  </a:prstGeom>
+                  <a:noFill/>
+                  <a:ln w="12700">
+                    <a:solidFill>
+                      <a:schemeClr val="tx1"/>
+                    </a:solidFill>
+                  </a:ln>
+                </p:spPr>
+                <p:txBody>
+                  <a:bodyPr wrap="square" rtlCol="0">
+                    <a:spAutoFit/>
+                  </a:bodyPr>
+                  <a:lstStyle/>
+                  <a:p>
+                    <a:pPr algn="ctr"/>
+                    <a:r>
+                      <a:rPr lang="en-US" sz="1600" dirty="0">
+                        <a:solidFill>
+                          <a:schemeClr val="tx1"/>
+                        </a:solidFill>
+                      </a:rPr>
+                      <a:t>Admission</a:t>
+                    </a:r>
+                    <a:endParaRPr lang="bn-BD" sz="1600" dirty="0"/>
+                  </a:p>
+                </p:txBody>
+              </p:sp>
+              <p:sp>
+                <p:nvSpPr>
+                  <p:cNvPr id="48" name="Rectangle 47">
+                    <a:extLst>
+                      <a:ext uri="{FF2B5EF4-FFF2-40B4-BE49-F238E27FC236}">
+                        <a16:creationId xmlns:a16="http://schemas.microsoft.com/office/drawing/2014/main" id="{E38B3B03-9083-494B-8146-6168ED23343A}"/>
+                      </a:ext>
+                    </a:extLst>
+                  </p:cNvPr>
+                  <p:cNvSpPr/>
+                  <p:nvPr/>
+                </p:nvSpPr>
+                <p:spPr>
+                  <a:xfrm>
+                    <a:off x="6893169" y="1983544"/>
+                    <a:ext cx="2166424" cy="534572"/>
+                  </a:xfrm>
+                  <a:prstGeom prst="rect">
+                    <a:avLst/>
+                  </a:prstGeom>
+                  <a:noFill/>
+                  <a:ln>
+                    <a:solidFill>
+                      <a:schemeClr val="tx1"/>
+                    </a:solidFill>
+                  </a:ln>
+                </p:spPr>
+                <p:style>
+                  <a:lnRef idx="2">
+                    <a:schemeClr val="accent6"/>
+                  </a:lnRef>
+                  <a:fillRef idx="1">
+                    <a:schemeClr val="lt1"/>
+                  </a:fillRef>
+                  <a:effectRef idx="0">
+                    <a:schemeClr val="accent6"/>
+                  </a:effectRef>
+                  <a:fontRef idx="minor">
+                    <a:schemeClr val="dk1"/>
+                  </a:fontRef>
+                </p:style>
+                <p:txBody>
+                  <a:bodyPr rtlCol="0" anchor="ctr"/>
+                  <a:lstStyle/>
+                  <a:p>
+                    <a:pPr algn="ctr"/>
+                    <a:endParaRPr lang="bn-BD"/>
+                  </a:p>
+                </p:txBody>
+              </p:sp>
+              <p:sp>
+                <p:nvSpPr>
+                  <p:cNvPr id="49" name="Diamond 48">
+                    <a:extLst>
+                      <a:ext uri="{FF2B5EF4-FFF2-40B4-BE49-F238E27FC236}">
+                        <a16:creationId xmlns:a16="http://schemas.microsoft.com/office/drawing/2014/main" id="{1040AAEC-BA6C-4C47-A7A4-5438F2BABB93}"/>
+                      </a:ext>
+                    </a:extLst>
+                  </p:cNvPr>
+                  <p:cNvSpPr/>
+                  <p:nvPr/>
+                </p:nvSpPr>
+                <p:spPr>
+                  <a:xfrm>
+                    <a:off x="4262511" y="1605503"/>
+                    <a:ext cx="1294227" cy="1153550"/>
+                  </a:xfrm>
+                  <a:prstGeom prst="diamond">
+                    <a:avLst/>
+                  </a:prstGeom>
+                  <a:noFill/>
+                  <a:ln>
+                    <a:solidFill>
+                      <a:schemeClr val="tx1"/>
+                    </a:solidFill>
+                  </a:ln>
+                </p:spPr>
+                <p:style>
+                  <a:lnRef idx="2">
+                    <a:schemeClr val="accent1">
+                      <a:shade val="50000"/>
+                    </a:schemeClr>
+                  </a:lnRef>
+                  <a:fillRef idx="1">
+                    <a:schemeClr val="accent1"/>
+                  </a:fillRef>
+                  <a:effectRef idx="0">
+                    <a:schemeClr val="accent1"/>
+                  </a:effectRef>
+                  <a:fontRef idx="minor">
+                    <a:schemeClr val="lt1"/>
+                  </a:fontRef>
+                </p:style>
+                <p:txBody>
+                  <a:bodyPr rtlCol="0" anchor="ctr"/>
+                  <a:lstStyle/>
+                  <a:p>
+                    <a:pPr algn="ctr"/>
+                    <a:endParaRPr lang="bn-BD"/>
+                  </a:p>
+                </p:txBody>
+              </p:sp>
+              <p:sp>
+                <p:nvSpPr>
+                  <p:cNvPr id="50" name="Diamond 49">
+                    <a:extLst>
+                      <a:ext uri="{FF2B5EF4-FFF2-40B4-BE49-F238E27FC236}">
+                        <a16:creationId xmlns:a16="http://schemas.microsoft.com/office/drawing/2014/main" id="{2D2CCE80-CB3F-4278-A40C-EEB3DA6E881C}"/>
+                      </a:ext>
+                    </a:extLst>
+                  </p:cNvPr>
+                  <p:cNvSpPr/>
+                  <p:nvPr/>
+                </p:nvSpPr>
+                <p:spPr>
+                  <a:xfrm>
+                    <a:off x="4375051" y="1717598"/>
+                    <a:ext cx="1069145" cy="957495"/>
+                  </a:xfrm>
+                  <a:prstGeom prst="diamond">
+                    <a:avLst/>
+                  </a:prstGeom>
+                  <a:noFill/>
+                  <a:ln>
+                    <a:solidFill>
+                      <a:schemeClr val="tx1"/>
+                    </a:solidFill>
+                  </a:ln>
+                </p:spPr>
+                <p:style>
+                  <a:lnRef idx="2">
+                    <a:schemeClr val="accent1">
+                      <a:shade val="50000"/>
+                    </a:schemeClr>
+                  </a:lnRef>
+                  <a:fillRef idx="1">
+                    <a:schemeClr val="accent1"/>
+                  </a:fillRef>
+                  <a:effectRef idx="0">
+                    <a:schemeClr val="accent1"/>
+                  </a:effectRef>
+                  <a:fontRef idx="minor">
+                    <a:schemeClr val="lt1"/>
+                  </a:fontRef>
+                </p:style>
+                <p:txBody>
+                  <a:bodyPr rtlCol="0" anchor="ctr"/>
+                  <a:lstStyle/>
+                  <a:p>
+                    <a:endParaRPr lang="bn-BD" sz="1400" dirty="0">
+                      <a:solidFill>
+                        <a:schemeClr val="tx1"/>
+                      </a:solidFill>
+                    </a:endParaRPr>
+                  </a:p>
+                </p:txBody>
+              </p:sp>
+              <p:sp>
+                <p:nvSpPr>
+                  <p:cNvPr id="51" name="TextBox 50">
+                    <a:extLst>
+                      <a:ext uri="{FF2B5EF4-FFF2-40B4-BE49-F238E27FC236}">
+                        <a16:creationId xmlns:a16="http://schemas.microsoft.com/office/drawing/2014/main" id="{0D4CD513-D516-41E4-B121-007A74ED3400}"/>
+                      </a:ext>
+                    </a:extLst>
+                  </p:cNvPr>
+                  <p:cNvSpPr txBox="1"/>
+                  <p:nvPr/>
+                </p:nvSpPr>
+                <p:spPr>
+                  <a:xfrm>
+                    <a:off x="4501662" y="1983544"/>
+                    <a:ext cx="1055074" cy="461665"/>
+                  </a:xfrm>
+                  <a:prstGeom prst="rect">
+                    <a:avLst/>
+                  </a:prstGeom>
+                  <a:noFill/>
+                </p:spPr>
+                <p:txBody>
+                  <a:bodyPr wrap="square" rtlCol="0">
+                    <a:spAutoFit/>
+                  </a:bodyPr>
+                  <a:lstStyle/>
+                  <a:p>
+                    <a:r>
+                      <a:rPr lang="en-US" sz="1200" dirty="0">
+                        <a:solidFill>
+                          <a:schemeClr val="tx1"/>
+                        </a:solidFill>
+                      </a:rPr>
+                      <a:t>Get </a:t>
+                    </a:r>
+                  </a:p>
+                  <a:p>
+                    <a:r>
+                      <a:rPr lang="en-US" sz="1200" dirty="0">
+                        <a:solidFill>
+                          <a:schemeClr val="tx1"/>
+                        </a:solidFill>
+                      </a:rPr>
+                      <a:t>Admitted</a:t>
+                    </a:r>
+                    <a:endParaRPr lang="bn-BD" sz="1200" dirty="0"/>
+                  </a:p>
+                </p:txBody>
+              </p:sp>
+            </p:grpSp>
+            <p:cxnSp>
+              <p:nvCxnSpPr>
+                <p:cNvPr id="43" name="Straight Arrow Connector 42">
+                  <a:extLst>
+                    <a:ext uri="{FF2B5EF4-FFF2-40B4-BE49-F238E27FC236}">
+                      <a16:creationId xmlns:a16="http://schemas.microsoft.com/office/drawing/2014/main" id="{A62150E7-6929-4A5F-AB4F-21F71FD7D871}"/>
+                    </a:ext>
+                  </a:extLst>
+                </p:cNvPr>
+                <p:cNvCxnSpPr>
+                  <a:cxnSpLocks/>
+                  <a:stCxn id="49" idx="1"/>
+                  <a:endCxn id="46" idx="3"/>
+                </p:cNvCxnSpPr>
+                <p:nvPr/>
+              </p:nvCxnSpPr>
+              <p:spPr>
+                <a:xfrm flipH="1" flipV="1">
+                  <a:off x="3263705" y="2180957"/>
+                  <a:ext cx="998806" cy="1321"/>
+                </a:xfrm>
+                <a:prstGeom prst="straightConnector1">
+                  <a:avLst/>
+                </a:prstGeom>
+                <a:ln w="12700">
+                  <a:solidFill>
+                    <a:schemeClr val="tx1"/>
+                  </a:solidFill>
+                  <a:tailEnd type="triangle"/>
+                </a:ln>
+              </p:spPr>
+              <p:style>
+                <a:lnRef idx="1">
+                  <a:schemeClr val="accent1"/>
+                </a:lnRef>
+                <a:fillRef idx="0">
+                  <a:schemeClr val="accent1"/>
+                </a:fillRef>
+                <a:effectRef idx="0">
+                  <a:schemeClr val="accent1"/>
+                </a:effectRef>
+                <a:fontRef idx="minor">
+                  <a:schemeClr val="tx1"/>
+                </a:fontRef>
+              </p:style>
+            </p:cxnSp>
+            <p:cxnSp>
+              <p:nvCxnSpPr>
+                <p:cNvPr id="44" name="Straight Connector 43">
+                  <a:extLst>
+                    <a:ext uri="{FF2B5EF4-FFF2-40B4-BE49-F238E27FC236}">
+                      <a16:creationId xmlns:a16="http://schemas.microsoft.com/office/drawing/2014/main" id="{2E944088-2328-4605-A68F-270C444B3F14}"/>
+                    </a:ext>
+                  </a:extLst>
+                </p:cNvPr>
+                <p:cNvCxnSpPr>
+                  <a:cxnSpLocks/>
+                </p:cNvCxnSpPr>
+                <p:nvPr/>
+              </p:nvCxnSpPr>
+              <p:spPr>
+                <a:xfrm>
+                  <a:off x="5444196" y="2124224"/>
+                  <a:ext cx="1448973" cy="0"/>
+                </a:xfrm>
+                <a:prstGeom prst="line">
+                  <a:avLst/>
+                </a:prstGeom>
+                <a:ln w="12700">
+                  <a:solidFill>
+                    <a:schemeClr val="tx1"/>
+                  </a:solidFill>
+                </a:ln>
+              </p:spPr>
+              <p:style>
+                <a:lnRef idx="1">
+                  <a:schemeClr val="accent1"/>
+                </a:lnRef>
+                <a:fillRef idx="0">
+                  <a:schemeClr val="accent1"/>
+                </a:fillRef>
+                <a:effectRef idx="0">
+                  <a:schemeClr val="accent1"/>
+                </a:effectRef>
+                <a:fontRef idx="minor">
+                  <a:schemeClr val="tx1"/>
+                </a:fontRef>
+              </p:style>
+            </p:cxnSp>
+            <p:cxnSp>
+              <p:nvCxnSpPr>
+                <p:cNvPr id="45" name="Straight Connector 44">
+                  <a:extLst>
+                    <a:ext uri="{FF2B5EF4-FFF2-40B4-BE49-F238E27FC236}">
+                      <a16:creationId xmlns:a16="http://schemas.microsoft.com/office/drawing/2014/main" id="{ECA72766-FA88-4B32-B093-2EF4D3509E62}"/>
+                    </a:ext>
+                  </a:extLst>
+                </p:cNvPr>
+                <p:cNvCxnSpPr>
+                  <a:cxnSpLocks/>
+                </p:cNvCxnSpPr>
+                <p:nvPr/>
+              </p:nvCxnSpPr>
+              <p:spPr>
+                <a:xfrm>
+                  <a:off x="5458264" y="2252618"/>
+                  <a:ext cx="1448973" cy="0"/>
+                </a:xfrm>
+                <a:prstGeom prst="line">
+                  <a:avLst/>
+                </a:prstGeom>
+                <a:ln w="12700">
+                  <a:solidFill>
+                    <a:schemeClr val="tx1"/>
+                  </a:solidFill>
+                </a:ln>
+              </p:spPr>
+              <p:style>
+                <a:lnRef idx="1">
+                  <a:schemeClr val="accent1"/>
+                </a:lnRef>
+                <a:fillRef idx="0">
+                  <a:schemeClr val="accent1"/>
+                </a:fillRef>
+                <a:effectRef idx="0">
+                  <a:schemeClr val="accent1"/>
+                </a:effectRef>
+                <a:fontRef idx="minor">
+                  <a:schemeClr val="tx1"/>
+                </a:fontRef>
+              </p:style>
+            </p:cxnSp>
+          </p:grpSp>
+          <p:sp>
+            <p:nvSpPr>
+              <p:cNvPr id="41" name="Down Arrow 115">
+                <a:extLst>
+                  <a:ext uri="{FF2B5EF4-FFF2-40B4-BE49-F238E27FC236}">
+                    <a16:creationId xmlns:a16="http://schemas.microsoft.com/office/drawing/2014/main" id="{A1531148-6BF1-474F-8246-A31E74344A6D}"/>
+                  </a:ext>
+                </a:extLst>
+              </p:cNvPr>
+              <p:cNvSpPr/>
+              <p:nvPr/>
+            </p:nvSpPr>
+            <p:spPr>
+              <a:xfrm>
+                <a:off x="8412481" y="2376662"/>
+                <a:ext cx="1016899" cy="1082431"/>
+              </a:xfrm>
+              <a:prstGeom prst="downArrow">
+                <a:avLst>
+                  <a:gd name="adj1" fmla="val 50000"/>
+                  <a:gd name="adj2" fmla="val 51933"/>
+                </a:avLst>
+              </a:prstGeom>
+              <a:solidFill>
+                <a:schemeClr val="bg1">
+                  <a:lumMod val="65000"/>
+                </a:schemeClr>
+              </a:solidFill>
+            </p:spPr>
+            <p:style>
+              <a:lnRef idx="2">
+                <a:schemeClr val="accent1">
+                  <a:shade val="50000"/>
+                </a:schemeClr>
+              </a:lnRef>
+              <a:fillRef idx="1">
+                <a:schemeClr val="accent1"/>
+              </a:fillRef>
+              <a:effectRef idx="0">
+                <a:schemeClr val="accent1"/>
+              </a:effectRef>
+              <a:fontRef idx="minor">
+                <a:schemeClr val="lt1"/>
+              </a:fontRef>
+            </p:style>
+            <p:txBody>
+              <a:bodyPr wrap="none" rtlCol="0" anchor="ctr">
+                <a:normAutofit fontScale="55000" lnSpcReduction="20000"/>
+              </a:bodyPr>
+              <a:lstStyle/>
+              <a:p>
+                <a:pPr algn="ctr"/>
+                <a:endParaRPr lang="en-US" sz="1000" dirty="0">
+                  <a:solidFill>
+                    <a:schemeClr val="tx1"/>
+                  </a:solidFill>
+                </a:endParaRPr>
+              </a:p>
+              <a:p>
+                <a:pPr algn="ctr"/>
+                <a:endParaRPr lang="en-US" sz="1000" dirty="0">
+                  <a:solidFill>
+                    <a:schemeClr val="tx1"/>
+                  </a:solidFill>
+                </a:endParaRPr>
+              </a:p>
+              <a:p>
+                <a:pPr algn="ctr"/>
+                <a:endParaRPr lang="en-US" sz="1000" dirty="0">
+                  <a:solidFill>
+                    <a:schemeClr val="tx1"/>
+                  </a:solidFill>
+                </a:endParaRPr>
+              </a:p>
+              <a:p>
+                <a:pPr algn="ctr"/>
+                <a:endParaRPr lang="en-US" sz="1000" dirty="0">
+                  <a:solidFill>
+                    <a:schemeClr val="tx1"/>
+                  </a:solidFill>
+                </a:endParaRPr>
+              </a:p>
+              <a:p>
+                <a:pPr algn="ctr"/>
+                <a:endParaRPr lang="en-US" sz="3100" dirty="0">
+                  <a:solidFill>
+                    <a:schemeClr val="tx1"/>
+                  </a:solidFill>
+                </a:endParaRPr>
+              </a:p>
+              <a:p>
+                <a:pPr algn="ctr"/>
+                <a:r>
+                  <a:rPr lang="en-US" sz="3100" dirty="0">
+                    <a:solidFill>
+                      <a:schemeClr val="tx1"/>
+                    </a:solidFill>
+                  </a:rPr>
+                  <a:t>ISA</a:t>
+                </a:r>
+              </a:p>
+              <a:p>
+                <a:pPr algn="ctr"/>
+                <a:endParaRPr lang="en-US" sz="1000" dirty="0">
+                  <a:solidFill>
+                    <a:schemeClr val="tx1"/>
+                  </a:solidFill>
+                </a:endParaRPr>
+              </a:p>
+              <a:p>
+                <a:pPr algn="ctr"/>
+                <a:endParaRPr lang="en-US" sz="1100" dirty="0">
+                  <a:solidFill>
+                    <a:schemeClr val="tx1"/>
+                  </a:solidFill>
+                </a:endParaRPr>
+              </a:p>
+            </p:txBody>
+          </p:sp>
+        </p:grpSp>
+        <p:grpSp>
+          <p:nvGrpSpPr>
+            <p:cNvPr id="52" name="Group 51">
+              <a:extLst>
+                <a:ext uri="{FF2B5EF4-FFF2-40B4-BE49-F238E27FC236}">
+                  <a16:creationId xmlns:a16="http://schemas.microsoft.com/office/drawing/2014/main" id="{402D03FA-7C4F-4F6F-8C6A-1062E23103F8}"/>
+                </a:ext>
+              </a:extLst>
+            </p:cNvPr>
+            <p:cNvGrpSpPr/>
+            <p:nvPr/>
+          </p:nvGrpSpPr>
+          <p:grpSpPr>
+            <a:xfrm>
+              <a:off x="8841546" y="3444237"/>
+              <a:ext cx="2166424" cy="534572"/>
+              <a:chOff x="4851009" y="4161689"/>
+              <a:chExt cx="2166424" cy="534572"/>
+            </a:xfrm>
+          </p:grpSpPr>
+          <p:sp>
+            <p:nvSpPr>
+              <p:cNvPr id="53" name="TextBox 52">
+                <a:extLst>
+                  <a:ext uri="{FF2B5EF4-FFF2-40B4-BE49-F238E27FC236}">
+                    <a16:creationId xmlns:a16="http://schemas.microsoft.com/office/drawing/2014/main" id="{BCB27FAF-7172-44F0-8BBB-EFEB684679C4}"/>
+                  </a:ext>
+                </a:extLst>
+              </p:cNvPr>
+              <p:cNvSpPr txBox="1"/>
+              <p:nvPr/>
+            </p:nvSpPr>
+            <p:spPr>
+              <a:xfrm>
+                <a:off x="4963553" y="4232029"/>
+                <a:ext cx="1941342" cy="338554"/>
+              </a:xfrm>
+              <a:prstGeom prst="rect">
+                <a:avLst/>
+              </a:prstGeom>
+              <a:noFill/>
+              <a:ln w="12700">
+                <a:solidFill>
+                  <a:schemeClr val="tx1"/>
+                </a:solidFill>
+              </a:ln>
+            </p:spPr>
+            <p:txBody>
+              <a:bodyPr wrap="square" rtlCol="0">
+                <a:spAutoFit/>
+              </a:bodyPr>
+              <a:lstStyle/>
+              <a:p>
+                <a:pPr algn="ctr"/>
+                <a:r>
+                  <a:rPr lang="en-US" sz="1600" dirty="0"/>
+                  <a:t>Outdoor</a:t>
+                </a:r>
+                <a:endParaRPr lang="bn-BD" sz="1600" dirty="0"/>
+              </a:p>
+            </p:txBody>
+          </p:sp>
+          <p:sp>
+            <p:nvSpPr>
+              <p:cNvPr id="54" name="Rectangle 53">
+                <a:extLst>
+                  <a:ext uri="{FF2B5EF4-FFF2-40B4-BE49-F238E27FC236}">
+                    <a16:creationId xmlns:a16="http://schemas.microsoft.com/office/drawing/2014/main" id="{A565A90F-79CC-4E12-96EF-C35768947D32}"/>
+                  </a:ext>
+                </a:extLst>
+              </p:cNvPr>
+              <p:cNvSpPr/>
+              <p:nvPr/>
+            </p:nvSpPr>
+            <p:spPr>
+              <a:xfrm>
+                <a:off x="4851009" y="4161689"/>
+                <a:ext cx="2166424" cy="534572"/>
+              </a:xfrm>
+              <a:prstGeom prst="rect">
+                <a:avLst/>
+              </a:prstGeom>
+              <a:noFill/>
+              <a:ln>
+                <a:solidFill>
+                  <a:schemeClr val="tx1"/>
+                </a:solidFill>
+              </a:ln>
+            </p:spPr>
+            <p:style>
+              <a:lnRef idx="2">
+                <a:schemeClr val="accent6"/>
+              </a:lnRef>
+              <a:fillRef idx="1">
+                <a:schemeClr val="lt1"/>
+              </a:fillRef>
+              <a:effectRef idx="0">
+                <a:schemeClr val="accent6"/>
+              </a:effectRef>
+              <a:fontRef idx="minor">
+                <a:schemeClr val="dk1"/>
+              </a:fontRef>
+            </p:style>
+            <p:txBody>
+              <a:bodyPr rtlCol="0" anchor="ctr"/>
+              <a:lstStyle/>
+              <a:p>
+                <a:pPr algn="ctr"/>
+                <a:endParaRPr lang="bn-BD"/>
+              </a:p>
+            </p:txBody>
+          </p:sp>
+        </p:grpSp>
+        <p:cxnSp>
+          <p:nvCxnSpPr>
+            <p:cNvPr id="70" name="Straight Connector 69">
+              <a:extLst>
+                <a:ext uri="{FF2B5EF4-FFF2-40B4-BE49-F238E27FC236}">
+                  <a16:creationId xmlns:a16="http://schemas.microsoft.com/office/drawing/2014/main" id="{68328A75-E54F-451A-9356-A950A3D3167D}"/>
+                </a:ext>
+              </a:extLst>
+            </p:cNvPr>
+            <p:cNvCxnSpPr>
+              <a:cxnSpLocks/>
+            </p:cNvCxnSpPr>
+            <p:nvPr/>
+          </p:nvCxnSpPr>
+          <p:spPr>
+            <a:xfrm flipV="1">
+              <a:off x="5662244" y="3797716"/>
+              <a:ext cx="900332" cy="1"/>
+            </a:xfrm>
+            <a:prstGeom prst="line">
+              <a:avLst/>
+            </a:prstGeom>
+            <a:ln w="12700"/>
+          </p:spPr>
+          <p:style>
+            <a:lnRef idx="1">
+              <a:schemeClr val="dk1"/>
+            </a:lnRef>
+            <a:fillRef idx="0">
+              <a:schemeClr val="dk1"/>
+            </a:fillRef>
+            <a:effectRef idx="0">
+              <a:schemeClr val="dk1"/>
+            </a:effectRef>
+            <a:fontRef idx="minor">
+              <a:schemeClr val="tx1"/>
+            </a:fontRef>
+          </p:style>
+        </p:cxnSp>
+        <p:cxnSp>
+          <p:nvCxnSpPr>
+            <p:cNvPr id="71" name="Straight Connector 70">
+              <a:extLst>
+                <a:ext uri="{FF2B5EF4-FFF2-40B4-BE49-F238E27FC236}">
+                  <a16:creationId xmlns:a16="http://schemas.microsoft.com/office/drawing/2014/main" id="{EE2183E1-7B90-45D8-B4B7-B49518297FEC}"/>
+                </a:ext>
+              </a:extLst>
+            </p:cNvPr>
+            <p:cNvCxnSpPr>
+              <a:cxnSpLocks/>
+            </p:cNvCxnSpPr>
+            <p:nvPr/>
+          </p:nvCxnSpPr>
+          <p:spPr>
+            <a:xfrm flipV="1">
+              <a:off x="6534446" y="2298899"/>
+              <a:ext cx="0" cy="1482410"/>
+            </a:xfrm>
+            <a:prstGeom prst="line">
+              <a:avLst/>
+            </a:prstGeom>
+            <a:ln w="12700"/>
+          </p:spPr>
+          <p:style>
+            <a:lnRef idx="1">
+              <a:schemeClr val="dk1"/>
+            </a:lnRef>
+            <a:fillRef idx="0">
+              <a:schemeClr val="dk1"/>
+            </a:fillRef>
+            <a:effectRef idx="0">
+              <a:schemeClr val="dk1"/>
+            </a:effectRef>
+            <a:fontRef idx="minor">
+              <a:schemeClr val="tx1"/>
+            </a:fontRef>
+          </p:style>
+        </p:cxnSp>
+        <p:cxnSp>
+          <p:nvCxnSpPr>
+            <p:cNvPr id="78" name="Straight Connector 77">
+              <a:extLst>
+                <a:ext uri="{FF2B5EF4-FFF2-40B4-BE49-F238E27FC236}">
+                  <a16:creationId xmlns:a16="http://schemas.microsoft.com/office/drawing/2014/main" id="{FF75C39B-0EB5-4518-AEBD-B32910207F6E}"/>
+                </a:ext>
+              </a:extLst>
+            </p:cNvPr>
+            <p:cNvCxnSpPr>
+              <a:cxnSpLocks/>
+            </p:cNvCxnSpPr>
+            <p:nvPr/>
+          </p:nvCxnSpPr>
+          <p:spPr>
+            <a:xfrm>
+              <a:off x="7994475" y="2335226"/>
+              <a:ext cx="1930283" cy="0"/>
+            </a:xfrm>
+            <a:prstGeom prst="line">
+              <a:avLst/>
+            </a:prstGeom>
+            <a:ln w="12700"/>
+          </p:spPr>
+          <p:style>
+            <a:lnRef idx="1">
+              <a:schemeClr val="dk1"/>
+            </a:lnRef>
+            <a:fillRef idx="0">
+              <a:schemeClr val="dk1"/>
+            </a:fillRef>
+            <a:effectRef idx="0">
+              <a:schemeClr val="dk1"/>
+            </a:effectRef>
+            <a:fontRef idx="minor">
+              <a:schemeClr val="tx1"/>
+            </a:fontRef>
+          </p:style>
+        </p:cxnSp>
+        <p:cxnSp>
+          <p:nvCxnSpPr>
+            <p:cNvPr id="81" name="Straight Connector 80">
+              <a:extLst>
+                <a:ext uri="{FF2B5EF4-FFF2-40B4-BE49-F238E27FC236}">
+                  <a16:creationId xmlns:a16="http://schemas.microsoft.com/office/drawing/2014/main" id="{AD71CA12-8286-45C7-B10D-88DB9C679B2C}"/>
+                </a:ext>
+              </a:extLst>
+            </p:cNvPr>
+            <p:cNvCxnSpPr>
+              <a:cxnSpLocks/>
+            </p:cNvCxnSpPr>
+            <p:nvPr/>
+          </p:nvCxnSpPr>
+          <p:spPr>
+            <a:xfrm>
+              <a:off x="6534446" y="2312956"/>
+              <a:ext cx="657155" cy="0"/>
+            </a:xfrm>
+            <a:prstGeom prst="line">
+              <a:avLst/>
+            </a:prstGeom>
+            <a:ln w="12700"/>
+          </p:spPr>
+          <p:style>
+            <a:lnRef idx="1">
+              <a:schemeClr val="dk1"/>
+            </a:lnRef>
+            <a:fillRef idx="0">
+              <a:schemeClr val="dk1"/>
+            </a:fillRef>
+            <a:effectRef idx="0">
+              <a:schemeClr val="dk1"/>
+            </a:effectRef>
+            <a:fontRef idx="minor">
+              <a:schemeClr val="tx1"/>
+            </a:fontRef>
+          </p:style>
+        </p:cxnSp>
+        <p:cxnSp>
+          <p:nvCxnSpPr>
+            <p:cNvPr id="84" name="Straight Connector 83">
+              <a:extLst>
+                <a:ext uri="{FF2B5EF4-FFF2-40B4-BE49-F238E27FC236}">
+                  <a16:creationId xmlns:a16="http://schemas.microsoft.com/office/drawing/2014/main" id="{4EC73F9E-3D55-4670-9749-4D6641AD6445}"/>
+                </a:ext>
+              </a:extLst>
+            </p:cNvPr>
+            <p:cNvCxnSpPr/>
+            <p:nvPr/>
+          </p:nvCxnSpPr>
+          <p:spPr>
+            <a:xfrm>
+              <a:off x="9924758" y="2335226"/>
+              <a:ext cx="0" cy="1109011"/>
+            </a:xfrm>
+            <a:prstGeom prst="line">
+              <a:avLst/>
+            </a:prstGeom>
+            <a:ln w="12700">
+              <a:solidFill>
+                <a:schemeClr val="tx1"/>
+              </a:solidFill>
+            </a:ln>
+          </p:spPr>
+          <p:style>
+            <a:lnRef idx="1">
+              <a:schemeClr val="accent1"/>
+            </a:lnRef>
+            <a:fillRef idx="0">
+              <a:schemeClr val="accent1"/>
+            </a:fillRef>
+            <a:effectRef idx="0">
+              <a:schemeClr val="accent1"/>
+            </a:effectRef>
+            <a:fontRef idx="minor">
+              <a:schemeClr val="tx1"/>
+            </a:fontRef>
+          </p:style>
+        </p:cxnSp>
+      </p:grpSp>
+    </p:spTree>
+    <p:extLst>
+      <p:ext uri="{BB962C8B-B14F-4D97-AF65-F5344CB8AC3E}">
+        <p14:creationId xmlns:p14="http://schemas.microsoft.com/office/powerpoint/2010/main" val="4086242306"/>
+      </p:ext>
+    </p:extLst>
+  </p:cSld>
+  <p:clrMapOvr>
+    <a:masterClrMapping/>
+  </p:clrMapOvr>
+</p:sld>
+</file>
+
+<file path=ppt/slides/slide6.xml><?xml version="1.0" encoding="utf-8"?>
+<p:sld xmlns:a="http://schemas.openxmlformats.org/drawingml/2006/main" xmlns:r="http://schemas.openxmlformats.org/officeDocument/2006/relationships" xmlns:p="http://schemas.openxmlformats.org/presentationml/2006/main">
+  <p:cSld>
+    <p:spTree>
+      <p:nvGrpSpPr>
+        <p:cNvPr id="1" name=""/>
+        <p:cNvGrpSpPr/>
+        <p:nvPr/>
+      </p:nvGrpSpPr>
+      <p:grpSpPr>
+        <a:xfrm>
+          <a:off x="0" y="0"/>
+          <a:ext cx="0" cy="0"/>
+          <a:chOff x="0" y="0"/>
+          <a:chExt cx="0" cy="0"/>
+        </a:xfrm>
+      </p:grpSpPr>
+      <p:grpSp>
+        <p:nvGrpSpPr>
+          <p:cNvPr id="94" name="Group 93">
+            <a:extLst>
+              <a:ext uri="{FF2B5EF4-FFF2-40B4-BE49-F238E27FC236}">
+                <a16:creationId xmlns:a16="http://schemas.microsoft.com/office/drawing/2014/main" id="{46AADE6A-F2A2-4276-B0E7-C20DF266D368}"/>
+              </a:ext>
+            </a:extLst>
+          </p:cNvPr>
+          <p:cNvGrpSpPr/>
+          <p:nvPr/>
+        </p:nvGrpSpPr>
+        <p:grpSpPr>
+          <a:xfrm>
+            <a:off x="829993" y="845845"/>
+            <a:ext cx="10177977" cy="5584784"/>
+            <a:chOff x="829993" y="845845"/>
+            <a:chExt cx="10177977" cy="5584784"/>
+          </a:xfrm>
+        </p:grpSpPr>
+        <p:grpSp>
+          <p:nvGrpSpPr>
+            <p:cNvPr id="26" name="Group 25">
+              <a:extLst>
+                <a:ext uri="{FF2B5EF4-FFF2-40B4-BE49-F238E27FC236}">
+                  <a16:creationId xmlns:a16="http://schemas.microsoft.com/office/drawing/2014/main" id="{BA780334-55E5-4AE2-9192-974C1276E848}"/>
+                </a:ext>
+              </a:extLst>
+            </p:cNvPr>
+            <p:cNvGrpSpPr/>
+            <p:nvPr/>
+          </p:nvGrpSpPr>
+          <p:grpSpPr>
+            <a:xfrm>
+              <a:off x="3523956" y="3486439"/>
+              <a:ext cx="2166424" cy="534572"/>
+              <a:chOff x="4851009" y="4161689"/>
+              <a:chExt cx="2166424" cy="534572"/>
+            </a:xfrm>
+          </p:grpSpPr>
+          <p:sp>
+            <p:nvSpPr>
+              <p:cNvPr id="22" name="TextBox 21">
+                <a:extLst>
+                  <a:ext uri="{FF2B5EF4-FFF2-40B4-BE49-F238E27FC236}">
+                    <a16:creationId xmlns:a16="http://schemas.microsoft.com/office/drawing/2014/main" id="{18C18538-D4ED-4976-A799-7100467F4DD6}"/>
+                  </a:ext>
+                </a:extLst>
+              </p:cNvPr>
+              <p:cNvSpPr txBox="1"/>
+              <p:nvPr/>
+            </p:nvSpPr>
+            <p:spPr>
+              <a:xfrm>
+                <a:off x="4963553" y="4232029"/>
+                <a:ext cx="1941342" cy="338554"/>
+              </a:xfrm>
+              <a:prstGeom prst="rect">
+                <a:avLst/>
+              </a:prstGeom>
+              <a:noFill/>
+              <a:ln w="12700">
+                <a:solidFill>
+                  <a:schemeClr val="tx1"/>
+                </a:solidFill>
+              </a:ln>
+            </p:spPr>
+            <p:txBody>
+              <a:bodyPr wrap="square" rtlCol="0">
+                <a:spAutoFit/>
+              </a:bodyPr>
+              <a:lstStyle/>
+              <a:p>
+                <a:pPr algn="ctr"/>
+                <a:r>
+                  <a:rPr lang="en-US" sz="1600" dirty="0"/>
+                  <a:t>Indoor</a:t>
+                </a:r>
+                <a:endParaRPr lang="bn-BD" sz="1600" dirty="0"/>
+              </a:p>
+            </p:txBody>
+          </p:sp>
+          <p:sp>
+            <p:nvSpPr>
+              <p:cNvPr id="23" name="Rectangle 22">
+                <a:extLst>
+                  <a:ext uri="{FF2B5EF4-FFF2-40B4-BE49-F238E27FC236}">
+                    <a16:creationId xmlns:a16="http://schemas.microsoft.com/office/drawing/2014/main" id="{E997C35A-88E7-4051-B5B0-3049C9FCE27D}"/>
+                  </a:ext>
+                </a:extLst>
+              </p:cNvPr>
+              <p:cNvSpPr/>
+              <p:nvPr/>
+            </p:nvSpPr>
+            <p:spPr>
+              <a:xfrm>
+                <a:off x="4851009" y="4161689"/>
+                <a:ext cx="2166424" cy="534572"/>
+              </a:xfrm>
+              <a:prstGeom prst="rect">
+                <a:avLst/>
+              </a:prstGeom>
+              <a:noFill/>
+              <a:ln>
+                <a:solidFill>
+                  <a:schemeClr val="tx1"/>
+                </a:solidFill>
+              </a:ln>
+            </p:spPr>
+            <p:style>
+              <a:lnRef idx="2">
+                <a:schemeClr val="accent6"/>
+              </a:lnRef>
+              <a:fillRef idx="1">
+                <a:schemeClr val="lt1"/>
+              </a:fillRef>
+              <a:effectRef idx="0">
+                <a:schemeClr val="accent6"/>
+              </a:effectRef>
+              <a:fontRef idx="minor">
+                <a:schemeClr val="dk1"/>
+              </a:fontRef>
+            </p:style>
+            <p:txBody>
+              <a:bodyPr rtlCol="0" anchor="ctr"/>
+              <a:lstStyle/>
+              <a:p>
+                <a:pPr algn="ctr"/>
+                <a:endParaRPr lang="bn-BD"/>
+              </a:p>
+            </p:txBody>
+          </p:sp>
+        </p:grpSp>
+        <p:grpSp>
+          <p:nvGrpSpPr>
+            <p:cNvPr id="39" name="Group 38">
+              <a:extLst>
+                <a:ext uri="{FF2B5EF4-FFF2-40B4-BE49-F238E27FC236}">
+                  <a16:creationId xmlns:a16="http://schemas.microsoft.com/office/drawing/2014/main" id="{98DE944F-3673-49C6-B701-8C4D58C16D96}"/>
+                </a:ext>
+              </a:extLst>
+            </p:cNvPr>
+            <p:cNvGrpSpPr/>
+            <p:nvPr/>
+          </p:nvGrpSpPr>
+          <p:grpSpPr>
+            <a:xfrm>
+              <a:off x="829993" y="845845"/>
+              <a:ext cx="10107637" cy="5584784"/>
+              <a:chOff x="2264898" y="1464823"/>
+              <a:chExt cx="10107637" cy="5584784"/>
+            </a:xfrm>
+          </p:grpSpPr>
+          <p:grpSp>
+            <p:nvGrpSpPr>
+              <p:cNvPr id="40" name="Group 39">
+                <a:extLst>
+                  <a:ext uri="{FF2B5EF4-FFF2-40B4-BE49-F238E27FC236}">
+                    <a16:creationId xmlns:a16="http://schemas.microsoft.com/office/drawing/2014/main" id="{587A08DF-7782-477F-A94F-CB0A45B0D1C9}"/>
+                  </a:ext>
+                </a:extLst>
+              </p:cNvPr>
+              <p:cNvGrpSpPr/>
+              <p:nvPr/>
+            </p:nvGrpSpPr>
+            <p:grpSpPr>
+              <a:xfrm>
+                <a:off x="2264898" y="1464823"/>
+                <a:ext cx="10107637" cy="5584784"/>
+                <a:chOff x="1322363" y="1605503"/>
+                <a:chExt cx="10107637" cy="5584784"/>
+              </a:xfrm>
+            </p:grpSpPr>
+            <p:grpSp>
+              <p:nvGrpSpPr>
+                <p:cNvPr id="42" name="Group 41">
+                  <a:extLst>
+                    <a:ext uri="{FF2B5EF4-FFF2-40B4-BE49-F238E27FC236}">
+                      <a16:creationId xmlns:a16="http://schemas.microsoft.com/office/drawing/2014/main" id="{3F5D9DB2-482B-4B25-B993-78C5417B3241}"/>
+                    </a:ext>
+                  </a:extLst>
+                </p:cNvPr>
+                <p:cNvGrpSpPr/>
+                <p:nvPr/>
+              </p:nvGrpSpPr>
+              <p:grpSpPr>
+                <a:xfrm>
+                  <a:off x="1322363" y="1605503"/>
+                  <a:ext cx="10107637" cy="5584784"/>
+                  <a:chOff x="1322363" y="1605503"/>
+                  <a:chExt cx="10107637" cy="5584784"/>
+                </a:xfrm>
+              </p:grpSpPr>
+              <p:sp>
+                <p:nvSpPr>
+                  <p:cNvPr id="46" name="TextBox 45">
+                    <a:extLst>
+                      <a:ext uri="{FF2B5EF4-FFF2-40B4-BE49-F238E27FC236}">
+                        <a16:creationId xmlns:a16="http://schemas.microsoft.com/office/drawing/2014/main" id="{27E4A431-6797-42D3-84C7-4D9ED15151B8}"/>
+                      </a:ext>
+                    </a:extLst>
+                  </p:cNvPr>
+                  <p:cNvSpPr txBox="1"/>
+                  <p:nvPr/>
+                </p:nvSpPr>
+                <p:spPr>
+                  <a:xfrm>
+                    <a:off x="1322363" y="2011680"/>
+                    <a:ext cx="1941342" cy="338554"/>
+                  </a:xfrm>
+                  <a:prstGeom prst="rect">
+                    <a:avLst/>
+                  </a:prstGeom>
+                  <a:noFill/>
+                  <a:ln w="12700">
+                    <a:solidFill>
+                      <a:schemeClr val="tx1"/>
+                    </a:solidFill>
+                  </a:ln>
+                </p:spPr>
+                <p:txBody>
+                  <a:bodyPr wrap="square" rtlCol="0">
+                    <a:spAutoFit/>
+                  </a:bodyPr>
+                  <a:lstStyle/>
+                  <a:p>
+                    <a:pPr algn="ctr"/>
+                    <a:r>
+                      <a:rPr lang="en-US" sz="1600" dirty="0"/>
+                      <a:t>Patient</a:t>
+                    </a:r>
+                    <a:endParaRPr lang="bn-BD" sz="1600" dirty="0"/>
+                  </a:p>
+                </p:txBody>
+              </p:sp>
+              <p:sp>
+                <p:nvSpPr>
+                  <p:cNvPr id="47" name="TextBox 46">
+                    <a:extLst>
+                      <a:ext uri="{FF2B5EF4-FFF2-40B4-BE49-F238E27FC236}">
+                        <a16:creationId xmlns:a16="http://schemas.microsoft.com/office/drawing/2014/main" id="{F706B8D0-4BAE-4879-BDF9-34F716D90A41}"/>
+                      </a:ext>
+                    </a:extLst>
+                  </p:cNvPr>
+                  <p:cNvSpPr txBox="1"/>
+                  <p:nvPr/>
+                </p:nvSpPr>
+                <p:spPr>
+                  <a:xfrm>
+                    <a:off x="7005713" y="2053884"/>
+                    <a:ext cx="1941342" cy="338554"/>
+                  </a:xfrm>
+                  <a:prstGeom prst="rect">
+                    <a:avLst/>
+                  </a:prstGeom>
+                  <a:noFill/>
+                  <a:ln w="12700">
+                    <a:solidFill>
+                      <a:schemeClr val="tx1"/>
+                    </a:solidFill>
+                  </a:ln>
+                </p:spPr>
+                <p:txBody>
+                  <a:bodyPr wrap="square" rtlCol="0">
+                    <a:spAutoFit/>
+                  </a:bodyPr>
+                  <a:lstStyle/>
+                  <a:p>
+                    <a:pPr algn="ctr"/>
+                    <a:r>
+                      <a:rPr lang="en-US" sz="1600" dirty="0">
+                        <a:solidFill>
+                          <a:schemeClr val="tx1"/>
+                        </a:solidFill>
+                      </a:rPr>
+                      <a:t>Admission</a:t>
+                    </a:r>
+                    <a:endParaRPr lang="bn-BD" sz="1600" dirty="0"/>
+                  </a:p>
+                </p:txBody>
+              </p:sp>
+              <p:sp>
+                <p:nvSpPr>
+                  <p:cNvPr id="48" name="Rectangle 47">
+                    <a:extLst>
+                      <a:ext uri="{FF2B5EF4-FFF2-40B4-BE49-F238E27FC236}">
+                        <a16:creationId xmlns:a16="http://schemas.microsoft.com/office/drawing/2014/main" id="{E38B3B03-9083-494B-8146-6168ED23343A}"/>
+                      </a:ext>
+                    </a:extLst>
+                  </p:cNvPr>
+                  <p:cNvSpPr/>
+                  <p:nvPr/>
+                </p:nvSpPr>
+                <p:spPr>
+                  <a:xfrm>
+                    <a:off x="6893169" y="1983544"/>
+                    <a:ext cx="2166424" cy="534572"/>
+                  </a:xfrm>
+                  <a:prstGeom prst="rect">
+                    <a:avLst/>
+                  </a:prstGeom>
+                  <a:noFill/>
+                  <a:ln>
+                    <a:solidFill>
+                      <a:schemeClr val="tx1"/>
+                    </a:solidFill>
+                  </a:ln>
+                </p:spPr>
+                <p:style>
+                  <a:lnRef idx="2">
+                    <a:schemeClr val="accent6"/>
+                  </a:lnRef>
+                  <a:fillRef idx="1">
+                    <a:schemeClr val="lt1"/>
+                  </a:fillRef>
+                  <a:effectRef idx="0">
+                    <a:schemeClr val="accent6"/>
+                  </a:effectRef>
+                  <a:fontRef idx="minor">
+                    <a:schemeClr val="dk1"/>
+                  </a:fontRef>
+                </p:style>
+                <p:txBody>
+                  <a:bodyPr rtlCol="0" anchor="ctr"/>
+                  <a:lstStyle/>
+                  <a:p>
+                    <a:pPr algn="ctr"/>
+                    <a:endParaRPr lang="bn-BD"/>
+                  </a:p>
+                </p:txBody>
+              </p:sp>
+              <p:sp>
+                <p:nvSpPr>
+                  <p:cNvPr id="49" name="Diamond 48">
+                    <a:extLst>
+                      <a:ext uri="{FF2B5EF4-FFF2-40B4-BE49-F238E27FC236}">
+                        <a16:creationId xmlns:a16="http://schemas.microsoft.com/office/drawing/2014/main" id="{1040AAEC-BA6C-4C47-A7A4-5438F2BABB93}"/>
+                      </a:ext>
+                    </a:extLst>
+                  </p:cNvPr>
+                  <p:cNvSpPr/>
+                  <p:nvPr/>
+                </p:nvSpPr>
+                <p:spPr>
+                  <a:xfrm>
+                    <a:off x="4262511" y="1605503"/>
+                    <a:ext cx="1294227" cy="1153550"/>
+                  </a:xfrm>
+                  <a:prstGeom prst="diamond">
+                    <a:avLst/>
+                  </a:prstGeom>
+                  <a:noFill/>
+                  <a:ln>
+                    <a:solidFill>
+                      <a:schemeClr val="tx1"/>
+                    </a:solidFill>
+                  </a:ln>
+                </p:spPr>
+                <p:style>
+                  <a:lnRef idx="2">
+                    <a:schemeClr val="accent1">
+                      <a:shade val="50000"/>
+                    </a:schemeClr>
+                  </a:lnRef>
+                  <a:fillRef idx="1">
+                    <a:schemeClr val="accent1"/>
+                  </a:fillRef>
+                  <a:effectRef idx="0">
+                    <a:schemeClr val="accent1"/>
+                  </a:effectRef>
+                  <a:fontRef idx="minor">
+                    <a:schemeClr val="lt1"/>
+                  </a:fontRef>
+                </p:style>
+                <p:txBody>
+                  <a:bodyPr rtlCol="0" anchor="ctr"/>
+                  <a:lstStyle/>
+                  <a:p>
+                    <a:pPr algn="ctr"/>
+                    <a:endParaRPr lang="bn-BD"/>
+                  </a:p>
+                </p:txBody>
+              </p:sp>
+              <p:sp>
+                <p:nvSpPr>
+                  <p:cNvPr id="50" name="Diamond 49">
+                    <a:extLst>
+                      <a:ext uri="{FF2B5EF4-FFF2-40B4-BE49-F238E27FC236}">
+                        <a16:creationId xmlns:a16="http://schemas.microsoft.com/office/drawing/2014/main" id="{2D2CCE80-CB3F-4278-A40C-EEB3DA6E881C}"/>
+                      </a:ext>
+                    </a:extLst>
+                  </p:cNvPr>
+                  <p:cNvSpPr/>
+                  <p:nvPr/>
+                </p:nvSpPr>
+                <p:spPr>
+                  <a:xfrm>
+                    <a:off x="4375051" y="1717598"/>
+                    <a:ext cx="1069145" cy="957495"/>
+                  </a:xfrm>
+                  <a:prstGeom prst="diamond">
+                    <a:avLst/>
+                  </a:prstGeom>
+                  <a:noFill/>
+                  <a:ln>
+                    <a:solidFill>
+                      <a:schemeClr val="tx1"/>
+                    </a:solidFill>
+                  </a:ln>
+                </p:spPr>
+                <p:style>
+                  <a:lnRef idx="2">
+                    <a:schemeClr val="accent1">
+                      <a:shade val="50000"/>
+                    </a:schemeClr>
+                  </a:lnRef>
+                  <a:fillRef idx="1">
+                    <a:schemeClr val="accent1"/>
+                  </a:fillRef>
+                  <a:effectRef idx="0">
+                    <a:schemeClr val="accent1"/>
+                  </a:effectRef>
+                  <a:fontRef idx="minor">
+                    <a:schemeClr val="lt1"/>
+                  </a:fontRef>
+                </p:style>
+                <p:txBody>
+                  <a:bodyPr rtlCol="0" anchor="ctr"/>
+                  <a:lstStyle/>
+                  <a:p>
+                    <a:endParaRPr lang="bn-BD" sz="1400" dirty="0">
+                      <a:solidFill>
+                        <a:schemeClr val="tx1"/>
+                      </a:solidFill>
+                    </a:endParaRPr>
+                  </a:p>
+                </p:txBody>
+              </p:sp>
+              <p:sp>
+                <p:nvSpPr>
+                  <p:cNvPr id="51" name="TextBox 50">
+                    <a:extLst>
+                      <a:ext uri="{FF2B5EF4-FFF2-40B4-BE49-F238E27FC236}">
+                        <a16:creationId xmlns:a16="http://schemas.microsoft.com/office/drawing/2014/main" id="{0D4CD513-D516-41E4-B121-007A74ED3400}"/>
+                      </a:ext>
+                    </a:extLst>
+                  </p:cNvPr>
+                  <p:cNvSpPr txBox="1"/>
+                  <p:nvPr/>
+                </p:nvSpPr>
+                <p:spPr>
+                  <a:xfrm>
+                    <a:off x="4501662" y="1983544"/>
+                    <a:ext cx="1055074" cy="461665"/>
+                  </a:xfrm>
+                  <a:prstGeom prst="rect">
+                    <a:avLst/>
+                  </a:prstGeom>
+                  <a:noFill/>
+                </p:spPr>
+                <p:txBody>
+                  <a:bodyPr wrap="square" rtlCol="0">
+                    <a:spAutoFit/>
+                  </a:bodyPr>
+                  <a:lstStyle/>
+                  <a:p>
+                    <a:r>
+                      <a:rPr lang="en-US" sz="1200" dirty="0">
+                        <a:solidFill>
+                          <a:schemeClr val="tx1"/>
+                        </a:solidFill>
+                      </a:rPr>
+                      <a:t>Get </a:t>
+                    </a:r>
+                  </a:p>
+                  <a:p>
+                    <a:r>
+                      <a:rPr lang="en-US" sz="1200" dirty="0">
+                        <a:solidFill>
+                          <a:schemeClr val="tx1"/>
+                        </a:solidFill>
+                      </a:rPr>
+                      <a:t>Admitted</a:t>
+                    </a:r>
+                    <a:endParaRPr lang="bn-BD" sz="1200" dirty="0"/>
+                  </a:p>
+                </p:txBody>
+              </p:sp>
+              <p:sp>
+                <p:nvSpPr>
+                  <p:cNvPr id="63" name="TextBox 62">
+                    <a:extLst>
+                      <a:ext uri="{FF2B5EF4-FFF2-40B4-BE49-F238E27FC236}">
+                        <a16:creationId xmlns:a16="http://schemas.microsoft.com/office/drawing/2014/main" id="{E18C4304-30B6-46F4-BBBF-8C61AF579C78}"/>
+                      </a:ext>
+                    </a:extLst>
+                  </p:cNvPr>
+                  <p:cNvSpPr txBox="1"/>
+                  <p:nvPr/>
+                </p:nvSpPr>
+                <p:spPr>
+                  <a:xfrm>
+                    <a:off x="1624822" y="5538836"/>
+                    <a:ext cx="1941342" cy="338554"/>
+                  </a:xfrm>
+                  <a:prstGeom prst="rect">
+                    <a:avLst/>
+                  </a:prstGeom>
+                  <a:noFill/>
+                  <a:ln w="12700">
+                    <a:solidFill>
+                      <a:schemeClr val="tx1"/>
+                    </a:solidFill>
+                  </a:ln>
+                </p:spPr>
+                <p:txBody>
+                  <a:bodyPr wrap="square" rtlCol="0">
+                    <a:spAutoFit/>
+                  </a:bodyPr>
+                  <a:lstStyle/>
+                  <a:p>
+                    <a:pPr algn="ctr"/>
+                    <a:r>
+                      <a:rPr lang="en-US" sz="1600" dirty="0">
+                        <a:solidFill>
+                          <a:schemeClr val="tx1"/>
+                        </a:solidFill>
+                      </a:rPr>
+                      <a:t>Specialist</a:t>
+                    </a:r>
+                    <a:endParaRPr lang="bn-BD" sz="1600" dirty="0"/>
+                  </a:p>
+                </p:txBody>
+              </p:sp>
+              <p:sp>
+                <p:nvSpPr>
+                  <p:cNvPr id="64" name="TextBox 63">
+                    <a:extLst>
+                      <a:ext uri="{FF2B5EF4-FFF2-40B4-BE49-F238E27FC236}">
+                        <a16:creationId xmlns:a16="http://schemas.microsoft.com/office/drawing/2014/main" id="{C022A638-254C-4740-9346-7F9F00F09DD4}"/>
+                      </a:ext>
+                    </a:extLst>
+                  </p:cNvPr>
+                  <p:cNvSpPr txBox="1"/>
+                  <p:nvPr/>
+                </p:nvSpPr>
+                <p:spPr>
+                  <a:xfrm>
+                    <a:off x="9488658" y="6851733"/>
+                    <a:ext cx="1941342" cy="338554"/>
+                  </a:xfrm>
+                  <a:prstGeom prst="rect">
+                    <a:avLst/>
+                  </a:prstGeom>
+                  <a:noFill/>
+                  <a:ln w="12700">
+                    <a:solidFill>
+                      <a:schemeClr val="tx1"/>
+                    </a:solidFill>
+                  </a:ln>
+                </p:spPr>
+                <p:txBody>
+                  <a:bodyPr wrap="square" rtlCol="0">
+                    <a:spAutoFit/>
+                  </a:bodyPr>
+                  <a:lstStyle/>
+                  <a:p>
+                    <a:pPr algn="ctr"/>
+                    <a:r>
+                      <a:rPr lang="en-US" sz="1600" dirty="0"/>
+                      <a:t>MI Doctor</a:t>
+                    </a:r>
+                    <a:endParaRPr lang="bn-BD" sz="1600" dirty="0"/>
+                  </a:p>
+                </p:txBody>
+              </p:sp>
+            </p:grpSp>
+            <p:cxnSp>
+              <p:nvCxnSpPr>
+                <p:cNvPr id="43" name="Straight Arrow Connector 42">
+                  <a:extLst>
+                    <a:ext uri="{FF2B5EF4-FFF2-40B4-BE49-F238E27FC236}">
+                      <a16:creationId xmlns:a16="http://schemas.microsoft.com/office/drawing/2014/main" id="{A62150E7-6929-4A5F-AB4F-21F71FD7D871}"/>
+                    </a:ext>
+                  </a:extLst>
+                </p:cNvPr>
+                <p:cNvCxnSpPr>
+                  <a:cxnSpLocks/>
+                  <a:stCxn id="49" idx="1"/>
+                  <a:endCxn id="46" idx="3"/>
+                </p:cNvCxnSpPr>
+                <p:nvPr/>
+              </p:nvCxnSpPr>
+              <p:spPr>
+                <a:xfrm flipH="1" flipV="1">
+                  <a:off x="3263705" y="2180957"/>
+                  <a:ext cx="998806" cy="1321"/>
+                </a:xfrm>
+                <a:prstGeom prst="straightConnector1">
+                  <a:avLst/>
+                </a:prstGeom>
+                <a:ln w="12700">
+                  <a:solidFill>
+                    <a:schemeClr val="tx1"/>
+                  </a:solidFill>
+                  <a:tailEnd type="triangle"/>
+                </a:ln>
+              </p:spPr>
+              <p:style>
+                <a:lnRef idx="1">
+                  <a:schemeClr val="accent1"/>
+                </a:lnRef>
+                <a:fillRef idx="0">
+                  <a:schemeClr val="accent1"/>
+                </a:fillRef>
+                <a:effectRef idx="0">
+                  <a:schemeClr val="accent1"/>
+                </a:effectRef>
+                <a:fontRef idx="minor">
+                  <a:schemeClr val="tx1"/>
+                </a:fontRef>
+              </p:style>
+            </p:cxnSp>
+            <p:cxnSp>
+              <p:nvCxnSpPr>
+                <p:cNvPr id="44" name="Straight Connector 43">
+                  <a:extLst>
+                    <a:ext uri="{FF2B5EF4-FFF2-40B4-BE49-F238E27FC236}">
+                      <a16:creationId xmlns:a16="http://schemas.microsoft.com/office/drawing/2014/main" id="{2E944088-2328-4605-A68F-270C444B3F14}"/>
+                    </a:ext>
+                  </a:extLst>
+                </p:cNvPr>
+                <p:cNvCxnSpPr>
+                  <a:cxnSpLocks/>
+                </p:cNvCxnSpPr>
+                <p:nvPr/>
+              </p:nvCxnSpPr>
+              <p:spPr>
+                <a:xfrm>
+                  <a:off x="5444196" y="2124224"/>
+                  <a:ext cx="1448973" cy="0"/>
+                </a:xfrm>
+                <a:prstGeom prst="line">
+                  <a:avLst/>
+                </a:prstGeom>
+                <a:ln w="12700">
+                  <a:solidFill>
+                    <a:schemeClr val="tx1"/>
+                  </a:solidFill>
+                </a:ln>
+              </p:spPr>
+              <p:style>
+                <a:lnRef idx="1">
+                  <a:schemeClr val="accent1"/>
+                </a:lnRef>
+                <a:fillRef idx="0">
+                  <a:schemeClr val="accent1"/>
+                </a:fillRef>
+                <a:effectRef idx="0">
+                  <a:schemeClr val="accent1"/>
+                </a:effectRef>
+                <a:fontRef idx="minor">
+                  <a:schemeClr val="tx1"/>
+                </a:fontRef>
+              </p:style>
+            </p:cxnSp>
+            <p:cxnSp>
+              <p:nvCxnSpPr>
+                <p:cNvPr id="45" name="Straight Connector 44">
+                  <a:extLst>
+                    <a:ext uri="{FF2B5EF4-FFF2-40B4-BE49-F238E27FC236}">
+                      <a16:creationId xmlns:a16="http://schemas.microsoft.com/office/drawing/2014/main" id="{ECA72766-FA88-4B32-B093-2EF4D3509E62}"/>
+                    </a:ext>
+                  </a:extLst>
+                </p:cNvPr>
+                <p:cNvCxnSpPr>
+                  <a:cxnSpLocks/>
+                </p:cNvCxnSpPr>
+                <p:nvPr/>
+              </p:nvCxnSpPr>
+              <p:spPr>
+                <a:xfrm>
+                  <a:off x="5458264" y="2252618"/>
+                  <a:ext cx="1448973" cy="0"/>
+                </a:xfrm>
+                <a:prstGeom prst="line">
+                  <a:avLst/>
+                </a:prstGeom>
+                <a:ln w="12700">
+                  <a:solidFill>
+                    <a:schemeClr val="tx1"/>
+                  </a:solidFill>
+                </a:ln>
+              </p:spPr>
+              <p:style>
+                <a:lnRef idx="1">
+                  <a:schemeClr val="accent1"/>
+                </a:lnRef>
+                <a:fillRef idx="0">
+                  <a:schemeClr val="accent1"/>
+                </a:fillRef>
+                <a:effectRef idx="0">
+                  <a:schemeClr val="accent1"/>
+                </a:effectRef>
+                <a:fontRef idx="minor">
+                  <a:schemeClr val="tx1"/>
+                </a:fontRef>
+              </p:style>
+            </p:cxnSp>
+          </p:grpSp>
+          <p:sp>
+            <p:nvSpPr>
+              <p:cNvPr id="41" name="Down Arrow 115">
+                <a:extLst>
+                  <a:ext uri="{FF2B5EF4-FFF2-40B4-BE49-F238E27FC236}">
+                    <a16:creationId xmlns:a16="http://schemas.microsoft.com/office/drawing/2014/main" id="{A1531148-6BF1-474F-8246-A31E74344A6D}"/>
+                  </a:ext>
+                </a:extLst>
+              </p:cNvPr>
+              <p:cNvSpPr/>
+              <p:nvPr/>
+            </p:nvSpPr>
+            <p:spPr>
+              <a:xfrm>
+                <a:off x="8412481" y="2376662"/>
+                <a:ext cx="1016899" cy="1082431"/>
+              </a:xfrm>
+              <a:prstGeom prst="downArrow">
+                <a:avLst>
+                  <a:gd name="adj1" fmla="val 50000"/>
+                  <a:gd name="adj2" fmla="val 51933"/>
+                </a:avLst>
+              </a:prstGeom>
+              <a:solidFill>
+                <a:schemeClr val="bg1">
+                  <a:lumMod val="65000"/>
+                </a:schemeClr>
+              </a:solidFill>
+            </p:spPr>
+            <p:style>
+              <a:lnRef idx="2">
+                <a:schemeClr val="accent1">
+                  <a:shade val="50000"/>
+                </a:schemeClr>
+              </a:lnRef>
+              <a:fillRef idx="1">
+                <a:schemeClr val="accent1"/>
+              </a:fillRef>
+              <a:effectRef idx="0">
+                <a:schemeClr val="accent1"/>
+              </a:effectRef>
+              <a:fontRef idx="minor">
+                <a:schemeClr val="lt1"/>
+              </a:fontRef>
+            </p:style>
+            <p:txBody>
+              <a:bodyPr wrap="none" rtlCol="0" anchor="ctr">
+                <a:normAutofit fontScale="55000" lnSpcReduction="20000"/>
+              </a:bodyPr>
+              <a:lstStyle/>
+              <a:p>
+                <a:pPr algn="ctr"/>
+                <a:endParaRPr lang="en-US" sz="1000" dirty="0">
+                  <a:solidFill>
+                    <a:schemeClr val="tx1"/>
+                  </a:solidFill>
+                </a:endParaRPr>
+              </a:p>
+              <a:p>
+                <a:pPr algn="ctr"/>
+                <a:endParaRPr lang="en-US" sz="1000" dirty="0">
+                  <a:solidFill>
+                    <a:schemeClr val="tx1"/>
+                  </a:solidFill>
+                </a:endParaRPr>
+              </a:p>
+              <a:p>
+                <a:pPr algn="ctr"/>
+                <a:endParaRPr lang="en-US" sz="1000" dirty="0">
+                  <a:solidFill>
+                    <a:schemeClr val="tx1"/>
+                  </a:solidFill>
+                </a:endParaRPr>
+              </a:p>
+              <a:p>
+                <a:pPr algn="ctr"/>
+                <a:endParaRPr lang="en-US" sz="1000" dirty="0">
+                  <a:solidFill>
+                    <a:schemeClr val="tx1"/>
+                  </a:solidFill>
+                </a:endParaRPr>
+              </a:p>
+              <a:p>
+                <a:pPr algn="ctr"/>
+                <a:endParaRPr lang="en-US" sz="3100" dirty="0">
+                  <a:solidFill>
+                    <a:schemeClr val="tx1"/>
+                  </a:solidFill>
+                </a:endParaRPr>
+              </a:p>
+              <a:p>
+                <a:pPr algn="ctr"/>
+                <a:r>
+                  <a:rPr lang="en-US" sz="3100" dirty="0">
+                    <a:solidFill>
+                      <a:schemeClr val="tx1"/>
+                    </a:solidFill>
+                  </a:rPr>
+                  <a:t>ISA</a:t>
+                </a:r>
+              </a:p>
+              <a:p>
+                <a:pPr algn="ctr"/>
+                <a:endParaRPr lang="en-US" sz="1000" dirty="0">
+                  <a:solidFill>
+                    <a:schemeClr val="tx1"/>
+                  </a:solidFill>
+                </a:endParaRPr>
+              </a:p>
+              <a:p>
+                <a:pPr algn="ctr"/>
+                <a:endParaRPr lang="en-US" sz="1100" dirty="0">
+                  <a:solidFill>
+                    <a:schemeClr val="tx1"/>
+                  </a:solidFill>
+                </a:endParaRPr>
+              </a:p>
+            </p:txBody>
+          </p:sp>
+        </p:grpSp>
+        <p:grpSp>
+          <p:nvGrpSpPr>
+            <p:cNvPr id="52" name="Group 51">
+              <a:extLst>
+                <a:ext uri="{FF2B5EF4-FFF2-40B4-BE49-F238E27FC236}">
+                  <a16:creationId xmlns:a16="http://schemas.microsoft.com/office/drawing/2014/main" id="{402D03FA-7C4F-4F6F-8C6A-1062E23103F8}"/>
+                </a:ext>
+              </a:extLst>
+            </p:cNvPr>
+            <p:cNvGrpSpPr/>
+            <p:nvPr/>
+          </p:nvGrpSpPr>
+          <p:grpSpPr>
+            <a:xfrm>
+              <a:off x="8841546" y="3444237"/>
+              <a:ext cx="2166424" cy="534572"/>
+              <a:chOff x="4851009" y="4161689"/>
+              <a:chExt cx="2166424" cy="534572"/>
+            </a:xfrm>
+          </p:grpSpPr>
+          <p:sp>
+            <p:nvSpPr>
+              <p:cNvPr id="53" name="TextBox 52">
+                <a:extLst>
+                  <a:ext uri="{FF2B5EF4-FFF2-40B4-BE49-F238E27FC236}">
+                    <a16:creationId xmlns:a16="http://schemas.microsoft.com/office/drawing/2014/main" id="{BCB27FAF-7172-44F0-8BBB-EFEB684679C4}"/>
+                  </a:ext>
+                </a:extLst>
+              </p:cNvPr>
+              <p:cNvSpPr txBox="1"/>
+              <p:nvPr/>
+            </p:nvSpPr>
+            <p:spPr>
+              <a:xfrm>
+                <a:off x="4963553" y="4232029"/>
+                <a:ext cx="1941342" cy="338554"/>
+              </a:xfrm>
+              <a:prstGeom prst="rect">
+                <a:avLst/>
+              </a:prstGeom>
+              <a:noFill/>
+              <a:ln w="12700">
+                <a:solidFill>
+                  <a:schemeClr val="tx1"/>
+                </a:solidFill>
+              </a:ln>
+            </p:spPr>
+            <p:txBody>
+              <a:bodyPr wrap="square" rtlCol="0">
+                <a:spAutoFit/>
+              </a:bodyPr>
+              <a:lstStyle/>
+              <a:p>
+                <a:pPr algn="ctr"/>
+                <a:r>
+                  <a:rPr lang="en-US" sz="1600" dirty="0"/>
+                  <a:t>Outdoor</a:t>
+                </a:r>
+                <a:endParaRPr lang="bn-BD" sz="1600" dirty="0"/>
+              </a:p>
+            </p:txBody>
+          </p:sp>
+          <p:sp>
+            <p:nvSpPr>
+              <p:cNvPr id="54" name="Rectangle 53">
+                <a:extLst>
+                  <a:ext uri="{FF2B5EF4-FFF2-40B4-BE49-F238E27FC236}">
+                    <a16:creationId xmlns:a16="http://schemas.microsoft.com/office/drawing/2014/main" id="{A565A90F-79CC-4E12-96EF-C35768947D32}"/>
+                  </a:ext>
+                </a:extLst>
+              </p:cNvPr>
+              <p:cNvSpPr/>
+              <p:nvPr/>
+            </p:nvSpPr>
+            <p:spPr>
+              <a:xfrm>
+                <a:off x="4851009" y="4161689"/>
+                <a:ext cx="2166424" cy="534572"/>
+              </a:xfrm>
+              <a:prstGeom prst="rect">
+                <a:avLst/>
+              </a:prstGeom>
+              <a:noFill/>
+              <a:ln>
+                <a:solidFill>
+                  <a:schemeClr val="tx1"/>
+                </a:solidFill>
+              </a:ln>
+            </p:spPr>
+            <p:style>
+              <a:lnRef idx="2">
+                <a:schemeClr val="accent6"/>
+              </a:lnRef>
+              <a:fillRef idx="1">
+                <a:schemeClr val="lt1"/>
+              </a:fillRef>
+              <a:effectRef idx="0">
+                <a:schemeClr val="accent6"/>
+              </a:effectRef>
+              <a:fontRef idx="minor">
+                <a:schemeClr val="dk1"/>
+              </a:fontRef>
+            </p:style>
+            <p:txBody>
+              <a:bodyPr rtlCol="0" anchor="ctr"/>
+              <a:lstStyle/>
+              <a:p>
+                <a:pPr algn="ctr"/>
+                <a:endParaRPr lang="bn-BD"/>
+              </a:p>
+            </p:txBody>
+          </p:sp>
+        </p:grpSp>
+        <p:sp>
+          <p:nvSpPr>
+            <p:cNvPr id="55" name="Diamond 54">
+              <a:extLst>
+                <a:ext uri="{FF2B5EF4-FFF2-40B4-BE49-F238E27FC236}">
+                  <a16:creationId xmlns:a16="http://schemas.microsoft.com/office/drawing/2014/main" id="{E4CD69F7-8338-4205-8FC3-AEFEABD2F935}"/>
+                </a:ext>
+              </a:extLst>
+            </p:cNvPr>
+            <p:cNvSpPr/>
+            <p:nvPr/>
+          </p:nvSpPr>
+          <p:spPr>
+            <a:xfrm>
+              <a:off x="1568551" y="3318969"/>
+              <a:ext cx="1069145" cy="957495"/>
+            </a:xfrm>
+            <a:prstGeom prst="diamond">
+              <a:avLst/>
+            </a:prstGeom>
+            <a:noFill/>
+            <a:ln>
+              <a:solidFill>
+                <a:schemeClr val="tx1"/>
+              </a:solidFill>
+            </a:ln>
+          </p:spPr>
+          <p:style>
+            <a:lnRef idx="2">
+              <a:schemeClr val="accent1">
+                <a:shade val="50000"/>
+              </a:schemeClr>
+            </a:lnRef>
+            <a:fillRef idx="1">
+              <a:schemeClr val="accent1"/>
+            </a:fillRef>
+            <a:effectRef idx="0">
+              <a:schemeClr val="accent1"/>
+            </a:effectRef>
+            <a:fontRef idx="minor">
+              <a:schemeClr val="lt1"/>
+            </a:fontRef>
+          </p:style>
+          <p:txBody>
+            <a:bodyPr rtlCol="0" anchor="ctr"/>
+            <a:lstStyle/>
+            <a:p>
+              <a:endParaRPr lang="bn-BD" sz="1400" dirty="0">
+                <a:solidFill>
+                  <a:schemeClr val="tx1"/>
+                </a:solidFill>
+              </a:endParaRPr>
+            </a:p>
+          </p:txBody>
+        </p:sp>
+        <p:sp>
+          <p:nvSpPr>
+            <p:cNvPr id="56" name="TextBox 55">
+              <a:extLst>
+                <a:ext uri="{FF2B5EF4-FFF2-40B4-BE49-F238E27FC236}">
+                  <a16:creationId xmlns:a16="http://schemas.microsoft.com/office/drawing/2014/main" id="{D048049B-FDDB-4E6E-B2D4-D457AB31BE23}"/>
+                </a:ext>
+              </a:extLst>
+            </p:cNvPr>
+            <p:cNvSpPr txBox="1"/>
+            <p:nvPr/>
+          </p:nvSpPr>
+          <p:spPr>
+            <a:xfrm>
+              <a:off x="1596686" y="3528643"/>
+              <a:ext cx="1055074" cy="461665"/>
+            </a:xfrm>
+            <a:prstGeom prst="rect">
+              <a:avLst/>
+            </a:prstGeom>
+            <a:noFill/>
+          </p:spPr>
+          <p:txBody>
+            <a:bodyPr wrap="square" rtlCol="0">
+              <a:spAutoFit/>
+            </a:bodyPr>
+            <a:lstStyle/>
+            <a:p>
+              <a:pPr algn="ctr"/>
+              <a:r>
+                <a:rPr lang="en-US" sz="1200" dirty="0">
+                  <a:solidFill>
+                    <a:schemeClr val="tx1"/>
+                  </a:solidFill>
+                </a:rPr>
+                <a:t>Specialist</a:t>
+              </a:r>
+            </a:p>
+            <a:p>
+              <a:pPr algn="ctr"/>
+              <a:r>
+                <a:rPr lang="en-US" sz="1200" dirty="0">
+                  <a:solidFill>
+                    <a:schemeClr val="tx1"/>
+                  </a:solidFill>
+                </a:rPr>
+                <a:t>Treats Indoor</a:t>
+              </a:r>
+              <a:endParaRPr lang="bn-BD" sz="1200" dirty="0"/>
+            </a:p>
+          </p:txBody>
+        </p:sp>
+        <p:sp>
+          <p:nvSpPr>
+            <p:cNvPr id="57" name="Diamond 56">
+              <a:extLst>
+                <a:ext uri="{FF2B5EF4-FFF2-40B4-BE49-F238E27FC236}">
+                  <a16:creationId xmlns:a16="http://schemas.microsoft.com/office/drawing/2014/main" id="{F6E1A38E-6F6E-40B0-B954-0C484D80E700}"/>
+                </a:ext>
+              </a:extLst>
+            </p:cNvPr>
+            <p:cNvSpPr/>
+            <p:nvPr/>
+          </p:nvSpPr>
+          <p:spPr>
+            <a:xfrm>
+              <a:off x="9355014" y="4641333"/>
+              <a:ext cx="1160585" cy="957495"/>
+            </a:xfrm>
+            <a:prstGeom prst="diamond">
+              <a:avLst/>
+            </a:prstGeom>
+            <a:noFill/>
+            <a:ln>
+              <a:solidFill>
+                <a:schemeClr val="tx1"/>
+              </a:solidFill>
+            </a:ln>
+          </p:spPr>
+          <p:style>
+            <a:lnRef idx="2">
+              <a:schemeClr val="accent1">
+                <a:shade val="50000"/>
+              </a:schemeClr>
+            </a:lnRef>
+            <a:fillRef idx="1">
+              <a:schemeClr val="accent1"/>
+            </a:fillRef>
+            <a:effectRef idx="0">
+              <a:schemeClr val="accent1"/>
+            </a:effectRef>
+            <a:fontRef idx="minor">
+              <a:schemeClr val="lt1"/>
+            </a:fontRef>
+          </p:style>
+          <p:txBody>
+            <a:bodyPr rtlCol="0" anchor="ctr"/>
+            <a:lstStyle/>
+            <a:p>
+              <a:endParaRPr lang="bn-BD" sz="1400" dirty="0">
+                <a:solidFill>
+                  <a:schemeClr val="tx1"/>
+                </a:solidFill>
+              </a:endParaRPr>
+            </a:p>
+          </p:txBody>
+        </p:sp>
+        <p:sp>
+          <p:nvSpPr>
+            <p:cNvPr id="58" name="TextBox 57">
+              <a:extLst>
+                <a:ext uri="{FF2B5EF4-FFF2-40B4-BE49-F238E27FC236}">
+                  <a16:creationId xmlns:a16="http://schemas.microsoft.com/office/drawing/2014/main" id="{66599EB4-40AF-4271-93AE-EA26CCC9D6C4}"/>
+                </a:ext>
+              </a:extLst>
+            </p:cNvPr>
+            <p:cNvSpPr txBox="1"/>
+            <p:nvPr/>
+          </p:nvSpPr>
+          <p:spPr>
+            <a:xfrm>
+              <a:off x="9432389" y="4822871"/>
+              <a:ext cx="1055074" cy="646331"/>
+            </a:xfrm>
+            <a:prstGeom prst="rect">
+              <a:avLst/>
+            </a:prstGeom>
+            <a:noFill/>
+          </p:spPr>
+          <p:txBody>
+            <a:bodyPr wrap="square" rtlCol="0">
+              <a:spAutoFit/>
+            </a:bodyPr>
+            <a:lstStyle/>
+            <a:p>
+              <a:pPr algn="ctr"/>
+              <a:r>
+                <a:rPr lang="en-US" sz="1200" dirty="0">
+                  <a:solidFill>
+                    <a:schemeClr val="tx1"/>
+                  </a:solidFill>
+                </a:rPr>
+                <a:t>MI Doctor</a:t>
+              </a:r>
+            </a:p>
+            <a:p>
+              <a:pPr algn="ctr"/>
+              <a:r>
+                <a:rPr lang="en-US" sz="1200" dirty="0">
+                  <a:solidFill>
+                    <a:schemeClr val="tx1"/>
+                  </a:solidFill>
+                </a:rPr>
+                <a:t>Treats Outdoor</a:t>
+              </a:r>
+            </a:p>
+          </p:txBody>
+        </p:sp>
+        <p:cxnSp>
+          <p:nvCxnSpPr>
+            <p:cNvPr id="68" name="Straight Connector 67">
+              <a:extLst>
+                <a:ext uri="{FF2B5EF4-FFF2-40B4-BE49-F238E27FC236}">
+                  <a16:creationId xmlns:a16="http://schemas.microsoft.com/office/drawing/2014/main" id="{18A95425-E20B-45F3-B189-8802B677473A}"/>
+                </a:ext>
+              </a:extLst>
+            </p:cNvPr>
+            <p:cNvCxnSpPr>
+              <a:cxnSpLocks/>
+            </p:cNvCxnSpPr>
+            <p:nvPr/>
+          </p:nvCxnSpPr>
+          <p:spPr>
+            <a:xfrm flipV="1">
+              <a:off x="2623624" y="3787612"/>
+              <a:ext cx="900332" cy="1"/>
+            </a:xfrm>
+            <a:prstGeom prst="line">
+              <a:avLst/>
+            </a:prstGeom>
+            <a:ln w="12700"/>
+          </p:spPr>
+          <p:style>
+            <a:lnRef idx="1">
+              <a:schemeClr val="dk1"/>
+            </a:lnRef>
+            <a:fillRef idx="0">
+              <a:schemeClr val="dk1"/>
+            </a:fillRef>
+            <a:effectRef idx="0">
+              <a:schemeClr val="dk1"/>
+            </a:effectRef>
+            <a:fontRef idx="minor">
+              <a:schemeClr val="tx1"/>
+            </a:fontRef>
+          </p:style>
+        </p:cxnSp>
+        <p:cxnSp>
+          <p:nvCxnSpPr>
+            <p:cNvPr id="70" name="Straight Connector 69">
+              <a:extLst>
+                <a:ext uri="{FF2B5EF4-FFF2-40B4-BE49-F238E27FC236}">
+                  <a16:creationId xmlns:a16="http://schemas.microsoft.com/office/drawing/2014/main" id="{68328A75-E54F-451A-9356-A950A3D3167D}"/>
+                </a:ext>
+              </a:extLst>
+            </p:cNvPr>
+            <p:cNvCxnSpPr>
+              <a:cxnSpLocks/>
+            </p:cNvCxnSpPr>
+            <p:nvPr/>
+          </p:nvCxnSpPr>
+          <p:spPr>
+            <a:xfrm flipV="1">
+              <a:off x="5662244" y="3797716"/>
+              <a:ext cx="900332" cy="1"/>
+            </a:xfrm>
+            <a:prstGeom prst="line">
+              <a:avLst/>
+            </a:prstGeom>
+            <a:ln w="12700"/>
+          </p:spPr>
+          <p:style>
+            <a:lnRef idx="1">
+              <a:schemeClr val="dk1"/>
+            </a:lnRef>
+            <a:fillRef idx="0">
+              <a:schemeClr val="dk1"/>
+            </a:fillRef>
+            <a:effectRef idx="0">
+              <a:schemeClr val="dk1"/>
+            </a:effectRef>
+            <a:fontRef idx="minor">
+              <a:schemeClr val="tx1"/>
+            </a:fontRef>
+          </p:style>
+        </p:cxnSp>
+        <p:cxnSp>
+          <p:nvCxnSpPr>
+            <p:cNvPr id="71" name="Straight Connector 70">
+              <a:extLst>
+                <a:ext uri="{FF2B5EF4-FFF2-40B4-BE49-F238E27FC236}">
+                  <a16:creationId xmlns:a16="http://schemas.microsoft.com/office/drawing/2014/main" id="{EE2183E1-7B90-45D8-B4B7-B49518297FEC}"/>
+                </a:ext>
+              </a:extLst>
+            </p:cNvPr>
+            <p:cNvCxnSpPr>
+              <a:cxnSpLocks/>
+            </p:cNvCxnSpPr>
+            <p:nvPr/>
+          </p:nvCxnSpPr>
+          <p:spPr>
+            <a:xfrm flipV="1">
+              <a:off x="6534446" y="2298899"/>
+              <a:ext cx="0" cy="1482410"/>
+            </a:xfrm>
+            <a:prstGeom prst="line">
+              <a:avLst/>
+            </a:prstGeom>
+            <a:ln w="12700"/>
+          </p:spPr>
+          <p:style>
+            <a:lnRef idx="1">
+              <a:schemeClr val="dk1"/>
+            </a:lnRef>
+            <a:fillRef idx="0">
+              <a:schemeClr val="dk1"/>
+            </a:fillRef>
+            <a:effectRef idx="0">
+              <a:schemeClr val="dk1"/>
+            </a:effectRef>
+            <a:fontRef idx="minor">
+              <a:schemeClr val="tx1"/>
+            </a:fontRef>
+          </p:style>
+        </p:cxnSp>
+        <p:cxnSp>
+          <p:nvCxnSpPr>
+            <p:cNvPr id="78" name="Straight Connector 77">
+              <a:extLst>
+                <a:ext uri="{FF2B5EF4-FFF2-40B4-BE49-F238E27FC236}">
+                  <a16:creationId xmlns:a16="http://schemas.microsoft.com/office/drawing/2014/main" id="{FF75C39B-0EB5-4518-AEBD-B32910207F6E}"/>
+                </a:ext>
+              </a:extLst>
+            </p:cNvPr>
+            <p:cNvCxnSpPr>
+              <a:cxnSpLocks/>
+            </p:cNvCxnSpPr>
+            <p:nvPr/>
+          </p:nvCxnSpPr>
+          <p:spPr>
+            <a:xfrm>
+              <a:off x="7994475" y="2335226"/>
+              <a:ext cx="1930283" cy="0"/>
+            </a:xfrm>
+            <a:prstGeom prst="line">
+              <a:avLst/>
+            </a:prstGeom>
+            <a:ln w="12700"/>
+          </p:spPr>
+          <p:style>
+            <a:lnRef idx="1">
+              <a:schemeClr val="dk1"/>
+            </a:lnRef>
+            <a:fillRef idx="0">
+              <a:schemeClr val="dk1"/>
+            </a:fillRef>
+            <a:effectRef idx="0">
+              <a:schemeClr val="dk1"/>
+            </a:effectRef>
+            <a:fontRef idx="minor">
+              <a:schemeClr val="tx1"/>
+            </a:fontRef>
+          </p:style>
+        </p:cxnSp>
+        <p:cxnSp>
+          <p:nvCxnSpPr>
+            <p:cNvPr id="81" name="Straight Connector 80">
+              <a:extLst>
+                <a:ext uri="{FF2B5EF4-FFF2-40B4-BE49-F238E27FC236}">
+                  <a16:creationId xmlns:a16="http://schemas.microsoft.com/office/drawing/2014/main" id="{AD71CA12-8286-45C7-B10D-88DB9C679B2C}"/>
+                </a:ext>
+              </a:extLst>
+            </p:cNvPr>
+            <p:cNvCxnSpPr>
+              <a:cxnSpLocks/>
+            </p:cNvCxnSpPr>
+            <p:nvPr/>
+          </p:nvCxnSpPr>
+          <p:spPr>
+            <a:xfrm>
+              <a:off x="6534446" y="2312956"/>
+              <a:ext cx="657155" cy="0"/>
+            </a:xfrm>
+            <a:prstGeom prst="line">
+              <a:avLst/>
+            </a:prstGeom>
+            <a:ln w="12700"/>
+          </p:spPr>
+          <p:style>
+            <a:lnRef idx="1">
+              <a:schemeClr val="dk1"/>
+            </a:lnRef>
+            <a:fillRef idx="0">
+              <a:schemeClr val="dk1"/>
+            </a:fillRef>
+            <a:effectRef idx="0">
+              <a:schemeClr val="dk1"/>
+            </a:effectRef>
+            <a:fontRef idx="minor">
+              <a:schemeClr val="tx1"/>
+            </a:fontRef>
+          </p:style>
+        </p:cxnSp>
+        <p:cxnSp>
+          <p:nvCxnSpPr>
+            <p:cNvPr id="84" name="Straight Connector 83">
+              <a:extLst>
+                <a:ext uri="{FF2B5EF4-FFF2-40B4-BE49-F238E27FC236}">
+                  <a16:creationId xmlns:a16="http://schemas.microsoft.com/office/drawing/2014/main" id="{4EC73F9E-3D55-4670-9749-4D6641AD6445}"/>
+                </a:ext>
+              </a:extLst>
+            </p:cNvPr>
+            <p:cNvCxnSpPr/>
+            <p:nvPr/>
+          </p:nvCxnSpPr>
+          <p:spPr>
+            <a:xfrm>
+              <a:off x="9924758" y="2335226"/>
+              <a:ext cx="0" cy="1109011"/>
+            </a:xfrm>
+            <a:prstGeom prst="line">
+              <a:avLst/>
+            </a:prstGeom>
+            <a:ln w="12700">
+              <a:solidFill>
+                <a:schemeClr val="tx1"/>
+              </a:solidFill>
+            </a:ln>
+          </p:spPr>
+          <p:style>
+            <a:lnRef idx="1">
+              <a:schemeClr val="accent1"/>
+            </a:lnRef>
+            <a:fillRef idx="0">
+              <a:schemeClr val="accent1"/>
+            </a:fillRef>
+            <a:effectRef idx="0">
+              <a:schemeClr val="accent1"/>
+            </a:effectRef>
+            <a:fontRef idx="minor">
+              <a:schemeClr val="tx1"/>
+            </a:fontRef>
+          </p:style>
+        </p:cxnSp>
+        <p:cxnSp>
+          <p:nvCxnSpPr>
+            <p:cNvPr id="86" name="Straight Connector 85">
+              <a:extLst>
+                <a:ext uri="{FF2B5EF4-FFF2-40B4-BE49-F238E27FC236}">
+                  <a16:creationId xmlns:a16="http://schemas.microsoft.com/office/drawing/2014/main" id="{8E016437-C2BF-4479-843E-E326351EC519}"/>
+                </a:ext>
+              </a:extLst>
+            </p:cNvPr>
+            <p:cNvCxnSpPr>
+              <a:cxnSpLocks/>
+            </p:cNvCxnSpPr>
+            <p:nvPr/>
+          </p:nvCxnSpPr>
+          <p:spPr>
+            <a:xfrm>
+              <a:off x="9949374" y="3978809"/>
+              <a:ext cx="0" cy="686981"/>
+            </a:xfrm>
+            <a:prstGeom prst="line">
+              <a:avLst/>
+            </a:prstGeom>
+            <a:ln w="12700">
+              <a:solidFill>
+                <a:schemeClr val="tx1"/>
+              </a:solidFill>
+            </a:ln>
+          </p:spPr>
+          <p:style>
+            <a:lnRef idx="1">
+              <a:schemeClr val="accent1"/>
+            </a:lnRef>
+            <a:fillRef idx="0">
+              <a:schemeClr val="accent1"/>
+            </a:fillRef>
+            <a:effectRef idx="0">
+              <a:schemeClr val="accent1"/>
+            </a:effectRef>
+            <a:fontRef idx="minor">
+              <a:schemeClr val="tx1"/>
+            </a:fontRef>
+          </p:style>
+        </p:cxnSp>
+        <p:cxnSp>
+          <p:nvCxnSpPr>
+            <p:cNvPr id="88" name="Straight Connector 87">
+              <a:extLst>
+                <a:ext uri="{FF2B5EF4-FFF2-40B4-BE49-F238E27FC236}">
+                  <a16:creationId xmlns:a16="http://schemas.microsoft.com/office/drawing/2014/main" id="{0A9D9839-5FCC-4459-A787-65D7865832AB}"/>
+                </a:ext>
+              </a:extLst>
+            </p:cNvPr>
+            <p:cNvCxnSpPr>
+              <a:cxnSpLocks/>
+            </p:cNvCxnSpPr>
+            <p:nvPr/>
+          </p:nvCxnSpPr>
+          <p:spPr>
+            <a:xfrm>
+              <a:off x="9949374" y="5574371"/>
+              <a:ext cx="0" cy="517704"/>
+            </a:xfrm>
+            <a:prstGeom prst="line">
+              <a:avLst/>
+            </a:prstGeom>
+            <a:ln w="12700">
+              <a:solidFill>
+                <a:schemeClr val="tx1"/>
+              </a:solidFill>
+            </a:ln>
+          </p:spPr>
+          <p:style>
+            <a:lnRef idx="1">
+              <a:schemeClr val="accent1"/>
+            </a:lnRef>
+            <a:fillRef idx="0">
+              <a:schemeClr val="accent1"/>
+            </a:fillRef>
+            <a:effectRef idx="0">
+              <a:schemeClr val="accent1"/>
+            </a:effectRef>
+            <a:fontRef idx="minor">
+              <a:schemeClr val="tx1"/>
+            </a:fontRef>
+          </p:style>
+        </p:cxnSp>
+        <p:cxnSp>
+          <p:nvCxnSpPr>
+            <p:cNvPr id="90" name="Straight Connector 89">
+              <a:extLst>
+                <a:ext uri="{FF2B5EF4-FFF2-40B4-BE49-F238E27FC236}">
+                  <a16:creationId xmlns:a16="http://schemas.microsoft.com/office/drawing/2014/main" id="{4A6CE92E-BFA5-4753-ADC3-AE926C5CA948}"/>
+                </a:ext>
+              </a:extLst>
+            </p:cNvPr>
+            <p:cNvCxnSpPr>
+              <a:cxnSpLocks/>
+            </p:cNvCxnSpPr>
+            <p:nvPr/>
+          </p:nvCxnSpPr>
+          <p:spPr>
+            <a:xfrm>
+              <a:off x="2092571" y="4276464"/>
+              <a:ext cx="0" cy="502714"/>
+            </a:xfrm>
+            <a:prstGeom prst="line">
+              <a:avLst/>
+            </a:prstGeom>
+            <a:ln w="12700">
+              <a:solidFill>
+                <a:schemeClr val="tx1"/>
+              </a:solidFill>
+            </a:ln>
+          </p:spPr>
+          <p:style>
+            <a:lnRef idx="1">
+              <a:schemeClr val="accent1"/>
+            </a:lnRef>
+            <a:fillRef idx="0">
+              <a:schemeClr val="accent1"/>
+            </a:fillRef>
+            <a:effectRef idx="0">
+              <a:schemeClr val="accent1"/>
+            </a:effectRef>
+            <a:fontRef idx="minor">
+              <a:schemeClr val="tx1"/>
+            </a:fontRef>
+          </p:style>
+        </p:cxnSp>
+      </p:grpSp>
+    </p:spTree>
+    <p:extLst>
+      <p:ext uri="{BB962C8B-B14F-4D97-AF65-F5344CB8AC3E}">
+        <p14:creationId xmlns:p14="http://schemas.microsoft.com/office/powerpoint/2010/main" val="3733984676"/>
+      </p:ext>
+    </p:extLst>
+  </p:cSld>
+  <p:clrMapOvr>
+    <a:masterClrMapping/>
+  </p:clrMapOvr>
+</p:sld>
+</file>
+
+<file path=ppt/slides/slide7.xml><?xml version="1.0" encoding="utf-8"?>
+<p:sld xmlns:a="http://schemas.openxmlformats.org/drawingml/2006/main" xmlns:r="http://schemas.openxmlformats.org/officeDocument/2006/relationships" xmlns:p="http://schemas.openxmlformats.org/presentationml/2006/main">
+  <p:cSld>
+    <p:spTree>
+      <p:nvGrpSpPr>
+        <p:cNvPr id="1" name=""/>
+        <p:cNvGrpSpPr/>
+        <p:nvPr/>
+      </p:nvGrpSpPr>
+      <p:grpSpPr>
+        <a:xfrm>
+          <a:off x="0" y="0"/>
+          <a:ext cx="0" cy="0"/>
+          <a:chOff x="0" y="0"/>
+          <a:chExt cx="0" cy="0"/>
+        </a:xfrm>
+      </p:grpSpPr>
+      <p:sp>
+        <p:nvSpPr>
+          <p:cNvPr id="4" name="Diamond 3"/>
+          <p:cNvSpPr/>
+          <p:nvPr/>
+        </p:nvSpPr>
+        <p:spPr>
+          <a:xfrm>
+            <a:off x="5486400" y="2895600"/>
+            <a:ext cx="1371600" cy="1219200"/>
+          </a:xfrm>
+          <a:prstGeom prst="diamond">
+            <a:avLst/>
+          </a:prstGeom>
+          <a:solidFill>
+            <a:schemeClr val="accent6">
+              <a:lumMod val="40000"/>
+              <a:lumOff val="60000"/>
+            </a:schemeClr>
+          </a:solidFill>
+          <a:ln>
+            <a:solidFill>
+              <a:schemeClr val="tx1"/>
+            </a:solidFill>
+          </a:ln>
+        </p:spPr>
+        <p:style>
+          <a:lnRef idx="2">
+            <a:schemeClr val="accent1">
+              <a:shade val="50000"/>
+            </a:schemeClr>
+          </a:lnRef>
+          <a:fillRef idx="1">
+            <a:schemeClr val="accent1"/>
+          </a:fillRef>
+          <a:effectRef idx="0">
+            <a:schemeClr val="accent1"/>
+          </a:effectRef>
+          <a:fontRef idx="minor">
+            <a:schemeClr val="lt1"/>
+          </a:fontRef>
+        </p:style>
+        <p:txBody>
+          <a:bodyPr wrap="none" lIns="91440" rIns="91440" bIns="91440" rtlCol="0" anchor="ctr">
+            <a:noAutofit/>
+          </a:bodyPr>
+          <a:lstStyle/>
+          <a:p>
+            <a:pPr algn="ctr"/>
+            <a:r>
+              <a:rPr lang="en-US" sz="1400" dirty="0">
+                <a:solidFill>
+                  <a:schemeClr val="tx1"/>
+                </a:solidFill>
+              </a:rPr>
+              <a:t>Specialist</a:t>
+            </a:r>
+          </a:p>
+          <a:p>
+            <a:pPr algn="ctr"/>
+            <a:r>
+              <a:rPr lang="en-US" sz="1400" dirty="0">
+                <a:solidFill>
+                  <a:schemeClr val="tx1"/>
+                </a:solidFill>
+              </a:rPr>
+              <a:t>Treats Indoor</a:t>
+            </a:r>
+          </a:p>
+        </p:txBody>
+      </p:sp>
+      <p:cxnSp>
+        <p:nvCxnSpPr>
+          <p:cNvPr id="6" name="Straight Arrow Connector 5"/>
+          <p:cNvCxnSpPr>
+            <a:stCxn id="4" idx="1"/>
+            <a:endCxn id="13" idx="3"/>
+          </p:cNvCxnSpPr>
+          <p:nvPr/>
+        </p:nvCxnSpPr>
+        <p:spPr>
+          <a:xfrm rot="10800000">
+            <a:off x="3810000" y="3505200"/>
+            <a:ext cx="1676400" cy="1588"/>
+          </a:xfrm>
+          <a:prstGeom prst="straightConnector1">
+            <a:avLst/>
+          </a:prstGeom>
+          <a:ln>
+            <a:solidFill>
+              <a:schemeClr val="tx1"/>
+            </a:solidFill>
+            <a:tailEnd type="arrow"/>
+          </a:ln>
+        </p:spPr>
+        <p:style>
+          <a:lnRef idx="1">
+            <a:schemeClr val="accent1"/>
+          </a:lnRef>
+          <a:fillRef idx="0">
+            <a:schemeClr val="accent1"/>
+          </a:fillRef>
+          <a:effectRef idx="0">
+            <a:schemeClr val="accent1"/>
+          </a:effectRef>
+          <a:fontRef idx="minor">
+            <a:schemeClr val="tx1"/>
+          </a:fontRef>
+        </p:style>
+      </p:cxnSp>
+      <p:cxnSp>
+        <p:nvCxnSpPr>
+          <p:cNvPr id="8" name="Straight Connector 7"/>
+          <p:cNvCxnSpPr>
+            <a:stCxn id="4" idx="3"/>
+          </p:cNvCxnSpPr>
+          <p:nvPr/>
+        </p:nvCxnSpPr>
+        <p:spPr>
+          <a:xfrm>
+            <a:off x="6858000" y="3505200"/>
+            <a:ext cx="1828800" cy="0"/>
+          </a:xfrm>
+          <a:prstGeom prst="line">
+            <a:avLst/>
+          </a:prstGeom>
+          <a:ln>
+            <a:solidFill>
+              <a:schemeClr val="tx1"/>
+            </a:solidFill>
+          </a:ln>
+        </p:spPr>
+        <p:style>
+          <a:lnRef idx="1">
+            <a:schemeClr val="accent1"/>
+          </a:lnRef>
+          <a:fillRef idx="0">
+            <a:schemeClr val="accent1"/>
+          </a:fillRef>
+          <a:effectRef idx="0">
+            <a:schemeClr val="accent1"/>
+          </a:effectRef>
+          <a:fontRef idx="minor">
+            <a:schemeClr val="tx1"/>
+          </a:fontRef>
+        </p:style>
+      </p:cxnSp>
+      <p:sp>
+        <p:nvSpPr>
+          <p:cNvPr id="13" name="Rectangle 12"/>
+          <p:cNvSpPr/>
+          <p:nvPr/>
+        </p:nvSpPr>
+        <p:spPr>
+          <a:xfrm>
+            <a:off x="2286000" y="3200400"/>
+            <a:ext cx="1524000" cy="609600"/>
+          </a:xfrm>
+          <a:prstGeom prst="rect">
+            <a:avLst/>
+          </a:prstGeom>
+          <a:solidFill>
+            <a:schemeClr val="tx2">
+              <a:lumMod val="20000"/>
+              <a:lumOff val="80000"/>
+            </a:schemeClr>
+          </a:solidFill>
+          <a:ln>
+            <a:solidFill>
+              <a:schemeClr val="tx1"/>
+            </a:solidFill>
+          </a:ln>
+        </p:spPr>
+        <p:style>
+          <a:lnRef idx="2">
+            <a:schemeClr val="accent1">
+              <a:shade val="50000"/>
+            </a:schemeClr>
+          </a:lnRef>
+          <a:fillRef idx="1">
+            <a:schemeClr val="accent1"/>
+          </a:fillRef>
+          <a:effectRef idx="0">
+            <a:schemeClr val="accent1"/>
+          </a:effectRef>
+          <a:fontRef idx="minor">
+            <a:schemeClr val="lt1"/>
+          </a:fontRef>
+        </p:style>
+        <p:txBody>
+          <a:bodyPr rtlCol="0" anchor="ctr"/>
+          <a:lstStyle/>
+          <a:p>
+            <a:pPr algn="ctr"/>
+            <a:r>
+              <a:rPr lang="en-US" sz="2000" dirty="0">
+                <a:solidFill>
+                  <a:schemeClr val="tx1"/>
+                </a:solidFill>
+              </a:rPr>
+              <a:t>Specialist</a:t>
+            </a:r>
+          </a:p>
+        </p:txBody>
+      </p:sp>
+      <p:sp>
+        <p:nvSpPr>
+          <p:cNvPr id="14" name="Oval 13"/>
+          <p:cNvSpPr/>
+          <p:nvPr/>
+        </p:nvSpPr>
+        <p:spPr>
+          <a:xfrm>
+            <a:off x="2667000" y="914400"/>
+            <a:ext cx="1219200" cy="381000"/>
+          </a:xfrm>
+          <a:prstGeom prst="ellipse">
+            <a:avLst/>
+          </a:prstGeom>
+          <a:solidFill>
+            <a:schemeClr val="bg1">
+              <a:lumMod val="75000"/>
+            </a:schemeClr>
+          </a:solidFill>
+          <a:ln>
+            <a:solidFill>
+              <a:schemeClr val="tx1"/>
+            </a:solidFill>
+          </a:ln>
+        </p:spPr>
+        <p:style>
+          <a:lnRef idx="2">
+            <a:schemeClr val="accent1">
+              <a:shade val="50000"/>
+            </a:schemeClr>
+          </a:lnRef>
+          <a:fillRef idx="1">
+            <a:schemeClr val="accent1"/>
+          </a:fillRef>
+          <a:effectRef idx="0">
+            <a:schemeClr val="accent1"/>
+          </a:effectRef>
+          <a:fontRef idx="minor">
+            <a:schemeClr val="lt1"/>
+          </a:fontRef>
+        </p:style>
+        <p:txBody>
+          <a:bodyPr rtlCol="0" anchor="ctr"/>
+          <a:lstStyle/>
+          <a:p>
+            <a:pPr algn="ctr"/>
+            <a:r>
+              <a:rPr lang="en-US" dirty="0">
+                <a:solidFill>
+                  <a:schemeClr val="tx1"/>
+                </a:solidFill>
+              </a:rPr>
+              <a:t>Name</a:t>
+            </a:r>
+          </a:p>
+        </p:txBody>
+      </p:sp>
+      <p:sp>
+        <p:nvSpPr>
+          <p:cNvPr id="15" name="Oval 14"/>
+          <p:cNvSpPr/>
+          <p:nvPr/>
+        </p:nvSpPr>
+        <p:spPr>
+          <a:xfrm>
+            <a:off x="3657600" y="457200"/>
+            <a:ext cx="1905000" cy="381000"/>
+          </a:xfrm>
+          <a:prstGeom prst="ellipse">
+            <a:avLst/>
+          </a:prstGeom>
+          <a:solidFill>
+            <a:schemeClr val="bg1">
+              <a:lumMod val="75000"/>
+            </a:schemeClr>
+          </a:solidFill>
+          <a:ln>
+            <a:solidFill>
+              <a:schemeClr val="tx1"/>
+            </a:solidFill>
+          </a:ln>
+        </p:spPr>
+        <p:style>
+          <a:lnRef idx="2">
+            <a:schemeClr val="accent1">
+              <a:shade val="50000"/>
+            </a:schemeClr>
+          </a:lnRef>
+          <a:fillRef idx="1">
+            <a:schemeClr val="accent1"/>
+          </a:fillRef>
+          <a:effectRef idx="0">
+            <a:schemeClr val="accent1"/>
+          </a:effectRef>
+          <a:fontRef idx="minor">
+            <a:schemeClr val="lt1"/>
+          </a:fontRef>
+        </p:style>
+        <p:txBody>
+          <a:bodyPr rtlCol="0" anchor="ctr">
+            <a:normAutofit fontScale="77500" lnSpcReduction="20000"/>
+          </a:bodyPr>
+          <a:lstStyle/>
+          <a:p>
+            <a:pPr algn="ctr"/>
+            <a:r>
+              <a:rPr lang="en-US" dirty="0">
+                <a:solidFill>
+                  <a:schemeClr val="tx1"/>
+                </a:solidFill>
+              </a:rPr>
+              <a:t>Qualification</a:t>
+            </a:r>
+          </a:p>
+        </p:txBody>
+      </p:sp>
+      <p:cxnSp>
+        <p:nvCxnSpPr>
+          <p:cNvPr id="16" name="Straight Connector 15"/>
+          <p:cNvCxnSpPr>
+            <a:stCxn id="13" idx="0"/>
+            <a:endCxn id="23" idx="4"/>
+          </p:cNvCxnSpPr>
+          <p:nvPr/>
+        </p:nvCxnSpPr>
+        <p:spPr>
+          <a:xfrm rot="16200000" flipV="1">
+            <a:off x="1504950" y="1657350"/>
+            <a:ext cx="2438400" cy="647700"/>
+          </a:xfrm>
+          <a:prstGeom prst="line">
+            <a:avLst/>
+          </a:prstGeom>
+          <a:ln>
+            <a:solidFill>
+              <a:schemeClr val="tx1"/>
+            </a:solidFill>
+          </a:ln>
+        </p:spPr>
+        <p:style>
+          <a:lnRef idx="1">
+            <a:schemeClr val="accent1"/>
+          </a:lnRef>
+          <a:fillRef idx="0">
+            <a:schemeClr val="accent1"/>
+          </a:fillRef>
+          <a:effectRef idx="0">
+            <a:schemeClr val="accent1"/>
+          </a:effectRef>
+          <a:fontRef idx="minor">
+            <a:schemeClr val="tx1"/>
+          </a:fontRef>
+        </p:style>
+      </p:cxnSp>
+      <p:cxnSp>
+        <p:nvCxnSpPr>
+          <p:cNvPr id="17" name="Straight Connector 16"/>
+          <p:cNvCxnSpPr>
+            <a:stCxn id="13" idx="0"/>
+            <a:endCxn id="14" idx="4"/>
+          </p:cNvCxnSpPr>
+          <p:nvPr/>
+        </p:nvCxnSpPr>
+        <p:spPr>
+          <a:xfrm rot="5400000" flipH="1" flipV="1">
+            <a:off x="2209800" y="2133600"/>
+            <a:ext cx="1905000" cy="228600"/>
+          </a:xfrm>
+          <a:prstGeom prst="line">
+            <a:avLst/>
+          </a:prstGeom>
+          <a:ln>
+            <a:solidFill>
+              <a:schemeClr val="tx1"/>
+            </a:solidFill>
+          </a:ln>
+        </p:spPr>
+        <p:style>
+          <a:lnRef idx="1">
+            <a:schemeClr val="accent1"/>
+          </a:lnRef>
+          <a:fillRef idx="0">
+            <a:schemeClr val="accent1"/>
+          </a:fillRef>
+          <a:effectRef idx="0">
+            <a:schemeClr val="accent1"/>
+          </a:effectRef>
+          <a:fontRef idx="minor">
+            <a:schemeClr val="tx1"/>
+          </a:fontRef>
+        </p:style>
+      </p:cxnSp>
+      <p:cxnSp>
+        <p:nvCxnSpPr>
+          <p:cNvPr id="18" name="Straight Connector 17"/>
+          <p:cNvCxnSpPr>
+            <a:stCxn id="13" idx="0"/>
+            <a:endCxn id="15" idx="4"/>
+          </p:cNvCxnSpPr>
+          <p:nvPr/>
+        </p:nvCxnSpPr>
+        <p:spPr>
+          <a:xfrm rot="5400000" flipH="1" flipV="1">
+            <a:off x="2647950" y="1238250"/>
+            <a:ext cx="2362200" cy="1562100"/>
+          </a:xfrm>
+          <a:prstGeom prst="line">
+            <a:avLst/>
+          </a:prstGeom>
+          <a:ln>
+            <a:solidFill>
+              <a:schemeClr val="tx1"/>
+            </a:solidFill>
+          </a:ln>
+        </p:spPr>
+        <p:style>
+          <a:lnRef idx="1">
+            <a:schemeClr val="accent1"/>
+          </a:lnRef>
+          <a:fillRef idx="0">
+            <a:schemeClr val="accent1"/>
+          </a:fillRef>
+          <a:effectRef idx="0">
+            <a:schemeClr val="accent1"/>
+          </a:effectRef>
+          <a:fontRef idx="minor">
+            <a:schemeClr val="tx1"/>
+          </a:fontRef>
+        </p:style>
+      </p:cxnSp>
+      <p:sp>
+        <p:nvSpPr>
+          <p:cNvPr id="19" name="Oval 18"/>
+          <p:cNvSpPr/>
+          <p:nvPr/>
+        </p:nvSpPr>
+        <p:spPr>
+          <a:xfrm>
+            <a:off x="4191000" y="5486400"/>
+            <a:ext cx="1371600" cy="533400"/>
+          </a:xfrm>
+          <a:prstGeom prst="ellipse">
+            <a:avLst/>
+          </a:prstGeom>
+          <a:solidFill>
+            <a:schemeClr val="bg1">
+              <a:lumMod val="75000"/>
+            </a:schemeClr>
+          </a:solidFill>
+          <a:ln>
+            <a:solidFill>
+              <a:schemeClr val="tx1"/>
+            </a:solidFill>
+          </a:ln>
+        </p:spPr>
+        <p:style>
+          <a:lnRef idx="2">
+            <a:schemeClr val="accent1">
+              <a:shade val="50000"/>
+            </a:schemeClr>
+          </a:lnRef>
+          <a:fillRef idx="1">
+            <a:schemeClr val="accent1"/>
+          </a:fillRef>
+          <a:effectRef idx="0">
+            <a:schemeClr val="accent1"/>
+          </a:effectRef>
+          <a:fontRef idx="minor">
+            <a:schemeClr val="lt1"/>
+          </a:fontRef>
+        </p:style>
+        <p:txBody>
+          <a:bodyPr rtlCol="0" anchor="ctr"/>
+          <a:lstStyle/>
+          <a:p>
+            <a:pPr algn="ctr"/>
+            <a:r>
+              <a:rPr lang="en-US" dirty="0">
+                <a:solidFill>
+                  <a:schemeClr val="tx1"/>
+                </a:solidFill>
+              </a:rPr>
+              <a:t>Email Add.</a:t>
+            </a:r>
+          </a:p>
+        </p:txBody>
+      </p:sp>
+      <p:sp>
+        <p:nvSpPr>
+          <p:cNvPr id="20" name="Oval 19"/>
+          <p:cNvSpPr/>
+          <p:nvPr/>
+        </p:nvSpPr>
+        <p:spPr>
+          <a:xfrm>
+            <a:off x="3352800" y="6324600"/>
+            <a:ext cx="1905000" cy="457200"/>
+          </a:xfrm>
+          <a:prstGeom prst="ellipse">
+            <a:avLst/>
+          </a:prstGeom>
+          <a:solidFill>
+            <a:schemeClr val="bg1">
+              <a:lumMod val="75000"/>
+            </a:schemeClr>
+          </a:solidFill>
+          <a:ln>
+            <a:solidFill>
+              <a:schemeClr val="tx1"/>
+            </a:solidFill>
+          </a:ln>
+        </p:spPr>
+        <p:style>
+          <a:lnRef idx="2">
+            <a:schemeClr val="accent1">
+              <a:shade val="50000"/>
+            </a:schemeClr>
+          </a:lnRef>
+          <a:fillRef idx="1">
+            <a:schemeClr val="accent1"/>
+          </a:fillRef>
+          <a:effectRef idx="0">
+            <a:schemeClr val="accent1"/>
+          </a:effectRef>
+          <a:fontRef idx="minor">
+            <a:schemeClr val="lt1"/>
+          </a:fontRef>
+        </p:style>
+        <p:txBody>
+          <a:bodyPr rtlCol="0" anchor="ctr"/>
+          <a:lstStyle/>
+          <a:p>
+            <a:pPr algn="ctr"/>
+            <a:r>
+              <a:rPr lang="en-US" dirty="0">
+                <a:solidFill>
+                  <a:schemeClr val="tx1"/>
+                </a:solidFill>
+              </a:rPr>
+              <a:t>Specialty</a:t>
+            </a:r>
+          </a:p>
+        </p:txBody>
+      </p:sp>
+      <p:cxnSp>
+        <p:nvCxnSpPr>
+          <p:cNvPr id="21" name="Straight Connector 20"/>
+          <p:cNvCxnSpPr>
+            <a:stCxn id="13" idx="2"/>
+            <a:endCxn id="20" idx="0"/>
+          </p:cNvCxnSpPr>
+          <p:nvPr/>
+        </p:nvCxnSpPr>
+        <p:spPr>
+          <a:xfrm rot="16200000" flipH="1">
+            <a:off x="2419350" y="4438650"/>
+            <a:ext cx="2514600" cy="1257300"/>
+          </a:xfrm>
+          <a:prstGeom prst="line">
+            <a:avLst/>
+          </a:prstGeom>
+          <a:ln>
+            <a:solidFill>
+              <a:schemeClr val="tx1"/>
+            </a:solidFill>
+          </a:ln>
+        </p:spPr>
+        <p:style>
+          <a:lnRef idx="1">
+            <a:schemeClr val="accent1"/>
+          </a:lnRef>
+          <a:fillRef idx="0">
+            <a:schemeClr val="accent1"/>
+          </a:fillRef>
+          <a:effectRef idx="0">
+            <a:schemeClr val="accent1"/>
+          </a:effectRef>
+          <a:fontRef idx="minor">
+            <a:schemeClr val="tx1"/>
+          </a:fontRef>
+        </p:style>
+      </p:cxnSp>
+      <p:cxnSp>
+        <p:nvCxnSpPr>
+          <p:cNvPr id="22" name="Straight Connector 21"/>
+          <p:cNvCxnSpPr>
+            <a:stCxn id="13" idx="2"/>
+            <a:endCxn id="19" idx="1"/>
+          </p:cNvCxnSpPr>
+          <p:nvPr/>
+        </p:nvCxnSpPr>
+        <p:spPr>
+          <a:xfrm rot="16200000" flipH="1">
+            <a:off x="2842677" y="4015324"/>
+            <a:ext cx="1754515" cy="1343866"/>
+          </a:xfrm>
+          <a:prstGeom prst="line">
+            <a:avLst/>
+          </a:prstGeom>
+          <a:ln>
+            <a:solidFill>
+              <a:schemeClr val="tx1"/>
+            </a:solidFill>
+          </a:ln>
+        </p:spPr>
+        <p:style>
+          <a:lnRef idx="1">
+            <a:schemeClr val="accent1"/>
+          </a:lnRef>
+          <a:fillRef idx="0">
+            <a:schemeClr val="accent1"/>
+          </a:fillRef>
+          <a:effectRef idx="0">
+            <a:schemeClr val="accent1"/>
+          </a:effectRef>
+          <a:fontRef idx="minor">
+            <a:schemeClr val="tx1"/>
+          </a:fontRef>
+        </p:style>
+      </p:cxnSp>
+      <p:sp>
+        <p:nvSpPr>
+          <p:cNvPr id="23" name="Oval 22"/>
+          <p:cNvSpPr/>
+          <p:nvPr/>
+        </p:nvSpPr>
+        <p:spPr>
+          <a:xfrm>
+            <a:off x="1524000" y="152400"/>
+            <a:ext cx="1752600" cy="609600"/>
+          </a:xfrm>
+          <a:prstGeom prst="ellipse">
+            <a:avLst/>
+          </a:prstGeom>
+          <a:solidFill>
+            <a:schemeClr val="bg1">
+              <a:lumMod val="75000"/>
+            </a:schemeClr>
+          </a:solidFill>
+          <a:ln>
+            <a:solidFill>
+              <a:schemeClr val="tx1"/>
+            </a:solidFill>
+          </a:ln>
+        </p:spPr>
+        <p:style>
+          <a:lnRef idx="2">
+            <a:schemeClr val="accent1">
+              <a:shade val="50000"/>
+            </a:schemeClr>
+          </a:lnRef>
+          <a:fillRef idx="1">
+            <a:schemeClr val="accent1"/>
+          </a:fillRef>
+          <a:effectRef idx="0">
+            <a:schemeClr val="accent1"/>
+          </a:effectRef>
+          <a:fontRef idx="minor">
+            <a:schemeClr val="lt1"/>
+          </a:fontRef>
+        </p:style>
+        <p:txBody>
+          <a:bodyPr rtlCol="0" anchor="ctr"/>
+          <a:lstStyle/>
+          <a:p>
+            <a:pPr algn="ctr"/>
+            <a:r>
+              <a:rPr lang="en-US" u="sng" dirty="0">
+                <a:solidFill>
+                  <a:schemeClr val="tx1"/>
+                </a:solidFill>
+              </a:rPr>
+              <a:t>Employee ID</a:t>
+            </a:r>
+          </a:p>
+        </p:txBody>
+      </p:sp>
+      <p:sp>
+        <p:nvSpPr>
+          <p:cNvPr id="24" name="Oval 23"/>
+          <p:cNvSpPr/>
+          <p:nvPr/>
+        </p:nvSpPr>
+        <p:spPr>
+          <a:xfrm>
+            <a:off x="4495800" y="1219200"/>
+            <a:ext cx="1524000" cy="457200"/>
+          </a:xfrm>
+          <a:prstGeom prst="ellipse">
+            <a:avLst/>
+          </a:prstGeom>
+          <a:solidFill>
+            <a:schemeClr val="bg1">
+              <a:lumMod val="75000"/>
+            </a:schemeClr>
+          </a:solidFill>
+          <a:ln>
+            <a:solidFill>
+              <a:schemeClr val="tx1"/>
+            </a:solidFill>
+          </a:ln>
+        </p:spPr>
+        <p:style>
+          <a:lnRef idx="2">
+            <a:schemeClr val="accent1">
+              <a:shade val="50000"/>
+            </a:schemeClr>
+          </a:lnRef>
+          <a:fillRef idx="1">
+            <a:schemeClr val="accent1"/>
+          </a:fillRef>
+          <a:effectRef idx="0">
+            <a:schemeClr val="accent1"/>
+          </a:effectRef>
+          <a:fontRef idx="minor">
+            <a:schemeClr val="lt1"/>
+          </a:fontRef>
+        </p:style>
+        <p:txBody>
+          <a:bodyPr rtlCol="0" anchor="ctr"/>
+          <a:lstStyle/>
+          <a:p>
+            <a:pPr algn="ctr"/>
+            <a:r>
+              <a:rPr lang="en-US" dirty="0">
+                <a:solidFill>
+                  <a:schemeClr val="tx1"/>
+                </a:solidFill>
+              </a:rPr>
+              <a:t>Address</a:t>
+            </a:r>
+          </a:p>
+        </p:txBody>
+      </p:sp>
+      <p:cxnSp>
+        <p:nvCxnSpPr>
+          <p:cNvPr id="33" name="Straight Connector 32"/>
+          <p:cNvCxnSpPr>
+            <a:stCxn id="13" idx="0"/>
+            <a:endCxn id="24" idx="3"/>
+          </p:cNvCxnSpPr>
+          <p:nvPr/>
+        </p:nvCxnSpPr>
+        <p:spPr>
+          <a:xfrm rot="5400000" flipH="1" flipV="1">
+            <a:off x="3088016" y="1569432"/>
+            <a:ext cx="1590955" cy="1670985"/>
+          </a:xfrm>
+          <a:prstGeom prst="line">
+            <a:avLst/>
+          </a:prstGeom>
+          <a:ln>
+            <a:solidFill>
+              <a:schemeClr val="tx1"/>
+            </a:solidFill>
+          </a:ln>
+        </p:spPr>
+        <p:style>
+          <a:lnRef idx="1">
+            <a:schemeClr val="accent1"/>
+          </a:lnRef>
+          <a:fillRef idx="0">
+            <a:schemeClr val="accent1"/>
+          </a:fillRef>
+          <a:effectRef idx="0">
+            <a:schemeClr val="accent1"/>
+          </a:effectRef>
+          <a:fontRef idx="minor">
+            <a:schemeClr val="tx1"/>
+          </a:fontRef>
+        </p:style>
+      </p:cxnSp>
+      <p:sp>
+        <p:nvSpPr>
+          <p:cNvPr id="38" name="Oval 37"/>
+          <p:cNvSpPr/>
+          <p:nvPr/>
+        </p:nvSpPr>
+        <p:spPr>
+          <a:xfrm>
+            <a:off x="1981200" y="5562600"/>
+            <a:ext cx="1905000" cy="457200"/>
+          </a:xfrm>
+          <a:prstGeom prst="ellipse">
+            <a:avLst/>
+          </a:prstGeom>
+          <a:solidFill>
+            <a:schemeClr val="bg1">
+              <a:lumMod val="75000"/>
+            </a:schemeClr>
+          </a:solidFill>
+          <a:ln>
+            <a:solidFill>
+              <a:schemeClr val="tx1"/>
+            </a:solidFill>
+          </a:ln>
+        </p:spPr>
+        <p:style>
+          <a:lnRef idx="2">
+            <a:schemeClr val="accent1">
+              <a:shade val="50000"/>
+            </a:schemeClr>
+          </a:lnRef>
+          <a:fillRef idx="1">
+            <a:schemeClr val="accent1"/>
+          </a:fillRef>
+          <a:effectRef idx="0">
+            <a:schemeClr val="accent1"/>
+          </a:effectRef>
+          <a:fontRef idx="minor">
+            <a:schemeClr val="lt1"/>
+          </a:fontRef>
+        </p:style>
+        <p:txBody>
+          <a:bodyPr rtlCol="0" anchor="ctr"/>
+          <a:lstStyle/>
+          <a:p>
+            <a:pPr algn="ctr"/>
+            <a:r>
+              <a:rPr lang="en-US" dirty="0">
+                <a:solidFill>
+                  <a:schemeClr val="tx1"/>
+                </a:solidFill>
+              </a:rPr>
+              <a:t>Contact no.</a:t>
+            </a:r>
+          </a:p>
+        </p:txBody>
+      </p:sp>
+      <p:cxnSp>
+        <p:nvCxnSpPr>
+          <p:cNvPr id="41" name="Straight Connector 40"/>
+          <p:cNvCxnSpPr>
+            <a:stCxn id="38" idx="0"/>
+            <a:endCxn id="13" idx="2"/>
+          </p:cNvCxnSpPr>
+          <p:nvPr/>
+        </p:nvCxnSpPr>
+        <p:spPr>
+          <a:xfrm rot="5400000" flipH="1" flipV="1">
+            <a:off x="2114550" y="4629150"/>
+            <a:ext cx="1752600" cy="114300"/>
+          </a:xfrm>
+          <a:prstGeom prst="line">
+            <a:avLst/>
+          </a:prstGeom>
+          <a:ln>
+            <a:solidFill>
+              <a:schemeClr val="tx1"/>
+            </a:solidFill>
+          </a:ln>
+        </p:spPr>
+        <p:style>
+          <a:lnRef idx="1">
+            <a:schemeClr val="accent1"/>
+          </a:lnRef>
+          <a:fillRef idx="0">
+            <a:schemeClr val="accent1"/>
+          </a:fillRef>
+          <a:effectRef idx="0">
+            <a:schemeClr val="accent1"/>
+          </a:effectRef>
+          <a:fontRef idx="minor">
+            <a:schemeClr val="tx1"/>
+          </a:fontRef>
+        </p:style>
+      </p:cxnSp>
+      <p:sp>
+        <p:nvSpPr>
+          <p:cNvPr id="43" name="Oval 42"/>
+          <p:cNvSpPr/>
+          <p:nvPr/>
+        </p:nvSpPr>
+        <p:spPr>
+          <a:xfrm>
+            <a:off x="8839200" y="685800"/>
+            <a:ext cx="1447800" cy="381000"/>
+          </a:xfrm>
+          <a:prstGeom prst="ellipse">
+            <a:avLst/>
+          </a:prstGeom>
+          <a:solidFill>
+            <a:schemeClr val="bg1">
+              <a:lumMod val="75000"/>
+            </a:schemeClr>
+          </a:solidFill>
+          <a:ln>
+            <a:solidFill>
+              <a:schemeClr val="tx1"/>
+            </a:solidFill>
+          </a:ln>
+        </p:spPr>
+        <p:style>
+          <a:lnRef idx="2">
+            <a:schemeClr val="accent1">
+              <a:shade val="50000"/>
+            </a:schemeClr>
+          </a:lnRef>
+          <a:fillRef idx="1">
+            <a:schemeClr val="accent1"/>
+          </a:fillRef>
+          <a:effectRef idx="0">
+            <a:schemeClr val="accent1"/>
+          </a:effectRef>
+          <a:fontRef idx="minor">
+            <a:schemeClr val="lt1"/>
+          </a:fontRef>
+        </p:style>
+        <p:txBody>
+          <a:bodyPr rtlCol="0" anchor="ctr"/>
+          <a:lstStyle/>
+          <a:p>
+            <a:pPr algn="ctr"/>
+            <a:r>
+              <a:rPr lang="en-US" dirty="0">
+                <a:solidFill>
+                  <a:schemeClr val="tx1"/>
+                </a:solidFill>
+              </a:rPr>
+              <a:t>Dept</a:t>
+            </a:r>
+          </a:p>
+        </p:txBody>
+      </p:sp>
+      <p:cxnSp>
+        <p:nvCxnSpPr>
+          <p:cNvPr id="45" name="Straight Connector 44"/>
+          <p:cNvCxnSpPr>
+            <a:stCxn id="36" idx="0"/>
+            <a:endCxn id="43" idx="4"/>
+          </p:cNvCxnSpPr>
+          <p:nvPr/>
+        </p:nvCxnSpPr>
+        <p:spPr>
+          <a:xfrm rot="5400000" flipH="1" flipV="1">
+            <a:off x="8496300" y="2133600"/>
+            <a:ext cx="2133600" cy="0"/>
+          </a:xfrm>
+          <a:prstGeom prst="line">
+            <a:avLst/>
+          </a:prstGeom>
+          <a:ln>
+            <a:solidFill>
+              <a:schemeClr val="tx1"/>
+            </a:solidFill>
+          </a:ln>
+        </p:spPr>
+        <p:style>
+          <a:lnRef idx="1">
+            <a:schemeClr val="accent1"/>
+          </a:lnRef>
+          <a:fillRef idx="0">
+            <a:schemeClr val="accent1"/>
+          </a:fillRef>
+          <a:effectRef idx="0">
+            <a:schemeClr val="accent1"/>
+          </a:effectRef>
+          <a:fontRef idx="minor">
+            <a:schemeClr val="tx1"/>
+          </a:fontRef>
+        </p:style>
+      </p:cxnSp>
+      <p:cxnSp>
+        <p:nvCxnSpPr>
+          <p:cNvPr id="34" name="Straight Connector 33"/>
+          <p:cNvCxnSpPr>
+            <a:stCxn id="35" idx="0"/>
+            <a:endCxn id="13" idx="0"/>
+          </p:cNvCxnSpPr>
+          <p:nvPr/>
+        </p:nvCxnSpPr>
+        <p:spPr>
+          <a:xfrm rot="16200000" flipH="1" flipV="1">
+            <a:off x="3409950" y="1847850"/>
+            <a:ext cx="990600" cy="1714500"/>
+          </a:xfrm>
+          <a:prstGeom prst="line">
+            <a:avLst/>
+          </a:prstGeom>
+          <a:ln>
+            <a:solidFill>
+              <a:schemeClr val="tx1"/>
+            </a:solidFill>
+          </a:ln>
+        </p:spPr>
+        <p:style>
+          <a:lnRef idx="1">
+            <a:schemeClr val="accent1"/>
+          </a:lnRef>
+          <a:fillRef idx="0">
+            <a:schemeClr val="accent1"/>
+          </a:fillRef>
+          <a:effectRef idx="0">
+            <a:schemeClr val="accent1"/>
+          </a:effectRef>
+          <a:fontRef idx="minor">
+            <a:schemeClr val="tx1"/>
+          </a:fontRef>
+        </p:style>
+      </p:cxnSp>
+      <p:sp>
+        <p:nvSpPr>
+          <p:cNvPr id="35" name="Oval 34"/>
+          <p:cNvSpPr/>
+          <p:nvPr/>
+        </p:nvSpPr>
+        <p:spPr>
+          <a:xfrm>
+            <a:off x="4114800" y="2209800"/>
+            <a:ext cx="1295400" cy="381000"/>
+          </a:xfrm>
+          <a:prstGeom prst="ellipse">
+            <a:avLst/>
+          </a:prstGeom>
+          <a:solidFill>
+            <a:schemeClr val="bg1">
+              <a:lumMod val="75000"/>
+            </a:schemeClr>
+          </a:solidFill>
+          <a:ln>
+            <a:solidFill>
+              <a:schemeClr val="tx1"/>
+            </a:solidFill>
+          </a:ln>
+        </p:spPr>
+        <p:style>
+          <a:lnRef idx="2">
+            <a:schemeClr val="accent1">
+              <a:shade val="50000"/>
+            </a:schemeClr>
+          </a:lnRef>
+          <a:fillRef idx="1">
+            <a:schemeClr val="accent1"/>
+          </a:fillRef>
+          <a:effectRef idx="0">
+            <a:schemeClr val="accent1"/>
+          </a:effectRef>
+          <a:fontRef idx="minor">
+            <a:schemeClr val="lt1"/>
+          </a:fontRef>
+        </p:style>
+        <p:txBody>
+          <a:bodyPr rtlCol="0" anchor="ctr"/>
+          <a:lstStyle/>
+          <a:p>
+            <a:pPr algn="ctr"/>
+            <a:r>
+              <a:rPr lang="en-US" dirty="0">
+                <a:solidFill>
+                  <a:schemeClr val="tx1"/>
+                </a:solidFill>
+              </a:rPr>
+              <a:t>Gender</a:t>
+            </a:r>
+          </a:p>
+        </p:txBody>
+      </p:sp>
+      <p:sp>
+        <p:nvSpPr>
+          <p:cNvPr id="36" name="Rectangle 35"/>
+          <p:cNvSpPr/>
+          <p:nvPr/>
+        </p:nvSpPr>
+        <p:spPr>
+          <a:xfrm>
+            <a:off x="8686800" y="3200400"/>
+            <a:ext cx="1752600" cy="609600"/>
+          </a:xfrm>
+          <a:prstGeom prst="rect">
+            <a:avLst/>
+          </a:prstGeom>
+          <a:solidFill>
+            <a:schemeClr val="tx2">
+              <a:lumMod val="20000"/>
+              <a:lumOff val="80000"/>
+            </a:schemeClr>
+          </a:solidFill>
+          <a:ln>
+            <a:solidFill>
+              <a:schemeClr val="tx1"/>
+            </a:solidFill>
+          </a:ln>
+        </p:spPr>
+        <p:style>
+          <a:lnRef idx="2">
+            <a:schemeClr val="accent1">
+              <a:shade val="50000"/>
+            </a:schemeClr>
+          </a:lnRef>
+          <a:fillRef idx="1">
+            <a:schemeClr val="accent1"/>
+          </a:fillRef>
+          <a:effectRef idx="0">
+            <a:schemeClr val="accent1"/>
+          </a:effectRef>
+          <a:fontRef idx="minor">
+            <a:schemeClr val="lt1"/>
+          </a:fontRef>
+        </p:style>
+        <p:txBody>
+          <a:bodyPr rtlCol="0" anchor="ctr"/>
+          <a:lstStyle/>
+          <a:p>
+            <a:pPr algn="ctr"/>
+            <a:endParaRPr lang="en-US" dirty="0">
+              <a:solidFill>
+                <a:schemeClr val="tx1"/>
+              </a:solidFill>
+            </a:endParaRPr>
+          </a:p>
+        </p:txBody>
+      </p:sp>
+      <p:sp>
+        <p:nvSpPr>
+          <p:cNvPr id="37" name="Rectangle 36"/>
+          <p:cNvSpPr/>
+          <p:nvPr/>
+        </p:nvSpPr>
+        <p:spPr>
+          <a:xfrm>
+            <a:off x="8763000" y="3276600"/>
+            <a:ext cx="1600200" cy="457200"/>
+          </a:xfrm>
+          <a:prstGeom prst="rect">
+            <a:avLst/>
+          </a:prstGeom>
+          <a:solidFill>
+            <a:schemeClr val="tx2">
+              <a:lumMod val="20000"/>
+              <a:lumOff val="80000"/>
+            </a:schemeClr>
+          </a:solidFill>
+          <a:ln>
+            <a:solidFill>
+              <a:schemeClr val="tx1"/>
+            </a:solidFill>
+          </a:ln>
+        </p:spPr>
+        <p:style>
+          <a:lnRef idx="2">
+            <a:schemeClr val="accent1">
+              <a:shade val="50000"/>
+            </a:schemeClr>
+          </a:lnRef>
+          <a:fillRef idx="1">
+            <a:schemeClr val="accent1"/>
+          </a:fillRef>
+          <a:effectRef idx="0">
+            <a:schemeClr val="accent1"/>
+          </a:effectRef>
+          <a:fontRef idx="minor">
+            <a:schemeClr val="lt1"/>
+          </a:fontRef>
+        </p:style>
+        <p:txBody>
+          <a:bodyPr rtlCol="0" anchor="ctr"/>
+          <a:lstStyle/>
+          <a:p>
+            <a:pPr algn="ctr"/>
+            <a:endParaRPr lang="en-US" dirty="0">
+              <a:solidFill>
+                <a:schemeClr val="tx1"/>
+              </a:solidFill>
+            </a:endParaRPr>
+          </a:p>
+          <a:p>
+            <a:pPr algn="ctr"/>
+            <a:r>
+              <a:rPr lang="en-US" dirty="0">
+                <a:solidFill>
+                  <a:schemeClr val="tx1"/>
+                </a:solidFill>
+              </a:rPr>
+              <a:t>Indoor</a:t>
+            </a:r>
+          </a:p>
+          <a:p>
+            <a:pPr algn="ctr"/>
+            <a:endParaRPr lang="en-US" dirty="0"/>
+          </a:p>
+        </p:txBody>
+      </p:sp>
+      <p:sp>
+        <p:nvSpPr>
+          <p:cNvPr id="39" name="TextBox 38"/>
+          <p:cNvSpPr txBox="1"/>
+          <p:nvPr/>
+        </p:nvSpPr>
+        <p:spPr>
+          <a:xfrm>
+            <a:off x="6781800" y="3200401"/>
+            <a:ext cx="457176" cy="307777"/>
+          </a:xfrm>
+          <a:prstGeom prst="rect">
+            <a:avLst/>
+          </a:prstGeom>
+          <a:noFill/>
+        </p:spPr>
+        <p:txBody>
+          <a:bodyPr wrap="none" rtlCol="0">
+            <a:spAutoFit/>
+          </a:bodyPr>
+          <a:lstStyle/>
+          <a:p>
+            <a:r>
+              <a:rPr lang="en-US" sz="1400" dirty="0"/>
+              <a:t>1..1</a:t>
+            </a:r>
+          </a:p>
+        </p:txBody>
+      </p:sp>
+      <p:sp>
+        <p:nvSpPr>
+          <p:cNvPr id="40" name="TextBox 39"/>
+          <p:cNvSpPr txBox="1"/>
+          <p:nvPr/>
+        </p:nvSpPr>
+        <p:spPr>
+          <a:xfrm>
+            <a:off x="5029200" y="3200401"/>
+            <a:ext cx="455574" cy="307777"/>
+          </a:xfrm>
+          <a:prstGeom prst="rect">
+            <a:avLst/>
+          </a:prstGeom>
+          <a:noFill/>
+        </p:spPr>
+        <p:txBody>
+          <a:bodyPr wrap="none" rtlCol="0">
+            <a:spAutoFit/>
+          </a:bodyPr>
+          <a:lstStyle/>
+          <a:p>
+            <a:r>
+              <a:rPr lang="en-US" sz="1400" dirty="0"/>
+              <a:t>0..*</a:t>
+            </a:r>
+          </a:p>
+        </p:txBody>
+      </p:sp>
+    </p:spTree>
+    <p:extLst>
+      <p:ext uri="{BB962C8B-B14F-4D97-AF65-F5344CB8AC3E}">
+        <p14:creationId xmlns:p14="http://schemas.microsoft.com/office/powerpoint/2010/main" val="1826119609"/>
+      </p:ext>
+    </p:extLst>
+  </p:cSld>
+  <p:clrMapOvr>
+    <a:masterClrMapping/>
+  </p:clrMapOvr>
+</p:sld>
+</file>
+
+<file path=ppt/slides/slide8.xml><?xml version="1.0" encoding="utf-8"?>
+<p:sld xmlns:a="http://schemas.openxmlformats.org/drawingml/2006/main" xmlns:r="http://schemas.openxmlformats.org/officeDocument/2006/relationships" xmlns:p="http://schemas.openxmlformats.org/presentationml/2006/main">
+  <p:cSld>
+    <p:spTree>
+      <p:nvGrpSpPr>
+        <p:cNvPr id="1" name=""/>
+        <p:cNvGrpSpPr/>
+        <p:nvPr/>
+      </p:nvGrpSpPr>
+      <p:grpSpPr>
+        <a:xfrm>
+          <a:off x="0" y="0"/>
+          <a:ext cx="0" cy="0"/>
+          <a:chOff x="0" y="0"/>
+          <a:chExt cx="0" cy="0"/>
+        </a:xfrm>
+      </p:grpSpPr>
+      <p:sp>
+        <p:nvSpPr>
+          <p:cNvPr id="65" name="Diamond 64"/>
+          <p:cNvSpPr/>
+          <p:nvPr/>
+        </p:nvSpPr>
+        <p:spPr>
+          <a:xfrm>
+            <a:off x="5486400" y="2895600"/>
+            <a:ext cx="1371600" cy="1219200"/>
+          </a:xfrm>
+          <a:prstGeom prst="diamond">
+            <a:avLst/>
+          </a:prstGeom>
+          <a:solidFill>
+            <a:schemeClr val="accent6">
+              <a:lumMod val="40000"/>
+              <a:lumOff val="60000"/>
+            </a:schemeClr>
+          </a:solidFill>
+          <a:ln>
+            <a:solidFill>
+              <a:schemeClr val="tx1"/>
+            </a:solidFill>
+          </a:ln>
+        </p:spPr>
+        <p:style>
+          <a:lnRef idx="2">
+            <a:schemeClr val="accent1">
+              <a:shade val="50000"/>
+            </a:schemeClr>
+          </a:lnRef>
+          <a:fillRef idx="1">
+            <a:schemeClr val="accent1"/>
+          </a:fillRef>
+          <a:effectRef idx="0">
+            <a:schemeClr val="accent1"/>
+          </a:effectRef>
+          <a:fontRef idx="minor">
+            <a:schemeClr val="lt1"/>
+          </a:fontRef>
+        </p:style>
+        <p:txBody>
+          <a:bodyPr wrap="none" lIns="91440" rIns="91440" bIns="91440" rtlCol="0" anchor="ctr">
+            <a:noAutofit/>
+          </a:bodyPr>
+          <a:lstStyle/>
+          <a:p>
+            <a:pPr algn="ctr"/>
+            <a:r>
+              <a:rPr lang="en-US" sz="1400" dirty="0">
+                <a:solidFill>
+                  <a:schemeClr val="tx1"/>
+                </a:solidFill>
+              </a:rPr>
+              <a:t>MI</a:t>
+            </a:r>
+          </a:p>
+          <a:p>
+            <a:pPr algn="ctr"/>
+            <a:r>
+              <a:rPr lang="en-US" sz="1400" dirty="0">
+                <a:solidFill>
+                  <a:schemeClr val="tx1"/>
+                </a:solidFill>
+              </a:rPr>
+              <a:t>Treats Outdoor</a:t>
+            </a:r>
+          </a:p>
+        </p:txBody>
+      </p:sp>
+      <p:sp>
+        <p:nvSpPr>
+          <p:cNvPr id="66" name="Rectangle 65"/>
+          <p:cNvSpPr/>
+          <p:nvPr/>
+        </p:nvSpPr>
+        <p:spPr>
+          <a:xfrm>
+            <a:off x="8686800" y="3200400"/>
+            <a:ext cx="1752600" cy="609600"/>
+          </a:xfrm>
+          <a:prstGeom prst="rect">
+            <a:avLst/>
+          </a:prstGeom>
+          <a:solidFill>
+            <a:schemeClr val="tx2">
+              <a:lumMod val="20000"/>
+              <a:lumOff val="80000"/>
+            </a:schemeClr>
+          </a:solidFill>
+          <a:ln>
+            <a:solidFill>
+              <a:schemeClr val="tx1"/>
+            </a:solidFill>
+          </a:ln>
+        </p:spPr>
+        <p:style>
+          <a:lnRef idx="2">
+            <a:schemeClr val="accent1">
+              <a:shade val="50000"/>
+            </a:schemeClr>
+          </a:lnRef>
+          <a:fillRef idx="1">
+            <a:schemeClr val="accent1"/>
+          </a:fillRef>
+          <a:effectRef idx="0">
+            <a:schemeClr val="accent1"/>
+          </a:effectRef>
+          <a:fontRef idx="minor">
+            <a:schemeClr val="lt1"/>
+          </a:fontRef>
+        </p:style>
+        <p:txBody>
+          <a:bodyPr rtlCol="0" anchor="ctr"/>
+          <a:lstStyle/>
+          <a:p>
+            <a:pPr algn="ctr"/>
+            <a:endParaRPr lang="en-US" dirty="0">
+              <a:solidFill>
+                <a:schemeClr val="tx1"/>
+              </a:solidFill>
+            </a:endParaRPr>
+          </a:p>
+        </p:txBody>
+      </p:sp>
+      <p:cxnSp>
+        <p:nvCxnSpPr>
+          <p:cNvPr id="67" name="Straight Arrow Connector 66"/>
+          <p:cNvCxnSpPr>
+            <a:stCxn id="65" idx="1"/>
+            <a:endCxn id="69" idx="3"/>
+          </p:cNvCxnSpPr>
+          <p:nvPr/>
+        </p:nvCxnSpPr>
+        <p:spPr>
+          <a:xfrm rot="10800000">
+            <a:off x="3810000" y="3505200"/>
+            <a:ext cx="1676400" cy="1588"/>
+          </a:xfrm>
+          <a:prstGeom prst="straightConnector1">
+            <a:avLst/>
+          </a:prstGeom>
+          <a:ln>
+            <a:solidFill>
+              <a:schemeClr val="tx1"/>
+            </a:solidFill>
+            <a:tailEnd type="arrow"/>
+          </a:ln>
+        </p:spPr>
+        <p:style>
+          <a:lnRef idx="1">
+            <a:schemeClr val="accent1"/>
+          </a:lnRef>
+          <a:fillRef idx="0">
+            <a:schemeClr val="accent1"/>
+          </a:fillRef>
+          <a:effectRef idx="0">
+            <a:schemeClr val="accent1"/>
+          </a:effectRef>
+          <a:fontRef idx="minor">
+            <a:schemeClr val="tx1"/>
+          </a:fontRef>
+        </p:style>
+      </p:cxnSp>
+      <p:cxnSp>
+        <p:nvCxnSpPr>
+          <p:cNvPr id="68" name="Straight Connector 67"/>
+          <p:cNvCxnSpPr>
+            <a:stCxn id="65" idx="3"/>
+            <a:endCxn id="66" idx="1"/>
+          </p:cNvCxnSpPr>
+          <p:nvPr/>
+        </p:nvCxnSpPr>
+        <p:spPr>
+          <a:xfrm>
+            <a:off x="6858000" y="3505200"/>
+            <a:ext cx="1828800" cy="0"/>
+          </a:xfrm>
+          <a:prstGeom prst="line">
+            <a:avLst/>
+          </a:prstGeom>
+          <a:ln>
+            <a:solidFill>
+              <a:schemeClr val="tx1"/>
+            </a:solidFill>
+          </a:ln>
+        </p:spPr>
+        <p:style>
+          <a:lnRef idx="1">
+            <a:schemeClr val="accent1"/>
+          </a:lnRef>
+          <a:fillRef idx="0">
+            <a:schemeClr val="accent1"/>
+          </a:fillRef>
+          <a:effectRef idx="0">
+            <a:schemeClr val="accent1"/>
+          </a:effectRef>
+          <a:fontRef idx="minor">
+            <a:schemeClr val="tx1"/>
+          </a:fontRef>
+        </p:style>
+      </p:cxnSp>
+      <p:sp>
+        <p:nvSpPr>
+          <p:cNvPr id="69" name="Rectangle 68"/>
+          <p:cNvSpPr/>
+          <p:nvPr/>
+        </p:nvSpPr>
+        <p:spPr>
+          <a:xfrm>
+            <a:off x="2286000" y="3200400"/>
+            <a:ext cx="1524000" cy="609600"/>
+          </a:xfrm>
+          <a:prstGeom prst="rect">
+            <a:avLst/>
+          </a:prstGeom>
+          <a:solidFill>
+            <a:schemeClr val="tx2">
+              <a:lumMod val="20000"/>
+              <a:lumOff val="80000"/>
+            </a:schemeClr>
+          </a:solidFill>
+          <a:ln>
+            <a:solidFill>
+              <a:schemeClr val="tx1"/>
+            </a:solidFill>
+          </a:ln>
+        </p:spPr>
+        <p:style>
+          <a:lnRef idx="2">
+            <a:schemeClr val="accent1">
+              <a:shade val="50000"/>
+            </a:schemeClr>
+          </a:lnRef>
+          <a:fillRef idx="1">
+            <a:schemeClr val="accent1"/>
+          </a:fillRef>
+          <a:effectRef idx="0">
+            <a:schemeClr val="accent1"/>
+          </a:effectRef>
+          <a:fontRef idx="minor">
+            <a:schemeClr val="lt1"/>
+          </a:fontRef>
+        </p:style>
+        <p:txBody>
+          <a:bodyPr rtlCol="0" anchor="ctr"/>
+          <a:lstStyle/>
+          <a:p>
+            <a:pPr algn="ctr"/>
+            <a:r>
+              <a:rPr lang="en-US" sz="2000" dirty="0">
+                <a:solidFill>
+                  <a:schemeClr val="tx1"/>
+                </a:solidFill>
+              </a:rPr>
+              <a:t>MI Doctor</a:t>
+            </a:r>
+          </a:p>
+        </p:txBody>
+      </p:sp>
+      <p:sp>
+        <p:nvSpPr>
+          <p:cNvPr id="70" name="Oval 69"/>
+          <p:cNvSpPr/>
+          <p:nvPr/>
+        </p:nvSpPr>
+        <p:spPr>
+          <a:xfrm>
+            <a:off x="2667000" y="914400"/>
+            <a:ext cx="1219200" cy="381000"/>
+          </a:xfrm>
+          <a:prstGeom prst="ellipse">
+            <a:avLst/>
+          </a:prstGeom>
+          <a:solidFill>
+            <a:schemeClr val="bg1">
+              <a:lumMod val="75000"/>
+            </a:schemeClr>
+          </a:solidFill>
+          <a:ln>
+            <a:solidFill>
+              <a:schemeClr val="tx1"/>
+            </a:solidFill>
+          </a:ln>
+        </p:spPr>
+        <p:style>
+          <a:lnRef idx="2">
+            <a:schemeClr val="accent1">
+              <a:shade val="50000"/>
+            </a:schemeClr>
+          </a:lnRef>
+          <a:fillRef idx="1">
+            <a:schemeClr val="accent1"/>
+          </a:fillRef>
+          <a:effectRef idx="0">
+            <a:schemeClr val="accent1"/>
+          </a:effectRef>
+          <a:fontRef idx="minor">
+            <a:schemeClr val="lt1"/>
+          </a:fontRef>
+        </p:style>
+        <p:txBody>
+          <a:bodyPr rtlCol="0" anchor="ctr"/>
+          <a:lstStyle/>
+          <a:p>
+            <a:pPr algn="ctr"/>
+            <a:r>
+              <a:rPr lang="en-US" dirty="0">
+                <a:solidFill>
+                  <a:schemeClr val="tx1"/>
+                </a:solidFill>
+              </a:rPr>
+              <a:t>Name</a:t>
+            </a:r>
+          </a:p>
+        </p:txBody>
+      </p:sp>
+      <p:sp>
+        <p:nvSpPr>
+          <p:cNvPr id="71" name="Oval 70"/>
+          <p:cNvSpPr/>
+          <p:nvPr/>
+        </p:nvSpPr>
+        <p:spPr>
+          <a:xfrm>
+            <a:off x="3657600" y="457200"/>
+            <a:ext cx="1905000" cy="381000"/>
+          </a:xfrm>
+          <a:prstGeom prst="ellipse">
+            <a:avLst/>
+          </a:prstGeom>
+          <a:solidFill>
+            <a:schemeClr val="bg1">
+              <a:lumMod val="75000"/>
+            </a:schemeClr>
+          </a:solidFill>
+          <a:ln>
+            <a:solidFill>
+              <a:schemeClr val="tx1"/>
+            </a:solidFill>
+          </a:ln>
+        </p:spPr>
+        <p:style>
+          <a:lnRef idx="2">
+            <a:schemeClr val="accent1">
+              <a:shade val="50000"/>
+            </a:schemeClr>
+          </a:lnRef>
+          <a:fillRef idx="1">
+            <a:schemeClr val="accent1"/>
+          </a:fillRef>
+          <a:effectRef idx="0">
+            <a:schemeClr val="accent1"/>
+          </a:effectRef>
+          <a:fontRef idx="minor">
+            <a:schemeClr val="lt1"/>
+          </a:fontRef>
+        </p:style>
+        <p:txBody>
+          <a:bodyPr rtlCol="0" anchor="ctr">
+            <a:normAutofit fontScale="77500" lnSpcReduction="20000"/>
+          </a:bodyPr>
+          <a:lstStyle/>
+          <a:p>
+            <a:pPr algn="ctr"/>
+            <a:r>
+              <a:rPr lang="en-US" dirty="0">
+                <a:solidFill>
+                  <a:schemeClr val="tx1"/>
+                </a:solidFill>
+              </a:rPr>
+              <a:t>Qualification</a:t>
+            </a:r>
+          </a:p>
+        </p:txBody>
+      </p:sp>
+      <p:cxnSp>
+        <p:nvCxnSpPr>
+          <p:cNvPr id="72" name="Straight Connector 71"/>
+          <p:cNvCxnSpPr>
+            <a:stCxn id="69" idx="0"/>
+            <a:endCxn id="79" idx="4"/>
+          </p:cNvCxnSpPr>
+          <p:nvPr/>
+        </p:nvCxnSpPr>
+        <p:spPr>
+          <a:xfrm rot="16200000" flipV="1">
+            <a:off x="1504950" y="1657350"/>
+            <a:ext cx="2438400" cy="647700"/>
+          </a:xfrm>
+          <a:prstGeom prst="line">
+            <a:avLst/>
+          </a:prstGeom>
+          <a:ln>
+            <a:solidFill>
+              <a:schemeClr val="tx1"/>
+            </a:solidFill>
+          </a:ln>
+        </p:spPr>
+        <p:style>
+          <a:lnRef idx="1">
+            <a:schemeClr val="accent1"/>
+          </a:lnRef>
+          <a:fillRef idx="0">
+            <a:schemeClr val="accent1"/>
+          </a:fillRef>
+          <a:effectRef idx="0">
+            <a:schemeClr val="accent1"/>
+          </a:effectRef>
+          <a:fontRef idx="minor">
+            <a:schemeClr val="tx1"/>
+          </a:fontRef>
+        </p:style>
+      </p:cxnSp>
+      <p:cxnSp>
+        <p:nvCxnSpPr>
+          <p:cNvPr id="73" name="Straight Connector 72"/>
+          <p:cNvCxnSpPr>
+            <a:stCxn id="69" idx="0"/>
+            <a:endCxn id="70" idx="4"/>
+          </p:cNvCxnSpPr>
+          <p:nvPr/>
+        </p:nvCxnSpPr>
+        <p:spPr>
+          <a:xfrm rot="5400000" flipH="1" flipV="1">
+            <a:off x="2209800" y="2133600"/>
+            <a:ext cx="1905000" cy="228600"/>
+          </a:xfrm>
+          <a:prstGeom prst="line">
+            <a:avLst/>
+          </a:prstGeom>
+          <a:ln>
+            <a:solidFill>
+              <a:schemeClr val="tx1"/>
+            </a:solidFill>
+          </a:ln>
+        </p:spPr>
+        <p:style>
+          <a:lnRef idx="1">
+            <a:schemeClr val="accent1"/>
+          </a:lnRef>
+          <a:fillRef idx="0">
+            <a:schemeClr val="accent1"/>
+          </a:fillRef>
+          <a:effectRef idx="0">
+            <a:schemeClr val="accent1"/>
+          </a:effectRef>
+          <a:fontRef idx="minor">
+            <a:schemeClr val="tx1"/>
+          </a:fontRef>
+        </p:style>
+      </p:cxnSp>
+      <p:cxnSp>
+        <p:nvCxnSpPr>
+          <p:cNvPr id="74" name="Straight Connector 73"/>
+          <p:cNvCxnSpPr>
+            <a:stCxn id="69" idx="0"/>
+            <a:endCxn id="71" idx="4"/>
+          </p:cNvCxnSpPr>
+          <p:nvPr/>
+        </p:nvCxnSpPr>
+        <p:spPr>
+          <a:xfrm rot="5400000" flipH="1" flipV="1">
+            <a:off x="2647950" y="1238250"/>
+            <a:ext cx="2362200" cy="1562100"/>
+          </a:xfrm>
+          <a:prstGeom prst="line">
+            <a:avLst/>
+          </a:prstGeom>
+          <a:ln>
+            <a:solidFill>
+              <a:schemeClr val="tx1"/>
+            </a:solidFill>
+          </a:ln>
+        </p:spPr>
+        <p:style>
+          <a:lnRef idx="1">
+            <a:schemeClr val="accent1"/>
+          </a:lnRef>
+          <a:fillRef idx="0">
+            <a:schemeClr val="accent1"/>
+          </a:fillRef>
+          <a:effectRef idx="0">
+            <a:schemeClr val="accent1"/>
+          </a:effectRef>
+          <a:fontRef idx="minor">
+            <a:schemeClr val="tx1"/>
+          </a:fontRef>
+        </p:style>
+      </p:cxnSp>
+      <p:sp>
+        <p:nvSpPr>
+          <p:cNvPr id="75" name="Oval 74"/>
+          <p:cNvSpPr/>
+          <p:nvPr/>
+        </p:nvSpPr>
+        <p:spPr>
+          <a:xfrm>
+            <a:off x="4191000" y="5486400"/>
+            <a:ext cx="1447800" cy="685800"/>
+          </a:xfrm>
+          <a:prstGeom prst="ellipse">
+            <a:avLst/>
+          </a:prstGeom>
+          <a:solidFill>
+            <a:schemeClr val="bg1">
+              <a:lumMod val="75000"/>
+            </a:schemeClr>
+          </a:solidFill>
+          <a:ln>
+            <a:solidFill>
+              <a:schemeClr val="tx1"/>
+            </a:solidFill>
+          </a:ln>
+        </p:spPr>
+        <p:style>
+          <a:lnRef idx="2">
+            <a:schemeClr val="accent1">
+              <a:shade val="50000"/>
+            </a:schemeClr>
+          </a:lnRef>
+          <a:fillRef idx="1">
+            <a:schemeClr val="accent1"/>
+          </a:fillRef>
+          <a:effectRef idx="0">
+            <a:schemeClr val="accent1"/>
+          </a:effectRef>
+          <a:fontRef idx="minor">
+            <a:schemeClr val="lt1"/>
+          </a:fontRef>
+        </p:style>
+        <p:txBody>
+          <a:bodyPr rtlCol="0" anchor="ctr"/>
+          <a:lstStyle/>
+          <a:p>
+            <a:pPr algn="ctr"/>
+            <a:r>
+              <a:rPr lang="en-US" dirty="0">
+                <a:solidFill>
+                  <a:schemeClr val="tx1"/>
+                </a:solidFill>
+              </a:rPr>
+              <a:t>Email Add.</a:t>
+            </a:r>
+          </a:p>
+        </p:txBody>
+      </p:sp>
+      <p:cxnSp>
+        <p:nvCxnSpPr>
+          <p:cNvPr id="78" name="Straight Connector 77"/>
+          <p:cNvCxnSpPr>
+            <a:stCxn id="69" idx="2"/>
+            <a:endCxn id="75" idx="1"/>
+          </p:cNvCxnSpPr>
+          <p:nvPr/>
+        </p:nvCxnSpPr>
+        <p:spPr>
+          <a:xfrm rot="16200000" flipH="1">
+            <a:off x="2837098" y="4020903"/>
+            <a:ext cx="1776833" cy="1355026"/>
+          </a:xfrm>
+          <a:prstGeom prst="line">
+            <a:avLst/>
+          </a:prstGeom>
+          <a:ln>
+            <a:solidFill>
+              <a:schemeClr val="tx1"/>
+            </a:solidFill>
+          </a:ln>
+        </p:spPr>
+        <p:style>
+          <a:lnRef idx="1">
+            <a:schemeClr val="accent1"/>
+          </a:lnRef>
+          <a:fillRef idx="0">
+            <a:schemeClr val="accent1"/>
+          </a:fillRef>
+          <a:effectRef idx="0">
+            <a:schemeClr val="accent1"/>
+          </a:effectRef>
+          <a:fontRef idx="minor">
+            <a:schemeClr val="tx1"/>
+          </a:fontRef>
+        </p:style>
+      </p:cxnSp>
+      <p:sp>
+        <p:nvSpPr>
+          <p:cNvPr id="79" name="Oval 78"/>
+          <p:cNvSpPr/>
+          <p:nvPr/>
+        </p:nvSpPr>
+        <p:spPr>
+          <a:xfrm>
+            <a:off x="1524000" y="152400"/>
+            <a:ext cx="1752600" cy="609600"/>
+          </a:xfrm>
+          <a:prstGeom prst="ellipse">
+            <a:avLst/>
+          </a:prstGeom>
+          <a:solidFill>
+            <a:schemeClr val="bg1">
+              <a:lumMod val="75000"/>
+            </a:schemeClr>
+          </a:solidFill>
+          <a:ln>
+            <a:solidFill>
+              <a:schemeClr val="tx1"/>
+            </a:solidFill>
+          </a:ln>
+        </p:spPr>
+        <p:style>
+          <a:lnRef idx="2">
+            <a:schemeClr val="accent1">
+              <a:shade val="50000"/>
+            </a:schemeClr>
+          </a:lnRef>
+          <a:fillRef idx="1">
+            <a:schemeClr val="accent1"/>
+          </a:fillRef>
+          <a:effectRef idx="0">
+            <a:schemeClr val="accent1"/>
+          </a:effectRef>
+          <a:fontRef idx="minor">
+            <a:schemeClr val="lt1"/>
+          </a:fontRef>
+        </p:style>
+        <p:txBody>
+          <a:bodyPr rtlCol="0" anchor="ctr"/>
+          <a:lstStyle/>
+          <a:p>
+            <a:pPr algn="ctr"/>
+            <a:r>
+              <a:rPr lang="en-US" u="sng" dirty="0">
+                <a:solidFill>
+                  <a:schemeClr val="tx1"/>
+                </a:solidFill>
+              </a:rPr>
+              <a:t>Employee ID</a:t>
+            </a:r>
+          </a:p>
+        </p:txBody>
+      </p:sp>
+      <p:sp>
+        <p:nvSpPr>
+          <p:cNvPr id="80" name="Oval 79"/>
+          <p:cNvSpPr/>
+          <p:nvPr/>
+        </p:nvSpPr>
+        <p:spPr>
+          <a:xfrm>
+            <a:off x="4495800" y="1219200"/>
+            <a:ext cx="1524000" cy="457200"/>
+          </a:xfrm>
+          <a:prstGeom prst="ellipse">
+            <a:avLst/>
+          </a:prstGeom>
+          <a:solidFill>
+            <a:schemeClr val="bg1">
+              <a:lumMod val="75000"/>
+            </a:schemeClr>
+          </a:solidFill>
+          <a:ln>
+            <a:solidFill>
+              <a:schemeClr val="tx1"/>
+            </a:solidFill>
+          </a:ln>
+        </p:spPr>
+        <p:style>
+          <a:lnRef idx="2">
+            <a:schemeClr val="accent1">
+              <a:shade val="50000"/>
+            </a:schemeClr>
+          </a:lnRef>
+          <a:fillRef idx="1">
+            <a:schemeClr val="accent1"/>
+          </a:fillRef>
+          <a:effectRef idx="0">
+            <a:schemeClr val="accent1"/>
+          </a:effectRef>
+          <a:fontRef idx="minor">
+            <a:schemeClr val="lt1"/>
+          </a:fontRef>
+        </p:style>
+        <p:txBody>
+          <a:bodyPr rtlCol="0" anchor="ctr"/>
+          <a:lstStyle/>
+          <a:p>
+            <a:pPr algn="ctr"/>
+            <a:r>
+              <a:rPr lang="en-US" dirty="0">
+                <a:solidFill>
+                  <a:schemeClr val="tx1"/>
+                </a:solidFill>
+              </a:rPr>
+              <a:t>Address</a:t>
+            </a:r>
+          </a:p>
+        </p:txBody>
+      </p:sp>
+      <p:cxnSp>
+        <p:nvCxnSpPr>
+          <p:cNvPr id="89" name="Straight Connector 88"/>
+          <p:cNvCxnSpPr>
+            <a:stCxn id="69" idx="0"/>
+            <a:endCxn id="80" idx="3"/>
+          </p:cNvCxnSpPr>
+          <p:nvPr/>
+        </p:nvCxnSpPr>
+        <p:spPr>
+          <a:xfrm rot="5400000" flipH="1" flipV="1">
+            <a:off x="3088016" y="1569432"/>
+            <a:ext cx="1590955" cy="1670985"/>
+          </a:xfrm>
+          <a:prstGeom prst="line">
+            <a:avLst/>
+          </a:prstGeom>
+          <a:ln>
+            <a:solidFill>
+              <a:schemeClr val="tx1"/>
+            </a:solidFill>
+          </a:ln>
+        </p:spPr>
+        <p:style>
+          <a:lnRef idx="1">
+            <a:schemeClr val="accent1"/>
+          </a:lnRef>
+          <a:fillRef idx="0">
+            <a:schemeClr val="accent1"/>
+          </a:fillRef>
+          <a:effectRef idx="0">
+            <a:schemeClr val="accent1"/>
+          </a:effectRef>
+          <a:fontRef idx="minor">
+            <a:schemeClr val="tx1"/>
+          </a:fontRef>
+        </p:style>
+      </p:cxnSp>
+      <p:sp>
+        <p:nvSpPr>
+          <p:cNvPr id="90" name="Oval 89"/>
+          <p:cNvSpPr/>
+          <p:nvPr/>
+        </p:nvSpPr>
+        <p:spPr>
+          <a:xfrm>
+            <a:off x="1981200" y="5562600"/>
+            <a:ext cx="1905000" cy="457200"/>
+          </a:xfrm>
+          <a:prstGeom prst="ellipse">
+            <a:avLst/>
+          </a:prstGeom>
+          <a:solidFill>
+            <a:schemeClr val="bg1">
+              <a:lumMod val="75000"/>
+            </a:schemeClr>
+          </a:solidFill>
+          <a:ln>
+            <a:solidFill>
+              <a:schemeClr val="tx1"/>
+            </a:solidFill>
+          </a:ln>
+        </p:spPr>
+        <p:style>
+          <a:lnRef idx="2">
+            <a:schemeClr val="accent1">
+              <a:shade val="50000"/>
+            </a:schemeClr>
+          </a:lnRef>
+          <a:fillRef idx="1">
+            <a:schemeClr val="accent1"/>
+          </a:fillRef>
+          <a:effectRef idx="0">
+            <a:schemeClr val="accent1"/>
+          </a:effectRef>
+          <a:fontRef idx="minor">
+            <a:schemeClr val="lt1"/>
+          </a:fontRef>
+        </p:style>
+        <p:txBody>
+          <a:bodyPr rtlCol="0" anchor="ctr"/>
+          <a:lstStyle/>
+          <a:p>
+            <a:pPr algn="ctr"/>
+            <a:r>
+              <a:rPr lang="en-US" dirty="0">
+                <a:solidFill>
+                  <a:schemeClr val="tx1"/>
+                </a:solidFill>
+              </a:rPr>
+              <a:t>Contact no.</a:t>
+            </a:r>
+          </a:p>
+        </p:txBody>
+      </p:sp>
+      <p:cxnSp>
+        <p:nvCxnSpPr>
+          <p:cNvPr id="91" name="Straight Connector 90"/>
+          <p:cNvCxnSpPr>
+            <a:stCxn id="90" idx="0"/>
+            <a:endCxn id="69" idx="2"/>
+          </p:cNvCxnSpPr>
+          <p:nvPr/>
+        </p:nvCxnSpPr>
+        <p:spPr>
+          <a:xfrm rot="5400000" flipH="1" flipV="1">
+            <a:off x="2114550" y="4629150"/>
+            <a:ext cx="1752600" cy="114300"/>
+          </a:xfrm>
+          <a:prstGeom prst="line">
+            <a:avLst/>
+          </a:prstGeom>
+          <a:ln>
+            <a:solidFill>
+              <a:schemeClr val="tx1"/>
+            </a:solidFill>
+          </a:ln>
+        </p:spPr>
+        <p:style>
+          <a:lnRef idx="1">
+            <a:schemeClr val="accent1"/>
+          </a:lnRef>
+          <a:fillRef idx="0">
+            <a:schemeClr val="accent1"/>
+          </a:fillRef>
+          <a:effectRef idx="0">
+            <a:schemeClr val="accent1"/>
+          </a:effectRef>
+          <a:fontRef idx="minor">
+            <a:schemeClr val="tx1"/>
+          </a:fontRef>
+        </p:style>
+      </p:cxnSp>
+      <p:cxnSp>
+        <p:nvCxnSpPr>
+          <p:cNvPr id="94" name="Straight Connector 93"/>
+          <p:cNvCxnSpPr>
+            <a:stCxn id="95" idx="0"/>
+            <a:endCxn id="69" idx="0"/>
+          </p:cNvCxnSpPr>
+          <p:nvPr/>
+        </p:nvCxnSpPr>
+        <p:spPr>
+          <a:xfrm rot="16200000" flipH="1" flipV="1">
+            <a:off x="3409950" y="1847850"/>
+            <a:ext cx="990600" cy="1714500"/>
+          </a:xfrm>
+          <a:prstGeom prst="line">
+            <a:avLst/>
+          </a:prstGeom>
+          <a:ln>
+            <a:solidFill>
+              <a:schemeClr val="tx1"/>
+            </a:solidFill>
+          </a:ln>
+        </p:spPr>
+        <p:style>
+          <a:lnRef idx="1">
+            <a:schemeClr val="accent1"/>
+          </a:lnRef>
+          <a:fillRef idx="0">
+            <a:schemeClr val="accent1"/>
+          </a:fillRef>
+          <a:effectRef idx="0">
+            <a:schemeClr val="accent1"/>
+          </a:effectRef>
+          <a:fontRef idx="minor">
+            <a:schemeClr val="tx1"/>
+          </a:fontRef>
+        </p:style>
+      </p:cxnSp>
+      <p:sp>
+        <p:nvSpPr>
+          <p:cNvPr id="95" name="Oval 94"/>
+          <p:cNvSpPr/>
+          <p:nvPr/>
+        </p:nvSpPr>
+        <p:spPr>
+          <a:xfrm>
+            <a:off x="4114800" y="2209800"/>
+            <a:ext cx="1295400" cy="381000"/>
+          </a:xfrm>
+          <a:prstGeom prst="ellipse">
+            <a:avLst/>
+          </a:prstGeom>
+          <a:solidFill>
+            <a:schemeClr val="bg1">
+              <a:lumMod val="75000"/>
+            </a:schemeClr>
+          </a:solidFill>
+          <a:ln>
+            <a:solidFill>
+              <a:schemeClr val="tx1"/>
+            </a:solidFill>
+          </a:ln>
+        </p:spPr>
+        <p:style>
+          <a:lnRef idx="2">
+            <a:schemeClr val="accent1">
+              <a:shade val="50000"/>
+            </a:schemeClr>
+          </a:lnRef>
+          <a:fillRef idx="1">
+            <a:schemeClr val="accent1"/>
+          </a:fillRef>
+          <a:effectRef idx="0">
+            <a:schemeClr val="accent1"/>
+          </a:effectRef>
+          <a:fontRef idx="minor">
+            <a:schemeClr val="lt1"/>
+          </a:fontRef>
+        </p:style>
+        <p:txBody>
+          <a:bodyPr rtlCol="0" anchor="ctr"/>
+          <a:lstStyle/>
+          <a:p>
+            <a:pPr algn="ctr"/>
+            <a:r>
+              <a:rPr lang="en-US" dirty="0">
+                <a:solidFill>
+                  <a:schemeClr val="tx1"/>
+                </a:solidFill>
+              </a:rPr>
+              <a:t>Gender</a:t>
+            </a:r>
+          </a:p>
+        </p:txBody>
+      </p:sp>
+      <p:sp>
+        <p:nvSpPr>
+          <p:cNvPr id="29" name="Rectangle 28"/>
+          <p:cNvSpPr/>
+          <p:nvPr/>
+        </p:nvSpPr>
+        <p:spPr>
+          <a:xfrm>
+            <a:off x="8763000" y="3276600"/>
+            <a:ext cx="1600200" cy="457200"/>
+          </a:xfrm>
+          <a:prstGeom prst="rect">
+            <a:avLst/>
+          </a:prstGeom>
+          <a:solidFill>
+            <a:schemeClr val="tx2">
+              <a:lumMod val="20000"/>
+              <a:lumOff val="80000"/>
+            </a:schemeClr>
+          </a:solidFill>
+          <a:ln>
+            <a:solidFill>
+              <a:schemeClr val="tx1"/>
+            </a:solidFill>
+          </a:ln>
+        </p:spPr>
+        <p:style>
+          <a:lnRef idx="2">
+            <a:schemeClr val="accent1">
+              <a:shade val="50000"/>
+            </a:schemeClr>
+          </a:lnRef>
+          <a:fillRef idx="1">
+            <a:schemeClr val="accent1"/>
+          </a:fillRef>
+          <a:effectRef idx="0">
+            <a:schemeClr val="accent1"/>
+          </a:effectRef>
+          <a:fontRef idx="minor">
+            <a:schemeClr val="lt1"/>
+          </a:fontRef>
+        </p:style>
+        <p:txBody>
+          <a:bodyPr rtlCol="0" anchor="ctr"/>
+          <a:lstStyle/>
+          <a:p>
+            <a:pPr algn="ctr"/>
+            <a:endParaRPr lang="en-US" dirty="0">
+              <a:solidFill>
+                <a:schemeClr val="tx1"/>
+              </a:solidFill>
+            </a:endParaRPr>
+          </a:p>
+          <a:p>
+            <a:pPr algn="ctr"/>
+            <a:r>
+              <a:rPr lang="en-US" dirty="0">
+                <a:solidFill>
+                  <a:schemeClr val="tx1"/>
+                </a:solidFill>
+              </a:rPr>
+              <a:t>Outdoor</a:t>
+            </a:r>
+          </a:p>
+          <a:p>
+            <a:pPr algn="ctr"/>
+            <a:endParaRPr lang="en-US" dirty="0"/>
+          </a:p>
+        </p:txBody>
+      </p:sp>
+      <p:sp>
+        <p:nvSpPr>
+          <p:cNvPr id="30" name="TextBox 29"/>
+          <p:cNvSpPr txBox="1"/>
+          <p:nvPr/>
+        </p:nvSpPr>
+        <p:spPr>
+          <a:xfrm>
+            <a:off x="5029200" y="3200401"/>
+            <a:ext cx="455574" cy="307777"/>
+          </a:xfrm>
+          <a:prstGeom prst="rect">
+            <a:avLst/>
+          </a:prstGeom>
+          <a:noFill/>
+        </p:spPr>
+        <p:txBody>
+          <a:bodyPr wrap="none" rtlCol="0">
+            <a:spAutoFit/>
+          </a:bodyPr>
+          <a:lstStyle/>
+          <a:p>
+            <a:r>
+              <a:rPr lang="en-US" sz="1400" dirty="0"/>
+              <a:t>0..*</a:t>
+            </a:r>
+          </a:p>
+        </p:txBody>
+      </p:sp>
+      <p:sp>
+        <p:nvSpPr>
+          <p:cNvPr id="31" name="TextBox 30"/>
+          <p:cNvSpPr txBox="1"/>
+          <p:nvPr/>
+        </p:nvSpPr>
+        <p:spPr>
+          <a:xfrm>
+            <a:off x="6781800" y="3200401"/>
+            <a:ext cx="457176" cy="307777"/>
+          </a:xfrm>
+          <a:prstGeom prst="rect">
+            <a:avLst/>
+          </a:prstGeom>
+          <a:noFill/>
+        </p:spPr>
+        <p:txBody>
+          <a:bodyPr wrap="none" rtlCol="0">
+            <a:spAutoFit/>
+          </a:bodyPr>
+          <a:lstStyle/>
+          <a:p>
+            <a:r>
+              <a:rPr lang="en-US" sz="1400" dirty="0"/>
+              <a:t>1..1</a:t>
+            </a:r>
+          </a:p>
+        </p:txBody>
+      </p:sp>
+    </p:spTree>
+    <p:extLst>
+      <p:ext uri="{BB962C8B-B14F-4D97-AF65-F5344CB8AC3E}">
+        <p14:creationId xmlns:p14="http://schemas.microsoft.com/office/powerpoint/2010/main" val="1236009013"/>
+      </p:ext>
+    </p:extLst>
+  </p:cSld>
+  <p:clrMapOvr>
+    <a:masterClrMapping/>
+  </p:clrMapOvr>
+</p:sld>
+</file>
+
+<file path=ppt/slides/slide9.xml><?xml version="1.0" encoding="utf-8"?>
+<p:sld xmlns:a="http://schemas.openxmlformats.org/drawingml/2006/main" xmlns:r="http://schemas.openxmlformats.org/officeDocument/2006/relationships" xmlns:p="http://schemas.openxmlformats.org/presentationml/2006/main">
+  <p:cSld>
+    <p:spTree>
+      <p:nvGrpSpPr>
+        <p:cNvPr id="1" name=""/>
+        <p:cNvGrpSpPr/>
+        <p:nvPr/>
+      </p:nvGrpSpPr>
+      <p:grpSpPr>
+        <a:xfrm>
+          <a:off x="0" y="0"/>
+          <a:ext cx="0" cy="0"/>
+          <a:chOff x="0" y="0"/>
+          <a:chExt cx="0" cy="0"/>
+        </a:xfrm>
+      </p:grpSpPr>
+      <p:grpSp>
+        <p:nvGrpSpPr>
+          <p:cNvPr id="94" name="Group 93">
+            <a:extLst>
+              <a:ext uri="{FF2B5EF4-FFF2-40B4-BE49-F238E27FC236}">
+                <a16:creationId xmlns:a16="http://schemas.microsoft.com/office/drawing/2014/main" id="{46AADE6A-F2A2-4276-B0E7-C20DF266D368}"/>
+              </a:ext>
+            </a:extLst>
+          </p:cNvPr>
+          <p:cNvGrpSpPr/>
+          <p:nvPr/>
+        </p:nvGrpSpPr>
+        <p:grpSpPr>
+          <a:xfrm>
+            <a:off x="829993" y="845845"/>
+            <a:ext cx="10177977" cy="5584784"/>
+            <a:chOff x="829993" y="845845"/>
+            <a:chExt cx="10177977" cy="5584784"/>
+          </a:xfrm>
+        </p:grpSpPr>
+        <p:grpSp>
+          <p:nvGrpSpPr>
+            <p:cNvPr id="26" name="Group 25">
+              <a:extLst>
+                <a:ext uri="{FF2B5EF4-FFF2-40B4-BE49-F238E27FC236}">
+                  <a16:creationId xmlns:a16="http://schemas.microsoft.com/office/drawing/2014/main" id="{BA780334-55E5-4AE2-9192-974C1276E848}"/>
+                </a:ext>
+              </a:extLst>
+            </p:cNvPr>
+            <p:cNvGrpSpPr/>
+            <p:nvPr/>
+          </p:nvGrpSpPr>
+          <p:grpSpPr>
+            <a:xfrm>
+              <a:off x="3523956" y="3486439"/>
+              <a:ext cx="2166424" cy="534572"/>
+              <a:chOff x="4851009" y="4161689"/>
+              <a:chExt cx="2166424" cy="534572"/>
+            </a:xfrm>
+          </p:grpSpPr>
+          <p:sp>
+            <p:nvSpPr>
+              <p:cNvPr id="22" name="TextBox 21">
+                <a:extLst>
+                  <a:ext uri="{FF2B5EF4-FFF2-40B4-BE49-F238E27FC236}">
+                    <a16:creationId xmlns:a16="http://schemas.microsoft.com/office/drawing/2014/main" id="{18C18538-D4ED-4976-A799-7100467F4DD6}"/>
+                  </a:ext>
+                </a:extLst>
+              </p:cNvPr>
+              <p:cNvSpPr txBox="1"/>
+              <p:nvPr/>
+            </p:nvSpPr>
+            <p:spPr>
+              <a:xfrm>
+                <a:off x="4963553" y="4232029"/>
+                <a:ext cx="1941342" cy="338554"/>
+              </a:xfrm>
+              <a:prstGeom prst="rect">
+                <a:avLst/>
+              </a:prstGeom>
+              <a:noFill/>
+              <a:ln w="12700">
+                <a:solidFill>
+                  <a:schemeClr val="tx1"/>
+                </a:solidFill>
+              </a:ln>
+            </p:spPr>
+            <p:txBody>
+              <a:bodyPr wrap="square" rtlCol="0">
+                <a:spAutoFit/>
+              </a:bodyPr>
+              <a:lstStyle/>
+              <a:p>
+                <a:pPr algn="ctr"/>
+                <a:r>
+                  <a:rPr lang="en-US" sz="1600" dirty="0"/>
+                  <a:t>Indoor</a:t>
+                </a:r>
+                <a:endParaRPr lang="bn-BD" sz="1600" dirty="0"/>
+              </a:p>
+            </p:txBody>
+          </p:sp>
+          <p:sp>
+            <p:nvSpPr>
+              <p:cNvPr id="23" name="Rectangle 22">
+                <a:extLst>
+                  <a:ext uri="{FF2B5EF4-FFF2-40B4-BE49-F238E27FC236}">
+                    <a16:creationId xmlns:a16="http://schemas.microsoft.com/office/drawing/2014/main" id="{E997C35A-88E7-4051-B5B0-3049C9FCE27D}"/>
+                  </a:ext>
+                </a:extLst>
+              </p:cNvPr>
+              <p:cNvSpPr/>
+              <p:nvPr/>
+            </p:nvSpPr>
+            <p:spPr>
+              <a:xfrm>
+                <a:off x="4851009" y="4161689"/>
+                <a:ext cx="2166424" cy="534572"/>
+              </a:xfrm>
+              <a:prstGeom prst="rect">
+                <a:avLst/>
+              </a:prstGeom>
+              <a:noFill/>
+              <a:ln>
+                <a:solidFill>
+                  <a:schemeClr val="tx1"/>
+                </a:solidFill>
+              </a:ln>
+            </p:spPr>
+            <p:style>
+              <a:lnRef idx="2">
+                <a:schemeClr val="accent6"/>
+              </a:lnRef>
+              <a:fillRef idx="1">
+                <a:schemeClr val="lt1"/>
+              </a:fillRef>
+              <a:effectRef idx="0">
+                <a:schemeClr val="accent6"/>
+              </a:effectRef>
+              <a:fontRef idx="minor">
+                <a:schemeClr val="dk1"/>
+              </a:fontRef>
+            </p:style>
+            <p:txBody>
+              <a:bodyPr rtlCol="0" anchor="ctr"/>
+              <a:lstStyle/>
+              <a:p>
+                <a:pPr algn="ctr"/>
+                <a:endParaRPr lang="bn-BD"/>
+              </a:p>
+            </p:txBody>
+          </p:sp>
+        </p:grpSp>
+        <p:grpSp>
+          <p:nvGrpSpPr>
+            <p:cNvPr id="39" name="Group 38">
+              <a:extLst>
+                <a:ext uri="{FF2B5EF4-FFF2-40B4-BE49-F238E27FC236}">
+                  <a16:creationId xmlns:a16="http://schemas.microsoft.com/office/drawing/2014/main" id="{98DE944F-3673-49C6-B701-8C4D58C16D96}"/>
+                </a:ext>
+              </a:extLst>
+            </p:cNvPr>
+            <p:cNvGrpSpPr/>
+            <p:nvPr/>
+          </p:nvGrpSpPr>
+          <p:grpSpPr>
+            <a:xfrm>
+              <a:off x="829993" y="845845"/>
+              <a:ext cx="10107637" cy="5584784"/>
+              <a:chOff x="2264898" y="1464823"/>
+              <a:chExt cx="10107637" cy="5584784"/>
+            </a:xfrm>
+          </p:grpSpPr>
+          <p:grpSp>
+            <p:nvGrpSpPr>
+              <p:cNvPr id="40" name="Group 39">
+                <a:extLst>
+                  <a:ext uri="{FF2B5EF4-FFF2-40B4-BE49-F238E27FC236}">
+                    <a16:creationId xmlns:a16="http://schemas.microsoft.com/office/drawing/2014/main" id="{587A08DF-7782-477F-A94F-CB0A45B0D1C9}"/>
+                  </a:ext>
+                </a:extLst>
+              </p:cNvPr>
+              <p:cNvGrpSpPr/>
+              <p:nvPr/>
+            </p:nvGrpSpPr>
+            <p:grpSpPr>
+              <a:xfrm>
+                <a:off x="2264898" y="1464823"/>
+                <a:ext cx="10107637" cy="5584784"/>
+                <a:chOff x="1322363" y="1605503"/>
+                <a:chExt cx="10107637" cy="5584784"/>
+              </a:xfrm>
+            </p:grpSpPr>
+            <p:grpSp>
+              <p:nvGrpSpPr>
+                <p:cNvPr id="42" name="Group 41">
+                  <a:extLst>
+                    <a:ext uri="{FF2B5EF4-FFF2-40B4-BE49-F238E27FC236}">
+                      <a16:creationId xmlns:a16="http://schemas.microsoft.com/office/drawing/2014/main" id="{3F5D9DB2-482B-4B25-B993-78C5417B3241}"/>
+                    </a:ext>
+                  </a:extLst>
+                </p:cNvPr>
+                <p:cNvGrpSpPr/>
+                <p:nvPr/>
+              </p:nvGrpSpPr>
+              <p:grpSpPr>
+                <a:xfrm>
+                  <a:off x="1322363" y="1605503"/>
+                  <a:ext cx="10107637" cy="5584784"/>
+                  <a:chOff x="1322363" y="1605503"/>
+                  <a:chExt cx="10107637" cy="5584784"/>
+                </a:xfrm>
+              </p:grpSpPr>
+              <p:sp>
+                <p:nvSpPr>
+                  <p:cNvPr id="46" name="TextBox 45">
+                    <a:extLst>
+                      <a:ext uri="{FF2B5EF4-FFF2-40B4-BE49-F238E27FC236}">
+                        <a16:creationId xmlns:a16="http://schemas.microsoft.com/office/drawing/2014/main" id="{27E4A431-6797-42D3-84C7-4D9ED15151B8}"/>
+                      </a:ext>
+                    </a:extLst>
+                  </p:cNvPr>
+                  <p:cNvSpPr txBox="1"/>
+                  <p:nvPr/>
+                </p:nvSpPr>
+                <p:spPr>
+                  <a:xfrm>
+                    <a:off x="1322363" y="2011680"/>
+                    <a:ext cx="1941342" cy="338554"/>
+                  </a:xfrm>
+                  <a:prstGeom prst="rect">
+                    <a:avLst/>
+                  </a:prstGeom>
+                  <a:noFill/>
+                  <a:ln w="12700">
+                    <a:solidFill>
+                      <a:schemeClr val="tx1"/>
+                    </a:solidFill>
+                  </a:ln>
+                </p:spPr>
+                <p:txBody>
+                  <a:bodyPr wrap="square" rtlCol="0">
+                    <a:spAutoFit/>
+                  </a:bodyPr>
+                  <a:lstStyle/>
+                  <a:p>
+                    <a:pPr algn="ctr"/>
+                    <a:r>
+                      <a:rPr lang="en-US" sz="1600" dirty="0"/>
+                      <a:t>Patient</a:t>
+                    </a:r>
+                    <a:endParaRPr lang="bn-BD" sz="1600" dirty="0"/>
+                  </a:p>
+                </p:txBody>
+              </p:sp>
+              <p:sp>
+                <p:nvSpPr>
+                  <p:cNvPr id="47" name="TextBox 46">
+                    <a:extLst>
+                      <a:ext uri="{FF2B5EF4-FFF2-40B4-BE49-F238E27FC236}">
+                        <a16:creationId xmlns:a16="http://schemas.microsoft.com/office/drawing/2014/main" id="{F706B8D0-4BAE-4879-BDF9-34F716D90A41}"/>
+                      </a:ext>
+                    </a:extLst>
+                  </p:cNvPr>
+                  <p:cNvSpPr txBox="1"/>
+                  <p:nvPr/>
+                </p:nvSpPr>
+                <p:spPr>
+                  <a:xfrm>
+                    <a:off x="7005713" y="2053884"/>
+                    <a:ext cx="1941342" cy="338554"/>
+                  </a:xfrm>
+                  <a:prstGeom prst="rect">
+                    <a:avLst/>
+                  </a:prstGeom>
+                  <a:noFill/>
+                  <a:ln w="12700">
+                    <a:solidFill>
+                      <a:schemeClr val="tx1"/>
+                    </a:solidFill>
+                  </a:ln>
+                </p:spPr>
+                <p:txBody>
+                  <a:bodyPr wrap="square" rtlCol="0">
+                    <a:spAutoFit/>
+                  </a:bodyPr>
+                  <a:lstStyle/>
+                  <a:p>
+                    <a:pPr algn="ctr"/>
+                    <a:r>
+                      <a:rPr lang="en-US" sz="1600" dirty="0">
+                        <a:solidFill>
+                          <a:schemeClr val="tx1"/>
+                        </a:solidFill>
+                      </a:rPr>
+                      <a:t>Admission</a:t>
+                    </a:r>
+                    <a:endParaRPr lang="bn-BD" sz="1600" dirty="0"/>
+                  </a:p>
+                </p:txBody>
+              </p:sp>
+              <p:sp>
+                <p:nvSpPr>
+                  <p:cNvPr id="48" name="Rectangle 47">
+                    <a:extLst>
+                      <a:ext uri="{FF2B5EF4-FFF2-40B4-BE49-F238E27FC236}">
+                        <a16:creationId xmlns:a16="http://schemas.microsoft.com/office/drawing/2014/main" id="{E38B3B03-9083-494B-8146-6168ED23343A}"/>
+                      </a:ext>
+                    </a:extLst>
+                  </p:cNvPr>
+                  <p:cNvSpPr/>
+                  <p:nvPr/>
+                </p:nvSpPr>
+                <p:spPr>
+                  <a:xfrm>
+                    <a:off x="6893169" y="1983544"/>
+                    <a:ext cx="2166424" cy="534572"/>
+                  </a:xfrm>
+                  <a:prstGeom prst="rect">
+                    <a:avLst/>
+                  </a:prstGeom>
+                  <a:noFill/>
+                  <a:ln>
+                    <a:solidFill>
+                      <a:schemeClr val="tx1"/>
+                    </a:solidFill>
+                  </a:ln>
+                </p:spPr>
+                <p:style>
+                  <a:lnRef idx="2">
+                    <a:schemeClr val="accent6"/>
+                  </a:lnRef>
+                  <a:fillRef idx="1">
+                    <a:schemeClr val="lt1"/>
+                  </a:fillRef>
+                  <a:effectRef idx="0">
+                    <a:schemeClr val="accent6"/>
+                  </a:effectRef>
+                  <a:fontRef idx="minor">
+                    <a:schemeClr val="dk1"/>
+                  </a:fontRef>
+                </p:style>
+                <p:txBody>
+                  <a:bodyPr rtlCol="0" anchor="ctr"/>
+                  <a:lstStyle/>
+                  <a:p>
+                    <a:pPr algn="ctr"/>
+                    <a:endParaRPr lang="bn-BD"/>
+                  </a:p>
+                </p:txBody>
+              </p:sp>
+              <p:sp>
+                <p:nvSpPr>
+                  <p:cNvPr id="49" name="Diamond 48">
+                    <a:extLst>
+                      <a:ext uri="{FF2B5EF4-FFF2-40B4-BE49-F238E27FC236}">
+                        <a16:creationId xmlns:a16="http://schemas.microsoft.com/office/drawing/2014/main" id="{1040AAEC-BA6C-4C47-A7A4-5438F2BABB93}"/>
+                      </a:ext>
+                    </a:extLst>
+                  </p:cNvPr>
+                  <p:cNvSpPr/>
+                  <p:nvPr/>
+                </p:nvSpPr>
+                <p:spPr>
+                  <a:xfrm>
+                    <a:off x="4262511" y="1605503"/>
+                    <a:ext cx="1294227" cy="1153550"/>
+                  </a:xfrm>
+                  <a:prstGeom prst="diamond">
+                    <a:avLst/>
+                  </a:prstGeom>
+                  <a:noFill/>
+                  <a:ln>
+                    <a:solidFill>
+                      <a:schemeClr val="tx1"/>
+                    </a:solidFill>
+                  </a:ln>
+                </p:spPr>
+                <p:style>
+                  <a:lnRef idx="2">
+                    <a:schemeClr val="accent1">
+                      <a:shade val="50000"/>
+                    </a:schemeClr>
+                  </a:lnRef>
+                  <a:fillRef idx="1">
+                    <a:schemeClr val="accent1"/>
+                  </a:fillRef>
+                  <a:effectRef idx="0">
+                    <a:schemeClr val="accent1"/>
+                  </a:effectRef>
+                  <a:fontRef idx="minor">
+                    <a:schemeClr val="lt1"/>
+                  </a:fontRef>
+                </p:style>
+                <p:txBody>
+                  <a:bodyPr rtlCol="0" anchor="ctr"/>
+                  <a:lstStyle/>
+                  <a:p>
+                    <a:pPr algn="ctr"/>
+                    <a:endParaRPr lang="bn-BD"/>
+                  </a:p>
+                </p:txBody>
+              </p:sp>
+              <p:sp>
+                <p:nvSpPr>
+                  <p:cNvPr id="50" name="Diamond 49">
+                    <a:extLst>
+                      <a:ext uri="{FF2B5EF4-FFF2-40B4-BE49-F238E27FC236}">
+                        <a16:creationId xmlns:a16="http://schemas.microsoft.com/office/drawing/2014/main" id="{2D2CCE80-CB3F-4278-A40C-EEB3DA6E881C}"/>
+                      </a:ext>
+                    </a:extLst>
+                  </p:cNvPr>
+                  <p:cNvSpPr/>
+                  <p:nvPr/>
+                </p:nvSpPr>
+                <p:spPr>
+                  <a:xfrm>
+                    <a:off x="4375051" y="1717598"/>
+                    <a:ext cx="1069145" cy="957495"/>
+                  </a:xfrm>
+                  <a:prstGeom prst="diamond">
+                    <a:avLst/>
+                  </a:prstGeom>
+                  <a:noFill/>
+                  <a:ln>
+                    <a:solidFill>
+                      <a:schemeClr val="tx1"/>
+                    </a:solidFill>
+                  </a:ln>
+                </p:spPr>
+                <p:style>
+                  <a:lnRef idx="2">
+                    <a:schemeClr val="accent1">
+                      <a:shade val="50000"/>
+                    </a:schemeClr>
+                  </a:lnRef>
+                  <a:fillRef idx="1">
+                    <a:schemeClr val="accent1"/>
+                  </a:fillRef>
+                  <a:effectRef idx="0">
+                    <a:schemeClr val="accent1"/>
+                  </a:effectRef>
+                  <a:fontRef idx="minor">
+                    <a:schemeClr val="lt1"/>
+                  </a:fontRef>
+                </p:style>
+                <p:txBody>
+                  <a:bodyPr rtlCol="0" anchor="ctr"/>
+                  <a:lstStyle/>
+                  <a:p>
+                    <a:endParaRPr lang="bn-BD" sz="1400" dirty="0">
+                      <a:solidFill>
+                        <a:schemeClr val="tx1"/>
+                      </a:solidFill>
+                    </a:endParaRPr>
+                  </a:p>
+                </p:txBody>
+              </p:sp>
+              <p:sp>
+                <p:nvSpPr>
+                  <p:cNvPr id="51" name="TextBox 50">
+                    <a:extLst>
+                      <a:ext uri="{FF2B5EF4-FFF2-40B4-BE49-F238E27FC236}">
+                        <a16:creationId xmlns:a16="http://schemas.microsoft.com/office/drawing/2014/main" id="{0D4CD513-D516-41E4-B121-007A74ED3400}"/>
+                      </a:ext>
+                    </a:extLst>
+                  </p:cNvPr>
+                  <p:cNvSpPr txBox="1"/>
+                  <p:nvPr/>
+                </p:nvSpPr>
+                <p:spPr>
+                  <a:xfrm>
+                    <a:off x="4501662" y="1983544"/>
+                    <a:ext cx="1055074" cy="461665"/>
+                  </a:xfrm>
+                  <a:prstGeom prst="rect">
+                    <a:avLst/>
+                  </a:prstGeom>
+                  <a:noFill/>
+                </p:spPr>
+                <p:txBody>
+                  <a:bodyPr wrap="square" rtlCol="0">
+                    <a:spAutoFit/>
+                  </a:bodyPr>
+                  <a:lstStyle/>
+                  <a:p>
+                    <a:r>
+                      <a:rPr lang="en-US" sz="1200" dirty="0">
+                        <a:solidFill>
+                          <a:schemeClr val="tx1"/>
+                        </a:solidFill>
+                      </a:rPr>
+                      <a:t>Get </a:t>
+                    </a:r>
+                  </a:p>
+                  <a:p>
+                    <a:r>
+                      <a:rPr lang="en-US" sz="1200" dirty="0">
+                        <a:solidFill>
+                          <a:schemeClr val="tx1"/>
+                        </a:solidFill>
+                      </a:rPr>
+                      <a:t>Admitted</a:t>
+                    </a:r>
+                    <a:endParaRPr lang="bn-BD" sz="1200" dirty="0"/>
+                  </a:p>
+                </p:txBody>
+              </p:sp>
+              <p:sp>
+                <p:nvSpPr>
+                  <p:cNvPr id="63" name="TextBox 62">
+                    <a:extLst>
+                      <a:ext uri="{FF2B5EF4-FFF2-40B4-BE49-F238E27FC236}">
+                        <a16:creationId xmlns:a16="http://schemas.microsoft.com/office/drawing/2014/main" id="{E18C4304-30B6-46F4-BBBF-8C61AF579C78}"/>
+                      </a:ext>
+                    </a:extLst>
+                  </p:cNvPr>
+                  <p:cNvSpPr txBox="1"/>
+                  <p:nvPr/>
+                </p:nvSpPr>
+                <p:spPr>
+                  <a:xfrm>
+                    <a:off x="1624822" y="5538836"/>
+                    <a:ext cx="1941342" cy="338554"/>
+                  </a:xfrm>
+                  <a:prstGeom prst="rect">
+                    <a:avLst/>
+                  </a:prstGeom>
+                  <a:noFill/>
+                  <a:ln w="12700">
+                    <a:solidFill>
+                      <a:schemeClr val="tx1"/>
+                    </a:solidFill>
+                  </a:ln>
+                </p:spPr>
+                <p:txBody>
+                  <a:bodyPr wrap="square" rtlCol="0">
+                    <a:spAutoFit/>
+                  </a:bodyPr>
+                  <a:lstStyle/>
+                  <a:p>
+                    <a:pPr algn="ctr"/>
+                    <a:r>
+                      <a:rPr lang="en-US" sz="1600" dirty="0">
+                        <a:solidFill>
+                          <a:schemeClr val="tx1"/>
+                        </a:solidFill>
+                      </a:rPr>
+                      <a:t>Specialist</a:t>
+                    </a:r>
+                    <a:endParaRPr lang="bn-BD" sz="1600" dirty="0"/>
+                  </a:p>
+                </p:txBody>
+              </p:sp>
+              <p:sp>
+                <p:nvSpPr>
+                  <p:cNvPr id="64" name="TextBox 63">
+                    <a:extLst>
+                      <a:ext uri="{FF2B5EF4-FFF2-40B4-BE49-F238E27FC236}">
+                        <a16:creationId xmlns:a16="http://schemas.microsoft.com/office/drawing/2014/main" id="{C022A638-254C-4740-9346-7F9F00F09DD4}"/>
+                      </a:ext>
+                    </a:extLst>
+                  </p:cNvPr>
+                  <p:cNvSpPr txBox="1"/>
+                  <p:nvPr/>
+                </p:nvSpPr>
+                <p:spPr>
+                  <a:xfrm>
+                    <a:off x="9488658" y="6851733"/>
+                    <a:ext cx="1941342" cy="338554"/>
+                  </a:xfrm>
+                  <a:prstGeom prst="rect">
+                    <a:avLst/>
+                  </a:prstGeom>
+                  <a:noFill/>
+                  <a:ln w="12700">
+                    <a:solidFill>
+                      <a:schemeClr val="tx1"/>
+                    </a:solidFill>
+                  </a:ln>
+                </p:spPr>
+                <p:txBody>
+                  <a:bodyPr wrap="square" rtlCol="0">
+                    <a:spAutoFit/>
+                  </a:bodyPr>
+                  <a:lstStyle/>
+                  <a:p>
+                    <a:pPr algn="ctr"/>
+                    <a:r>
+                      <a:rPr lang="en-US" sz="1600" dirty="0"/>
+                      <a:t>MI Doctor</a:t>
+                    </a:r>
+                    <a:endParaRPr lang="bn-BD" sz="1600" dirty="0"/>
+                  </a:p>
+                </p:txBody>
+              </p:sp>
+            </p:grpSp>
+            <p:cxnSp>
+              <p:nvCxnSpPr>
+                <p:cNvPr id="43" name="Straight Arrow Connector 42">
+                  <a:extLst>
+                    <a:ext uri="{FF2B5EF4-FFF2-40B4-BE49-F238E27FC236}">
+                      <a16:creationId xmlns:a16="http://schemas.microsoft.com/office/drawing/2014/main" id="{A62150E7-6929-4A5F-AB4F-21F71FD7D871}"/>
+                    </a:ext>
+                  </a:extLst>
+                </p:cNvPr>
+                <p:cNvCxnSpPr>
+                  <a:cxnSpLocks/>
+                  <a:stCxn id="49" idx="1"/>
+                  <a:endCxn id="46" idx="3"/>
+                </p:cNvCxnSpPr>
+                <p:nvPr/>
+              </p:nvCxnSpPr>
+              <p:spPr>
+                <a:xfrm flipH="1" flipV="1">
+                  <a:off x="3263705" y="2180957"/>
+                  <a:ext cx="998806" cy="1321"/>
+                </a:xfrm>
+                <a:prstGeom prst="straightConnector1">
+                  <a:avLst/>
+                </a:prstGeom>
+                <a:ln w="12700">
+                  <a:solidFill>
+                    <a:schemeClr val="tx1"/>
+                  </a:solidFill>
+                  <a:tailEnd type="triangle"/>
+                </a:ln>
+              </p:spPr>
+              <p:style>
+                <a:lnRef idx="1">
+                  <a:schemeClr val="accent1"/>
+                </a:lnRef>
+                <a:fillRef idx="0">
+                  <a:schemeClr val="accent1"/>
+                </a:fillRef>
+                <a:effectRef idx="0">
+                  <a:schemeClr val="accent1"/>
+                </a:effectRef>
+                <a:fontRef idx="minor">
+                  <a:schemeClr val="tx1"/>
+                </a:fontRef>
+              </p:style>
+            </p:cxnSp>
+            <p:cxnSp>
+              <p:nvCxnSpPr>
+                <p:cNvPr id="44" name="Straight Connector 43">
+                  <a:extLst>
+                    <a:ext uri="{FF2B5EF4-FFF2-40B4-BE49-F238E27FC236}">
+                      <a16:creationId xmlns:a16="http://schemas.microsoft.com/office/drawing/2014/main" id="{2E944088-2328-4605-A68F-270C444B3F14}"/>
+                    </a:ext>
+                  </a:extLst>
+                </p:cNvPr>
+                <p:cNvCxnSpPr>
+                  <a:cxnSpLocks/>
+                </p:cNvCxnSpPr>
+                <p:nvPr/>
+              </p:nvCxnSpPr>
+              <p:spPr>
+                <a:xfrm>
+                  <a:off x="5444196" y="2124224"/>
+                  <a:ext cx="1448973" cy="0"/>
+                </a:xfrm>
+                <a:prstGeom prst="line">
+                  <a:avLst/>
+                </a:prstGeom>
+                <a:ln w="12700">
+                  <a:solidFill>
+                    <a:schemeClr val="tx1"/>
+                  </a:solidFill>
+                </a:ln>
+              </p:spPr>
+              <p:style>
+                <a:lnRef idx="1">
+                  <a:schemeClr val="accent1"/>
+                </a:lnRef>
+                <a:fillRef idx="0">
+                  <a:schemeClr val="accent1"/>
+                </a:fillRef>
+                <a:effectRef idx="0">
+                  <a:schemeClr val="accent1"/>
+                </a:effectRef>
+                <a:fontRef idx="minor">
+                  <a:schemeClr val="tx1"/>
+                </a:fontRef>
+              </p:style>
+            </p:cxnSp>
+            <p:cxnSp>
+              <p:nvCxnSpPr>
+                <p:cNvPr id="45" name="Straight Connector 44">
+                  <a:extLst>
+                    <a:ext uri="{FF2B5EF4-FFF2-40B4-BE49-F238E27FC236}">
+                      <a16:creationId xmlns:a16="http://schemas.microsoft.com/office/drawing/2014/main" id="{ECA72766-FA88-4B32-B093-2EF4D3509E62}"/>
+                    </a:ext>
+                  </a:extLst>
+                </p:cNvPr>
+                <p:cNvCxnSpPr>
+                  <a:cxnSpLocks/>
+                </p:cNvCxnSpPr>
+                <p:nvPr/>
+              </p:nvCxnSpPr>
+              <p:spPr>
+                <a:xfrm>
+                  <a:off x="5458264" y="2252618"/>
+                  <a:ext cx="1448973" cy="0"/>
+                </a:xfrm>
+                <a:prstGeom prst="line">
+                  <a:avLst/>
+                </a:prstGeom>
+                <a:ln w="12700">
+                  <a:solidFill>
+                    <a:schemeClr val="tx1"/>
+                  </a:solidFill>
+                </a:ln>
+              </p:spPr>
+              <p:style>
+                <a:lnRef idx="1">
+                  <a:schemeClr val="accent1"/>
+                </a:lnRef>
+                <a:fillRef idx="0">
+                  <a:schemeClr val="accent1"/>
+                </a:fillRef>
+                <a:effectRef idx="0">
+                  <a:schemeClr val="accent1"/>
+                </a:effectRef>
+                <a:fontRef idx="minor">
+                  <a:schemeClr val="tx1"/>
+                </a:fontRef>
+              </p:style>
+            </p:cxnSp>
+          </p:grpSp>
+          <p:sp>
+            <p:nvSpPr>
+              <p:cNvPr id="41" name="Down Arrow 115">
+                <a:extLst>
+                  <a:ext uri="{FF2B5EF4-FFF2-40B4-BE49-F238E27FC236}">
+                    <a16:creationId xmlns:a16="http://schemas.microsoft.com/office/drawing/2014/main" id="{A1531148-6BF1-474F-8246-A31E74344A6D}"/>
+                  </a:ext>
+                </a:extLst>
+              </p:cNvPr>
+              <p:cNvSpPr/>
+              <p:nvPr/>
+            </p:nvSpPr>
+            <p:spPr>
+              <a:xfrm>
+                <a:off x="8412481" y="2376662"/>
+                <a:ext cx="1016899" cy="1082431"/>
+              </a:xfrm>
+              <a:prstGeom prst="downArrow">
+                <a:avLst>
+                  <a:gd name="adj1" fmla="val 50000"/>
+                  <a:gd name="adj2" fmla="val 51933"/>
+                </a:avLst>
+              </a:prstGeom>
+              <a:solidFill>
+                <a:schemeClr val="bg1">
+                  <a:lumMod val="65000"/>
+                </a:schemeClr>
+              </a:solidFill>
+            </p:spPr>
+            <p:style>
+              <a:lnRef idx="2">
+                <a:schemeClr val="accent1">
+                  <a:shade val="50000"/>
+                </a:schemeClr>
+              </a:lnRef>
+              <a:fillRef idx="1">
+                <a:schemeClr val="accent1"/>
+              </a:fillRef>
+              <a:effectRef idx="0">
+                <a:schemeClr val="accent1"/>
+              </a:effectRef>
+              <a:fontRef idx="minor">
+                <a:schemeClr val="lt1"/>
+              </a:fontRef>
+            </p:style>
+            <p:txBody>
+              <a:bodyPr wrap="none" rtlCol="0" anchor="ctr">
+                <a:normAutofit fontScale="55000" lnSpcReduction="20000"/>
+              </a:bodyPr>
+              <a:lstStyle/>
+              <a:p>
+                <a:pPr algn="ctr"/>
+                <a:endParaRPr lang="en-US" sz="1000" dirty="0">
+                  <a:solidFill>
+                    <a:schemeClr val="tx1"/>
+                  </a:solidFill>
+                </a:endParaRPr>
+              </a:p>
+              <a:p>
+                <a:pPr algn="ctr"/>
+                <a:endParaRPr lang="en-US" sz="1000" dirty="0">
+                  <a:solidFill>
+                    <a:schemeClr val="tx1"/>
+                  </a:solidFill>
+                </a:endParaRPr>
+              </a:p>
+              <a:p>
+                <a:pPr algn="ctr"/>
+                <a:endParaRPr lang="en-US" sz="1000" dirty="0">
+                  <a:solidFill>
+                    <a:schemeClr val="tx1"/>
+                  </a:solidFill>
+                </a:endParaRPr>
+              </a:p>
+              <a:p>
+                <a:pPr algn="ctr"/>
+                <a:endParaRPr lang="en-US" sz="1000" dirty="0">
+                  <a:solidFill>
+                    <a:schemeClr val="tx1"/>
+                  </a:solidFill>
+                </a:endParaRPr>
+              </a:p>
+              <a:p>
+                <a:pPr algn="ctr"/>
+                <a:endParaRPr lang="en-US" sz="3100" dirty="0">
+                  <a:solidFill>
+                    <a:schemeClr val="tx1"/>
+                  </a:solidFill>
+                </a:endParaRPr>
+              </a:p>
+              <a:p>
+                <a:pPr algn="ctr"/>
+                <a:r>
+                  <a:rPr lang="en-US" sz="3100" dirty="0">
+                    <a:solidFill>
+                      <a:schemeClr val="tx1"/>
+                    </a:solidFill>
+                  </a:rPr>
+                  <a:t>ISA</a:t>
+                </a:r>
+              </a:p>
+              <a:p>
+                <a:pPr algn="ctr"/>
+                <a:endParaRPr lang="en-US" sz="1000" dirty="0">
+                  <a:solidFill>
+                    <a:schemeClr val="tx1"/>
+                  </a:solidFill>
+                </a:endParaRPr>
+              </a:p>
+              <a:p>
+                <a:pPr algn="ctr"/>
+                <a:endParaRPr lang="en-US" sz="1100" dirty="0">
+                  <a:solidFill>
+                    <a:schemeClr val="tx1"/>
+                  </a:solidFill>
+                </a:endParaRPr>
+              </a:p>
+            </p:txBody>
+          </p:sp>
+        </p:grpSp>
+        <p:grpSp>
+          <p:nvGrpSpPr>
+            <p:cNvPr id="52" name="Group 51">
+              <a:extLst>
+                <a:ext uri="{FF2B5EF4-FFF2-40B4-BE49-F238E27FC236}">
+                  <a16:creationId xmlns:a16="http://schemas.microsoft.com/office/drawing/2014/main" id="{402D03FA-7C4F-4F6F-8C6A-1062E23103F8}"/>
+                </a:ext>
+              </a:extLst>
+            </p:cNvPr>
+            <p:cNvGrpSpPr/>
+            <p:nvPr/>
+          </p:nvGrpSpPr>
+          <p:grpSpPr>
+            <a:xfrm>
+              <a:off x="8841546" y="3444237"/>
+              <a:ext cx="2166424" cy="534572"/>
+              <a:chOff x="4851009" y="4161689"/>
+              <a:chExt cx="2166424" cy="534572"/>
+            </a:xfrm>
+          </p:grpSpPr>
+          <p:sp>
+            <p:nvSpPr>
+              <p:cNvPr id="53" name="TextBox 52">
+                <a:extLst>
+                  <a:ext uri="{FF2B5EF4-FFF2-40B4-BE49-F238E27FC236}">
+                    <a16:creationId xmlns:a16="http://schemas.microsoft.com/office/drawing/2014/main" id="{BCB27FAF-7172-44F0-8BBB-EFEB684679C4}"/>
+                  </a:ext>
+                </a:extLst>
+              </p:cNvPr>
+              <p:cNvSpPr txBox="1"/>
+              <p:nvPr/>
+            </p:nvSpPr>
+            <p:spPr>
+              <a:xfrm>
+                <a:off x="4963553" y="4232029"/>
+                <a:ext cx="1941342" cy="338554"/>
+              </a:xfrm>
+              <a:prstGeom prst="rect">
+                <a:avLst/>
+              </a:prstGeom>
+              <a:noFill/>
+              <a:ln w="12700">
+                <a:solidFill>
+                  <a:schemeClr val="tx1"/>
+                </a:solidFill>
+              </a:ln>
+            </p:spPr>
+            <p:txBody>
+              <a:bodyPr wrap="square" rtlCol="0">
+                <a:spAutoFit/>
+              </a:bodyPr>
+              <a:lstStyle/>
+              <a:p>
+                <a:pPr algn="ctr"/>
+                <a:r>
+                  <a:rPr lang="en-US" sz="1600" dirty="0"/>
+                  <a:t>Outdoor</a:t>
+                </a:r>
+                <a:endParaRPr lang="bn-BD" sz="1600" dirty="0"/>
+              </a:p>
+            </p:txBody>
+          </p:sp>
+          <p:sp>
+            <p:nvSpPr>
+              <p:cNvPr id="54" name="Rectangle 53">
+                <a:extLst>
+                  <a:ext uri="{FF2B5EF4-FFF2-40B4-BE49-F238E27FC236}">
+                    <a16:creationId xmlns:a16="http://schemas.microsoft.com/office/drawing/2014/main" id="{A565A90F-79CC-4E12-96EF-C35768947D32}"/>
+                  </a:ext>
+                </a:extLst>
+              </p:cNvPr>
+              <p:cNvSpPr/>
+              <p:nvPr/>
+            </p:nvSpPr>
+            <p:spPr>
+              <a:xfrm>
+                <a:off x="4851009" y="4161689"/>
+                <a:ext cx="2166424" cy="534572"/>
+              </a:xfrm>
+              <a:prstGeom prst="rect">
+                <a:avLst/>
+              </a:prstGeom>
+              <a:noFill/>
+              <a:ln>
+                <a:solidFill>
+                  <a:schemeClr val="tx1"/>
+                </a:solidFill>
+              </a:ln>
+            </p:spPr>
+            <p:style>
+              <a:lnRef idx="2">
+                <a:schemeClr val="accent6"/>
+              </a:lnRef>
+              <a:fillRef idx="1">
+                <a:schemeClr val="lt1"/>
+              </a:fillRef>
+              <a:effectRef idx="0">
+                <a:schemeClr val="accent6"/>
+              </a:effectRef>
+              <a:fontRef idx="minor">
+                <a:schemeClr val="dk1"/>
+              </a:fontRef>
+            </p:style>
+            <p:txBody>
+              <a:bodyPr rtlCol="0" anchor="ctr"/>
+              <a:lstStyle/>
+              <a:p>
+                <a:pPr algn="ctr"/>
+                <a:endParaRPr lang="bn-BD"/>
+              </a:p>
+            </p:txBody>
+          </p:sp>
+        </p:grpSp>
+        <p:sp>
+          <p:nvSpPr>
+            <p:cNvPr id="55" name="Diamond 54">
+              <a:extLst>
+                <a:ext uri="{FF2B5EF4-FFF2-40B4-BE49-F238E27FC236}">
+                  <a16:creationId xmlns:a16="http://schemas.microsoft.com/office/drawing/2014/main" id="{E4CD69F7-8338-4205-8FC3-AEFEABD2F935}"/>
+                </a:ext>
+              </a:extLst>
+            </p:cNvPr>
+            <p:cNvSpPr/>
+            <p:nvPr/>
+          </p:nvSpPr>
+          <p:spPr>
+            <a:xfrm>
+              <a:off x="1568551" y="3318969"/>
+              <a:ext cx="1069145" cy="957495"/>
+            </a:xfrm>
+            <a:prstGeom prst="diamond">
+              <a:avLst/>
+            </a:prstGeom>
+            <a:noFill/>
+            <a:ln>
+              <a:solidFill>
+                <a:schemeClr val="tx1"/>
+              </a:solidFill>
+            </a:ln>
+          </p:spPr>
+          <p:style>
+            <a:lnRef idx="2">
+              <a:schemeClr val="accent1">
+                <a:shade val="50000"/>
+              </a:schemeClr>
+            </a:lnRef>
+            <a:fillRef idx="1">
+              <a:schemeClr val="accent1"/>
+            </a:fillRef>
+            <a:effectRef idx="0">
+              <a:schemeClr val="accent1"/>
+            </a:effectRef>
+            <a:fontRef idx="minor">
+              <a:schemeClr val="lt1"/>
+            </a:fontRef>
+          </p:style>
+          <p:txBody>
+            <a:bodyPr rtlCol="0" anchor="ctr"/>
+            <a:lstStyle/>
+            <a:p>
+              <a:endParaRPr lang="bn-BD" sz="1400" dirty="0">
+                <a:solidFill>
+                  <a:schemeClr val="tx1"/>
+                </a:solidFill>
+              </a:endParaRPr>
+            </a:p>
+          </p:txBody>
+        </p:sp>
+        <p:sp>
+          <p:nvSpPr>
+            <p:cNvPr id="56" name="TextBox 55">
+              <a:extLst>
+                <a:ext uri="{FF2B5EF4-FFF2-40B4-BE49-F238E27FC236}">
+                  <a16:creationId xmlns:a16="http://schemas.microsoft.com/office/drawing/2014/main" id="{D048049B-FDDB-4E6E-B2D4-D457AB31BE23}"/>
+                </a:ext>
+              </a:extLst>
+            </p:cNvPr>
+            <p:cNvSpPr txBox="1"/>
+            <p:nvPr/>
+          </p:nvSpPr>
+          <p:spPr>
+            <a:xfrm>
+              <a:off x="1596686" y="3528643"/>
+              <a:ext cx="1055074" cy="461665"/>
+            </a:xfrm>
+            <a:prstGeom prst="rect">
+              <a:avLst/>
+            </a:prstGeom>
+            <a:noFill/>
+          </p:spPr>
+          <p:txBody>
+            <a:bodyPr wrap="square" rtlCol="0">
+              <a:spAutoFit/>
+            </a:bodyPr>
+            <a:lstStyle/>
+            <a:p>
+              <a:pPr algn="ctr"/>
+              <a:r>
+                <a:rPr lang="en-US" sz="1200" dirty="0">
+                  <a:solidFill>
+                    <a:schemeClr val="tx1"/>
+                  </a:solidFill>
+                </a:rPr>
+                <a:t>Specialist</a:t>
+              </a:r>
+            </a:p>
+            <a:p>
+              <a:pPr algn="ctr"/>
+              <a:r>
+                <a:rPr lang="en-US" sz="1200" dirty="0">
+                  <a:solidFill>
+                    <a:schemeClr val="tx1"/>
+                  </a:solidFill>
+                </a:rPr>
+                <a:t>Treats Indoor</a:t>
+              </a:r>
+              <a:endParaRPr lang="bn-BD" sz="1200" dirty="0"/>
+            </a:p>
+          </p:txBody>
+        </p:sp>
+        <p:sp>
+          <p:nvSpPr>
+            <p:cNvPr id="57" name="Diamond 56">
+              <a:extLst>
+                <a:ext uri="{FF2B5EF4-FFF2-40B4-BE49-F238E27FC236}">
+                  <a16:creationId xmlns:a16="http://schemas.microsoft.com/office/drawing/2014/main" id="{F6E1A38E-6F6E-40B0-B954-0C484D80E700}"/>
+                </a:ext>
+              </a:extLst>
+            </p:cNvPr>
+            <p:cNvSpPr/>
+            <p:nvPr/>
+          </p:nvSpPr>
+          <p:spPr>
+            <a:xfrm>
+              <a:off x="9355014" y="4641333"/>
+              <a:ext cx="1160585" cy="957495"/>
+            </a:xfrm>
+            <a:prstGeom prst="diamond">
+              <a:avLst/>
+            </a:prstGeom>
+            <a:noFill/>
+            <a:ln>
+              <a:solidFill>
+                <a:schemeClr val="tx1"/>
+              </a:solidFill>
+            </a:ln>
+          </p:spPr>
+          <p:style>
+            <a:lnRef idx="2">
+              <a:schemeClr val="accent1">
+                <a:shade val="50000"/>
+              </a:schemeClr>
+            </a:lnRef>
+            <a:fillRef idx="1">
+              <a:schemeClr val="accent1"/>
+            </a:fillRef>
+            <a:effectRef idx="0">
+              <a:schemeClr val="accent1"/>
+            </a:effectRef>
+            <a:fontRef idx="minor">
+              <a:schemeClr val="lt1"/>
+            </a:fontRef>
+          </p:style>
+          <p:txBody>
+            <a:bodyPr rtlCol="0" anchor="ctr"/>
+            <a:lstStyle/>
+            <a:p>
+              <a:endParaRPr lang="bn-BD" sz="1400" dirty="0">
+                <a:solidFill>
+                  <a:schemeClr val="tx1"/>
+                </a:solidFill>
+              </a:endParaRPr>
+            </a:p>
+          </p:txBody>
+        </p:sp>
+        <p:sp>
+          <p:nvSpPr>
+            <p:cNvPr id="58" name="TextBox 57">
+              <a:extLst>
+                <a:ext uri="{FF2B5EF4-FFF2-40B4-BE49-F238E27FC236}">
+                  <a16:creationId xmlns:a16="http://schemas.microsoft.com/office/drawing/2014/main" id="{66599EB4-40AF-4271-93AE-EA26CCC9D6C4}"/>
+                </a:ext>
+              </a:extLst>
+            </p:cNvPr>
+            <p:cNvSpPr txBox="1"/>
+            <p:nvPr/>
+          </p:nvSpPr>
+          <p:spPr>
+            <a:xfrm>
+              <a:off x="9432389" y="4822871"/>
+              <a:ext cx="1055074" cy="646331"/>
+            </a:xfrm>
+            <a:prstGeom prst="rect">
+              <a:avLst/>
+            </a:prstGeom>
+            <a:noFill/>
+          </p:spPr>
+          <p:txBody>
+            <a:bodyPr wrap="square" rtlCol="0">
+              <a:spAutoFit/>
+            </a:bodyPr>
+            <a:lstStyle/>
+            <a:p>
+              <a:pPr algn="ctr"/>
+              <a:r>
+                <a:rPr lang="en-US" sz="1200" dirty="0">
+                  <a:solidFill>
+                    <a:schemeClr val="tx1"/>
+                  </a:solidFill>
+                </a:rPr>
+                <a:t>MI Doctor</a:t>
+              </a:r>
+            </a:p>
+            <a:p>
+              <a:pPr algn="ctr"/>
+              <a:r>
+                <a:rPr lang="en-US" sz="1200" dirty="0">
+                  <a:solidFill>
+                    <a:schemeClr val="tx1"/>
+                  </a:solidFill>
+                </a:rPr>
+                <a:t>Treats Outdoor</a:t>
+              </a:r>
+            </a:p>
+          </p:txBody>
+        </p:sp>
+        <p:cxnSp>
+          <p:nvCxnSpPr>
+            <p:cNvPr id="68" name="Straight Connector 67">
+              <a:extLst>
+                <a:ext uri="{FF2B5EF4-FFF2-40B4-BE49-F238E27FC236}">
+                  <a16:creationId xmlns:a16="http://schemas.microsoft.com/office/drawing/2014/main" id="{18A95425-E20B-45F3-B189-8802B677473A}"/>
+                </a:ext>
+              </a:extLst>
+            </p:cNvPr>
+            <p:cNvCxnSpPr>
+              <a:cxnSpLocks/>
+            </p:cNvCxnSpPr>
+            <p:nvPr/>
+          </p:nvCxnSpPr>
+          <p:spPr>
+            <a:xfrm flipV="1">
+              <a:off x="2623624" y="3787612"/>
+              <a:ext cx="900332" cy="1"/>
+            </a:xfrm>
+            <a:prstGeom prst="line">
+              <a:avLst/>
+            </a:prstGeom>
+            <a:ln w="12700"/>
+          </p:spPr>
+          <p:style>
+            <a:lnRef idx="1">
+              <a:schemeClr val="dk1"/>
+            </a:lnRef>
+            <a:fillRef idx="0">
+              <a:schemeClr val="dk1"/>
+            </a:fillRef>
+            <a:effectRef idx="0">
+              <a:schemeClr val="dk1"/>
+            </a:effectRef>
+            <a:fontRef idx="minor">
+              <a:schemeClr val="tx1"/>
+            </a:fontRef>
+          </p:style>
+        </p:cxnSp>
+        <p:cxnSp>
+          <p:nvCxnSpPr>
+            <p:cNvPr id="70" name="Straight Connector 69">
+              <a:extLst>
+                <a:ext uri="{FF2B5EF4-FFF2-40B4-BE49-F238E27FC236}">
+                  <a16:creationId xmlns:a16="http://schemas.microsoft.com/office/drawing/2014/main" id="{68328A75-E54F-451A-9356-A950A3D3167D}"/>
+                </a:ext>
+              </a:extLst>
+            </p:cNvPr>
+            <p:cNvCxnSpPr>
+              <a:cxnSpLocks/>
+            </p:cNvCxnSpPr>
+            <p:nvPr/>
+          </p:nvCxnSpPr>
+          <p:spPr>
+            <a:xfrm flipV="1">
+              <a:off x="5662244" y="3797716"/>
+              <a:ext cx="900332" cy="1"/>
+            </a:xfrm>
+            <a:prstGeom prst="line">
+              <a:avLst/>
+            </a:prstGeom>
+            <a:ln w="12700"/>
+          </p:spPr>
+          <p:style>
+            <a:lnRef idx="1">
+              <a:schemeClr val="dk1"/>
+            </a:lnRef>
+            <a:fillRef idx="0">
+              <a:schemeClr val="dk1"/>
+            </a:fillRef>
+            <a:effectRef idx="0">
+              <a:schemeClr val="dk1"/>
+            </a:effectRef>
+            <a:fontRef idx="minor">
+              <a:schemeClr val="tx1"/>
+            </a:fontRef>
+          </p:style>
+        </p:cxnSp>
+        <p:cxnSp>
+          <p:nvCxnSpPr>
+            <p:cNvPr id="71" name="Straight Connector 70">
+              <a:extLst>
+                <a:ext uri="{FF2B5EF4-FFF2-40B4-BE49-F238E27FC236}">
+                  <a16:creationId xmlns:a16="http://schemas.microsoft.com/office/drawing/2014/main" id="{EE2183E1-7B90-45D8-B4B7-B49518297FEC}"/>
+                </a:ext>
+              </a:extLst>
+            </p:cNvPr>
+            <p:cNvCxnSpPr>
+              <a:cxnSpLocks/>
+            </p:cNvCxnSpPr>
+            <p:nvPr/>
+          </p:nvCxnSpPr>
+          <p:spPr>
+            <a:xfrm flipV="1">
+              <a:off x="6534446" y="2298899"/>
+              <a:ext cx="0" cy="1482410"/>
+            </a:xfrm>
+            <a:prstGeom prst="line">
+              <a:avLst/>
+            </a:prstGeom>
+            <a:ln w="12700"/>
+          </p:spPr>
+          <p:style>
+            <a:lnRef idx="1">
+              <a:schemeClr val="dk1"/>
+            </a:lnRef>
+            <a:fillRef idx="0">
+              <a:schemeClr val="dk1"/>
+            </a:fillRef>
+            <a:effectRef idx="0">
+              <a:schemeClr val="dk1"/>
+            </a:effectRef>
+            <a:fontRef idx="minor">
+              <a:schemeClr val="tx1"/>
+            </a:fontRef>
+          </p:style>
+        </p:cxnSp>
+        <p:cxnSp>
+          <p:nvCxnSpPr>
+            <p:cNvPr id="78" name="Straight Connector 77">
+              <a:extLst>
+                <a:ext uri="{FF2B5EF4-FFF2-40B4-BE49-F238E27FC236}">
+                  <a16:creationId xmlns:a16="http://schemas.microsoft.com/office/drawing/2014/main" id="{FF75C39B-0EB5-4518-AEBD-B32910207F6E}"/>
+                </a:ext>
+              </a:extLst>
+            </p:cNvPr>
+            <p:cNvCxnSpPr>
+              <a:cxnSpLocks/>
+            </p:cNvCxnSpPr>
+            <p:nvPr/>
+          </p:nvCxnSpPr>
+          <p:spPr>
+            <a:xfrm>
+              <a:off x="7994475" y="2335226"/>
+              <a:ext cx="1930283" cy="0"/>
+            </a:xfrm>
+            <a:prstGeom prst="line">
+              <a:avLst/>
+            </a:prstGeom>
+            <a:ln w="12700"/>
+          </p:spPr>
+          <p:style>
+            <a:lnRef idx="1">
+              <a:schemeClr val="dk1"/>
+            </a:lnRef>
+            <a:fillRef idx="0">
+              <a:schemeClr val="dk1"/>
+            </a:fillRef>
+            <a:effectRef idx="0">
+              <a:schemeClr val="dk1"/>
+            </a:effectRef>
+            <a:fontRef idx="minor">
+              <a:schemeClr val="tx1"/>
+            </a:fontRef>
+          </p:style>
+        </p:cxnSp>
+        <p:cxnSp>
+          <p:nvCxnSpPr>
+            <p:cNvPr id="81" name="Straight Connector 80">
+              <a:extLst>
+                <a:ext uri="{FF2B5EF4-FFF2-40B4-BE49-F238E27FC236}">
+                  <a16:creationId xmlns:a16="http://schemas.microsoft.com/office/drawing/2014/main" id="{AD71CA12-8286-45C7-B10D-88DB9C679B2C}"/>
+                </a:ext>
+              </a:extLst>
+            </p:cNvPr>
+            <p:cNvCxnSpPr>
+              <a:cxnSpLocks/>
+            </p:cNvCxnSpPr>
+            <p:nvPr/>
+          </p:nvCxnSpPr>
+          <p:spPr>
+            <a:xfrm>
+              <a:off x="6534446" y="2312956"/>
+              <a:ext cx="657155" cy="0"/>
+            </a:xfrm>
+            <a:prstGeom prst="line">
+              <a:avLst/>
+            </a:prstGeom>
+            <a:ln w="12700"/>
+          </p:spPr>
+          <p:style>
+            <a:lnRef idx="1">
+              <a:schemeClr val="dk1"/>
+            </a:lnRef>
+            <a:fillRef idx="0">
+              <a:schemeClr val="dk1"/>
+            </a:fillRef>
+            <a:effectRef idx="0">
+              <a:schemeClr val="dk1"/>
+            </a:effectRef>
+            <a:fontRef idx="minor">
+              <a:schemeClr val="tx1"/>
+            </a:fontRef>
+          </p:style>
+        </p:cxnSp>
+        <p:cxnSp>
+          <p:nvCxnSpPr>
+            <p:cNvPr id="84" name="Straight Connector 83">
+              <a:extLst>
+                <a:ext uri="{FF2B5EF4-FFF2-40B4-BE49-F238E27FC236}">
+                  <a16:creationId xmlns:a16="http://schemas.microsoft.com/office/drawing/2014/main" id="{4EC73F9E-3D55-4670-9749-4D6641AD6445}"/>
+                </a:ext>
+              </a:extLst>
+            </p:cNvPr>
+            <p:cNvCxnSpPr/>
+            <p:nvPr/>
+          </p:nvCxnSpPr>
+          <p:spPr>
+            <a:xfrm>
+              <a:off x="9924758" y="2335226"/>
+              <a:ext cx="0" cy="1109011"/>
+            </a:xfrm>
+            <a:prstGeom prst="line">
+              <a:avLst/>
+            </a:prstGeom>
+            <a:ln w="12700">
+              <a:solidFill>
+                <a:schemeClr val="tx1"/>
+              </a:solidFill>
+            </a:ln>
+          </p:spPr>
+          <p:style>
+            <a:lnRef idx="1">
+              <a:schemeClr val="accent1"/>
+            </a:lnRef>
+            <a:fillRef idx="0">
+              <a:schemeClr val="accent1"/>
+            </a:fillRef>
+            <a:effectRef idx="0">
+              <a:schemeClr val="accent1"/>
+            </a:effectRef>
+            <a:fontRef idx="minor">
+              <a:schemeClr val="tx1"/>
+            </a:fontRef>
+          </p:style>
+        </p:cxnSp>
+        <p:cxnSp>
+          <p:nvCxnSpPr>
+            <p:cNvPr id="86" name="Straight Connector 85">
+              <a:extLst>
+                <a:ext uri="{FF2B5EF4-FFF2-40B4-BE49-F238E27FC236}">
+                  <a16:creationId xmlns:a16="http://schemas.microsoft.com/office/drawing/2014/main" id="{8E016437-C2BF-4479-843E-E326351EC519}"/>
+                </a:ext>
+              </a:extLst>
+            </p:cNvPr>
+            <p:cNvCxnSpPr>
+              <a:cxnSpLocks/>
+            </p:cNvCxnSpPr>
+            <p:nvPr/>
+          </p:nvCxnSpPr>
+          <p:spPr>
+            <a:xfrm>
+              <a:off x="9949374" y="3978809"/>
+              <a:ext cx="0" cy="686981"/>
+            </a:xfrm>
+            <a:prstGeom prst="line">
+              <a:avLst/>
+            </a:prstGeom>
+            <a:ln w="12700">
+              <a:solidFill>
+                <a:schemeClr val="tx1"/>
+              </a:solidFill>
+            </a:ln>
+          </p:spPr>
+          <p:style>
+            <a:lnRef idx="1">
+              <a:schemeClr val="accent1"/>
+            </a:lnRef>
+            <a:fillRef idx="0">
+              <a:schemeClr val="accent1"/>
+            </a:fillRef>
+            <a:effectRef idx="0">
+              <a:schemeClr val="accent1"/>
+            </a:effectRef>
+            <a:fontRef idx="minor">
+              <a:schemeClr val="tx1"/>
+            </a:fontRef>
+          </p:style>
+        </p:cxnSp>
+        <p:cxnSp>
+          <p:nvCxnSpPr>
+            <p:cNvPr id="88" name="Straight Connector 87">
+              <a:extLst>
+                <a:ext uri="{FF2B5EF4-FFF2-40B4-BE49-F238E27FC236}">
+                  <a16:creationId xmlns:a16="http://schemas.microsoft.com/office/drawing/2014/main" id="{0A9D9839-5FCC-4459-A787-65D7865832AB}"/>
+                </a:ext>
+              </a:extLst>
+            </p:cNvPr>
+            <p:cNvCxnSpPr>
+              <a:cxnSpLocks/>
+            </p:cNvCxnSpPr>
+            <p:nvPr/>
+          </p:nvCxnSpPr>
+          <p:spPr>
+            <a:xfrm>
+              <a:off x="9949374" y="5574371"/>
+              <a:ext cx="0" cy="517704"/>
+            </a:xfrm>
+            <a:prstGeom prst="line">
+              <a:avLst/>
+            </a:prstGeom>
+            <a:ln w="12700">
+              <a:solidFill>
+                <a:schemeClr val="tx1"/>
+              </a:solidFill>
+            </a:ln>
+          </p:spPr>
+          <p:style>
+            <a:lnRef idx="1">
+              <a:schemeClr val="accent1"/>
+            </a:lnRef>
+            <a:fillRef idx="0">
+              <a:schemeClr val="accent1"/>
+            </a:fillRef>
+            <a:effectRef idx="0">
+              <a:schemeClr val="accent1"/>
+            </a:effectRef>
+            <a:fontRef idx="minor">
+              <a:schemeClr val="tx1"/>
+            </a:fontRef>
+          </p:style>
+        </p:cxnSp>
+        <p:cxnSp>
+          <p:nvCxnSpPr>
+            <p:cNvPr id="90" name="Straight Connector 89">
+              <a:extLst>
+                <a:ext uri="{FF2B5EF4-FFF2-40B4-BE49-F238E27FC236}">
+                  <a16:creationId xmlns:a16="http://schemas.microsoft.com/office/drawing/2014/main" id="{4A6CE92E-BFA5-4753-ADC3-AE926C5CA948}"/>
+                </a:ext>
+              </a:extLst>
+            </p:cNvPr>
+            <p:cNvCxnSpPr>
+              <a:cxnSpLocks/>
+            </p:cNvCxnSpPr>
+            <p:nvPr/>
+          </p:nvCxnSpPr>
+          <p:spPr>
+            <a:xfrm>
+              <a:off x="2092571" y="4276464"/>
+              <a:ext cx="0" cy="502714"/>
+            </a:xfrm>
+            <a:prstGeom prst="line">
+              <a:avLst/>
+            </a:prstGeom>
+            <a:ln w="12700">
+              <a:solidFill>
+                <a:schemeClr val="tx1"/>
+              </a:solidFill>
+            </a:ln>
+          </p:spPr>
+          <p:style>
+            <a:lnRef idx="1">
+              <a:schemeClr val="accent1"/>
+            </a:lnRef>
+            <a:fillRef idx="0">
+              <a:schemeClr val="accent1"/>
+            </a:fillRef>
+            <a:effectRef idx="0">
+              <a:schemeClr val="accent1"/>
+            </a:effectRef>
+            <a:fontRef idx="minor">
+              <a:schemeClr val="tx1"/>
+            </a:fontRef>
+          </p:style>
+        </p:cxnSp>
+      </p:grpSp>
+    </p:spTree>
+    <p:extLst>
+      <p:ext uri="{BB962C8B-B14F-4D97-AF65-F5344CB8AC3E}">
+        <p14:creationId xmlns:p14="http://schemas.microsoft.com/office/powerpoint/2010/main" val="3332400843"/>
+      </p:ext>
+    </p:extLst>
+  </p:cSld>
+  <p:clrMapOvr>
+    <a:masterClrMapping/>
+  </p:clrMapOvr>
+</p:sld>
+</file>
+
 <file path=ppt/theme/theme1.xml><?xml version="1.0" encoding="utf-8"?>
 <a:theme xmlns:a="http://schemas.openxmlformats.org/drawingml/2006/main" name="Office Theme">
   <a:themeElements>
